--- a/slides/Lec-30.pptx
+++ b/slides/Lec-30.pptx
@@ -1,34 +1,34 @@
 
 <file path=ppt/presentation.xml><?xml version="1.0" encoding="utf-8"?>
-<p:presentation xmlns:a="http://schemas.openxmlformats.org/drawingml/2006/main" xmlns:r="http://schemas.openxmlformats.org/officeDocument/2006/relationships" xmlns:mc="http://schemas.openxmlformats.org/markup-compatibility/2006" xmlns:mv="urn:schemas-microsoft-com:mac:vml" xmlns:p="http://schemas.openxmlformats.org/presentationml/2006/main" xmlns:c="http://schemas.openxmlformats.org/drawingml/2006/chart" xmlns:dgm="http://schemas.openxmlformats.org/drawingml/2006/diagram" xmlns:o="urn:schemas-microsoft-com:office:office" xmlns:v="urn:schemas-microsoft-com:vml" xmlns:pvml="urn:schemas-microsoft-com:office:powerpoint" xmlns:com="http://schemas.openxmlformats.org/drawingml/2006/compatibility" xmlns:p14="http://schemas.microsoft.com/office/powerpoint/2010/main" xmlns:p15="http://schemas.microsoft.com/office/powerpoint/2012/main" xmlns:ahyp="http://schemas.microsoft.com/office/drawing/2018/hyperlinkcolor" autoCompressPictures="0" strictFirstAndLastChars="0" saveSubsetFonts="1">
+<p:presentation xmlns:a="http://schemas.openxmlformats.org/drawingml/2006/main" xmlns:r="http://schemas.openxmlformats.org/officeDocument/2006/relationships" xmlns:p="http://schemas.openxmlformats.org/presentationml/2006/main" strictFirstAndLastChars="0" saveSubsetFonts="1" autoCompressPictures="0">
   <p:sldMasterIdLst>
-    <p:sldMasterId id="2147483659" r:id="rId4"/>
+    <p:sldMasterId id="2147483659" r:id="rId1"/>
   </p:sldMasterIdLst>
   <p:notesMasterIdLst>
-    <p:notesMasterId r:id="rId5"/>
+    <p:notesMasterId r:id="rId18"/>
   </p:notesMasterIdLst>
   <p:sldIdLst>
-    <p:sldId id="256" r:id="rId6"/>
-    <p:sldId id="257" r:id="rId7"/>
-    <p:sldId id="258" r:id="rId8"/>
-    <p:sldId id="259" r:id="rId9"/>
-    <p:sldId id="260" r:id="rId10"/>
-    <p:sldId id="261" r:id="rId11"/>
-    <p:sldId id="262" r:id="rId12"/>
-    <p:sldId id="263" r:id="rId13"/>
-    <p:sldId id="264" r:id="rId14"/>
-    <p:sldId id="265" r:id="rId15"/>
-    <p:sldId id="266" r:id="rId16"/>
-    <p:sldId id="267" r:id="rId17"/>
-    <p:sldId id="268" r:id="rId18"/>
-    <p:sldId id="269" r:id="rId19"/>
-    <p:sldId id="270" r:id="rId20"/>
-    <p:sldId id="271" r:id="rId21"/>
+    <p:sldId id="256" r:id="rId2"/>
+    <p:sldId id="257" r:id="rId3"/>
+    <p:sldId id="258" r:id="rId4"/>
+    <p:sldId id="259" r:id="rId5"/>
+    <p:sldId id="260" r:id="rId6"/>
+    <p:sldId id="261" r:id="rId7"/>
+    <p:sldId id="262" r:id="rId8"/>
+    <p:sldId id="263" r:id="rId9"/>
+    <p:sldId id="264" r:id="rId10"/>
+    <p:sldId id="265" r:id="rId11"/>
+    <p:sldId id="266" r:id="rId12"/>
+    <p:sldId id="267" r:id="rId13"/>
+    <p:sldId id="268" r:id="rId14"/>
+    <p:sldId id="269" r:id="rId15"/>
+    <p:sldId id="270" r:id="rId16"/>
+    <p:sldId id="271" r:id="rId17"/>
   </p:sldIdLst>
-  <p:sldSz cy="5143500" cx="9144000"/>
+  <p:sldSz cx="9144000" cy="5143500" type="screen16x9"/>
   <p:notesSz cx="6858000" cy="9144000"/>
   <p:defaultTextStyle>
-    <a:defPPr lvl="0" marR="0" rtl="0" algn="l">
+    <a:defPPr marR="0" lvl="0" algn="l" rtl="0">
       <a:lnSpc>
         <a:spcPct val="100000"/>
       </a:lnSpc>
@@ -39,7 +39,7 @@
         <a:spcPts val="0"/>
       </a:spcAft>
     </a:defPPr>
-    <a:lvl1pPr lvl="0" marR="0" rtl="0" algn="l">
+    <a:lvl1pPr marR="0" lvl="0" algn="l" rtl="0">
       <a:lnSpc>
         <a:spcPct val="100000"/>
       </a:lnSpc>
@@ -53,7 +53,7 @@
         <a:srgbClr val="000000"/>
       </a:buClr>
       <a:buFont typeface="Arial"/>
-      <a:defRPr b="0" i="0" sz="1400" u="none" cap="none" strike="noStrike">
+      <a:defRPr sz="1400" b="0" i="0" u="none" strike="noStrike" cap="none">
         <a:solidFill>
           <a:srgbClr val="000000"/>
         </a:solidFill>
@@ -63,7 +63,7 @@
         <a:sym typeface="Arial"/>
       </a:defRPr>
     </a:lvl1pPr>
-    <a:lvl2pPr lvl="1" marR="0" rtl="0" algn="l">
+    <a:lvl2pPr marR="0" lvl="1" algn="l" rtl="0">
       <a:lnSpc>
         <a:spcPct val="100000"/>
       </a:lnSpc>
@@ -77,7 +77,7 @@
         <a:srgbClr val="000000"/>
       </a:buClr>
       <a:buFont typeface="Arial"/>
-      <a:defRPr b="0" i="0" sz="1400" u="none" cap="none" strike="noStrike">
+      <a:defRPr sz="1400" b="0" i="0" u="none" strike="noStrike" cap="none">
         <a:solidFill>
           <a:srgbClr val="000000"/>
         </a:solidFill>
@@ -87,7 +87,7 @@
         <a:sym typeface="Arial"/>
       </a:defRPr>
     </a:lvl2pPr>
-    <a:lvl3pPr lvl="2" marR="0" rtl="0" algn="l">
+    <a:lvl3pPr marR="0" lvl="2" algn="l" rtl="0">
       <a:lnSpc>
         <a:spcPct val="100000"/>
       </a:lnSpc>
@@ -101,7 +101,7 @@
         <a:srgbClr val="000000"/>
       </a:buClr>
       <a:buFont typeface="Arial"/>
-      <a:defRPr b="0" i="0" sz="1400" u="none" cap="none" strike="noStrike">
+      <a:defRPr sz="1400" b="0" i="0" u="none" strike="noStrike" cap="none">
         <a:solidFill>
           <a:srgbClr val="000000"/>
         </a:solidFill>
@@ -111,7 +111,7 @@
         <a:sym typeface="Arial"/>
       </a:defRPr>
     </a:lvl3pPr>
-    <a:lvl4pPr lvl="3" marR="0" rtl="0" algn="l">
+    <a:lvl4pPr marR="0" lvl="3" algn="l" rtl="0">
       <a:lnSpc>
         <a:spcPct val="100000"/>
       </a:lnSpc>
@@ -125,7 +125,7 @@
         <a:srgbClr val="000000"/>
       </a:buClr>
       <a:buFont typeface="Arial"/>
-      <a:defRPr b="0" i="0" sz="1400" u="none" cap="none" strike="noStrike">
+      <a:defRPr sz="1400" b="0" i="0" u="none" strike="noStrike" cap="none">
         <a:solidFill>
           <a:srgbClr val="000000"/>
         </a:solidFill>
@@ -135,7 +135,7 @@
         <a:sym typeface="Arial"/>
       </a:defRPr>
     </a:lvl4pPr>
-    <a:lvl5pPr lvl="4" marR="0" rtl="0" algn="l">
+    <a:lvl5pPr marR="0" lvl="4" algn="l" rtl="0">
       <a:lnSpc>
         <a:spcPct val="100000"/>
       </a:lnSpc>
@@ -149,7 +149,7 @@
         <a:srgbClr val="000000"/>
       </a:buClr>
       <a:buFont typeface="Arial"/>
-      <a:defRPr b="0" i="0" sz="1400" u="none" cap="none" strike="noStrike">
+      <a:defRPr sz="1400" b="0" i="0" u="none" strike="noStrike" cap="none">
         <a:solidFill>
           <a:srgbClr val="000000"/>
         </a:solidFill>
@@ -159,7 +159,7 @@
         <a:sym typeface="Arial"/>
       </a:defRPr>
     </a:lvl5pPr>
-    <a:lvl6pPr lvl="5" marR="0" rtl="0" algn="l">
+    <a:lvl6pPr marR="0" lvl="5" algn="l" rtl="0">
       <a:lnSpc>
         <a:spcPct val="100000"/>
       </a:lnSpc>
@@ -173,7 +173,7 @@
         <a:srgbClr val="000000"/>
       </a:buClr>
       <a:buFont typeface="Arial"/>
-      <a:defRPr b="0" i="0" sz="1400" u="none" cap="none" strike="noStrike">
+      <a:defRPr sz="1400" b="0" i="0" u="none" strike="noStrike" cap="none">
         <a:solidFill>
           <a:srgbClr val="000000"/>
         </a:solidFill>
@@ -183,7 +183,7 @@
         <a:sym typeface="Arial"/>
       </a:defRPr>
     </a:lvl6pPr>
-    <a:lvl7pPr lvl="6" marR="0" rtl="0" algn="l">
+    <a:lvl7pPr marR="0" lvl="6" algn="l" rtl="0">
       <a:lnSpc>
         <a:spcPct val="100000"/>
       </a:lnSpc>
@@ -197,7 +197,7 @@
         <a:srgbClr val="000000"/>
       </a:buClr>
       <a:buFont typeface="Arial"/>
-      <a:defRPr b="0" i="0" sz="1400" u="none" cap="none" strike="noStrike">
+      <a:defRPr sz="1400" b="0" i="0" u="none" strike="noStrike" cap="none">
         <a:solidFill>
           <a:srgbClr val="000000"/>
         </a:solidFill>
@@ -207,7 +207,7 @@
         <a:sym typeface="Arial"/>
       </a:defRPr>
     </a:lvl7pPr>
-    <a:lvl8pPr lvl="7" marR="0" rtl="0" algn="l">
+    <a:lvl8pPr marR="0" lvl="7" algn="l" rtl="0">
       <a:lnSpc>
         <a:spcPct val="100000"/>
       </a:lnSpc>
@@ -221,7 +221,7 @@
         <a:srgbClr val="000000"/>
       </a:buClr>
       <a:buFont typeface="Arial"/>
-      <a:defRPr b="0" i="0" sz="1400" u="none" cap="none" strike="noStrike">
+      <a:defRPr sz="1400" b="0" i="0" u="none" strike="noStrike" cap="none">
         <a:solidFill>
           <a:srgbClr val="000000"/>
         </a:solidFill>
@@ -231,7 +231,7 @@
         <a:sym typeface="Arial"/>
       </a:defRPr>
     </a:lvl8pPr>
-    <a:lvl9pPr lvl="8" marR="0" rtl="0" algn="l">
+    <a:lvl9pPr marR="0" lvl="8" algn="l" rtl="0">
       <a:lnSpc>
         <a:spcPct val="100000"/>
       </a:lnSpc>
@@ -245,7 +245,7 @@
         <a:srgbClr val="000000"/>
       </a:buClr>
       <a:buFont typeface="Arial"/>
-      <a:defRPr b="0" i="0" sz="1400" u="none" cap="none" strike="noStrike">
+      <a:defRPr sz="1400" b="0" i="0" u="none" strike="noStrike" cap="none">
         <a:solidFill>
           <a:srgbClr val="000000"/>
         </a:solidFill>
@@ -258,7 +258,7 @@
   </p:defaultTextStyle>
   <p:extLst>
     <p:ext uri="{EFAFB233-063F-42B5-8137-9DF3F51BA10A}">
-      <p15:sldGuideLst>
+      <p15:sldGuideLst xmlns:p15="http://schemas.microsoft.com/office/powerpoint/2012/main">
         <p15:guide id="1" orient="horz" pos="1620">
           <p15:clr>
             <a:srgbClr val="A4A3A4"/>
@@ -276,11 +276,16 @@
 </file>
 
 <file path=ppt/notesMasters/notesMaster1.xml><?xml version="1.0" encoding="utf-8"?>
-<p:notesMaster xmlns:a="http://schemas.openxmlformats.org/drawingml/2006/main" xmlns:r="http://schemas.openxmlformats.org/officeDocument/2006/relationships" xmlns:mc="http://schemas.openxmlformats.org/markup-compatibility/2006" xmlns:mv="urn:schemas-microsoft-com:mac:vml" xmlns:p="http://schemas.openxmlformats.org/presentationml/2006/main" xmlns:c="http://schemas.openxmlformats.org/drawingml/2006/chart" xmlns:dgm="http://schemas.openxmlformats.org/drawingml/2006/diagram" xmlns:o="urn:schemas-microsoft-com:office:office" xmlns:v="urn:schemas-microsoft-com:vml" xmlns:pvml="urn:schemas-microsoft-com:office:powerpoint" xmlns:com="http://schemas.openxmlformats.org/drawingml/2006/compatibility" xmlns:p14="http://schemas.microsoft.com/office/powerpoint/2010/main" xmlns:p15="http://schemas.microsoft.com/office/powerpoint/2012/main" xmlns:ahyp="http://schemas.microsoft.com/office/drawing/2018/hyperlinkcolor">
+<p:notesMaster xmlns:a="http://schemas.openxmlformats.org/drawingml/2006/main" xmlns:r="http://schemas.openxmlformats.org/officeDocument/2006/relationships" xmlns:p="http://schemas.openxmlformats.org/presentationml/2006/main">
   <p:cSld>
+    <p:bg>
+      <p:bgRef idx="1001">
+        <a:schemeClr val="bg1"/>
+      </p:bgRef>
+    </p:bg>
     <p:spTree>
       <p:nvGrpSpPr>
-        <p:cNvPr id="2" name="Shape 2"/>
+        <p:cNvPr id="1" name="Shape 2"/>
         <p:cNvGrpSpPr/>
         <p:nvPr/>
       </p:nvGrpSpPr>
@@ -295,9 +300,11 @@
       <p:sp>
         <p:nvSpPr>
           <p:cNvPr id="3" name="Google Shape;3;n"/>
-          <p:cNvSpPr/>
+          <p:cNvSpPr>
+            <a:spLocks noGrp="1" noRot="1" noChangeAspect="1"/>
+          </p:cNvSpPr>
           <p:nvPr>
-            <p:ph idx="2" type="sldImg"/>
+            <p:ph type="sldImg" idx="2"/>
           </p:nvPr>
         </p:nvSpPr>
         <p:spPr>
@@ -306,9 +313,13 @@
             <a:ext cx="6096075" cy="3429000"/>
           </a:xfrm>
           <a:custGeom>
-            <a:rect b="b" l="l" r="r" t="t"/>
+            <a:avLst/>
+            <a:gdLst/>
+            <a:ahLst/>
+            <a:cxnLst/>
+            <a:rect l="l" t="t" r="r" b="b"/>
             <a:pathLst>
-              <a:path extrusionOk="0" h="120000" w="120000">
+              <a:path w="120000" h="120000" extrusionOk="0">
                 <a:moveTo>
                   <a:pt x="0" y="0"/>
                 </a:moveTo>
@@ -326,23 +337,25 @@
             </a:pathLst>
           </a:custGeom>
           <a:noFill/>
-          <a:ln cap="flat" cmpd="sng" w="9525">
+          <a:ln w="9525" cap="flat" cmpd="sng">
             <a:solidFill>
               <a:srgbClr val="000000"/>
             </a:solidFill>
             <a:prstDash val="solid"/>
             <a:round/>
-            <a:headEnd len="sm" w="sm" type="none"/>
-            <a:tailEnd len="sm" w="sm" type="none"/>
+            <a:headEnd type="none" w="sm" len="sm"/>
+            <a:tailEnd type="none" w="sm" len="sm"/>
           </a:ln>
         </p:spPr>
       </p:sp>
       <p:sp>
         <p:nvSpPr>
           <p:cNvPr id="4" name="Google Shape;4;n"/>
-          <p:cNvSpPr txBox="1"/>
+          <p:cNvSpPr txBox="1">
+            <a:spLocks noGrp="1"/>
+          </p:cNvSpPr>
           <p:nvPr>
-            <p:ph idx="1" type="body"/>
+            <p:ph type="body" idx="1"/>
           </p:nvPr>
         </p:nvSpPr>
         <p:spPr>
@@ -359,11 +372,11 @@
           </a:ln>
         </p:spPr>
         <p:txBody>
-          <a:bodyPr anchorCtr="0" anchor="t" bIns="91425" lIns="91425" spcFirstLastPara="1" rIns="91425" wrap="square" tIns="91425">
+          <a:bodyPr spcFirstLastPara="1" wrap="square" lIns="91425" tIns="91425" rIns="91425" bIns="91425" anchor="t" anchorCtr="0">
             <a:noAutofit/>
           </a:bodyPr>
           <a:lstStyle>
-            <a:lvl1pPr indent="-298450" lvl="0" marL="457200">
+            <a:lvl1pPr marL="457200" lvl="0" indent="-298450">
               <a:spcBef>
                 <a:spcPts val="0"/>
               </a:spcBef>
@@ -374,7 +387,7 @@
               <a:buChar char="●"/>
               <a:defRPr sz="1100"/>
             </a:lvl1pPr>
-            <a:lvl2pPr indent="-298450" lvl="1" marL="914400">
+            <a:lvl2pPr marL="914400" lvl="1" indent="-298450">
               <a:spcBef>
                 <a:spcPts val="0"/>
               </a:spcBef>
@@ -385,7 +398,7 @@
               <a:buChar char="○"/>
               <a:defRPr sz="1100"/>
             </a:lvl2pPr>
-            <a:lvl3pPr indent="-298450" lvl="2" marL="1371600">
+            <a:lvl3pPr marL="1371600" lvl="2" indent="-298450">
               <a:spcBef>
                 <a:spcPts val="0"/>
               </a:spcBef>
@@ -396,7 +409,7 @@
               <a:buChar char="■"/>
               <a:defRPr sz="1100"/>
             </a:lvl3pPr>
-            <a:lvl4pPr indent="-298450" lvl="3" marL="1828800">
+            <a:lvl4pPr marL="1828800" lvl="3" indent="-298450">
               <a:spcBef>
                 <a:spcPts val="0"/>
               </a:spcBef>
@@ -407,7 +420,7 @@
               <a:buChar char="●"/>
               <a:defRPr sz="1100"/>
             </a:lvl4pPr>
-            <a:lvl5pPr indent="-298450" lvl="4" marL="2286000">
+            <a:lvl5pPr marL="2286000" lvl="4" indent="-298450">
               <a:spcBef>
                 <a:spcPts val="0"/>
               </a:spcBef>
@@ -418,7 +431,7 @@
               <a:buChar char="○"/>
               <a:defRPr sz="1100"/>
             </a:lvl5pPr>
-            <a:lvl6pPr indent="-298450" lvl="5" marL="2743200">
+            <a:lvl6pPr marL="2743200" lvl="5" indent="-298450">
               <a:spcBef>
                 <a:spcPts val="0"/>
               </a:spcBef>
@@ -429,7 +442,7 @@
               <a:buChar char="■"/>
               <a:defRPr sz="1100"/>
             </a:lvl6pPr>
-            <a:lvl7pPr indent="-298450" lvl="6" marL="3200400">
+            <a:lvl7pPr marL="3200400" lvl="6" indent="-298450">
               <a:spcBef>
                 <a:spcPts val="0"/>
               </a:spcBef>
@@ -440,7 +453,7 @@
               <a:buChar char="●"/>
               <a:defRPr sz="1100"/>
             </a:lvl7pPr>
-            <a:lvl8pPr indent="-298450" lvl="7" marL="3657600">
+            <a:lvl8pPr marL="3657600" lvl="7" indent="-298450">
               <a:spcBef>
                 <a:spcPts val="0"/>
               </a:spcBef>
@@ -451,7 +464,7 @@
               <a:buChar char="○"/>
               <a:defRPr sz="1100"/>
             </a:lvl8pPr>
-            <a:lvl9pPr indent="-298450" lvl="8" marL="4114800">
+            <a:lvl9pPr marL="4114800" lvl="8" indent="-298450">
               <a:spcBef>
                 <a:spcPts val="0"/>
               </a:spcBef>
@@ -463,14 +476,16 @@
               <a:defRPr sz="1100"/>
             </a:lvl9pPr>
           </a:lstStyle>
-          <a:p/>
+          <a:p>
+            <a:endParaRPr/>
+          </a:p>
         </p:txBody>
       </p:sp>
     </p:spTree>
   </p:cSld>
-  <p:clrMap accent1="accent1" accent2="accent2" accent3="accent3" accent4="accent4" accent5="accent5" accent6="accent6" bg1="lt1" bg2="dk2" tx1="dk1" tx2="lt2" folHlink="folHlink" hlink="hlink"/>
+  <p:clrMap bg1="lt1" tx1="dk1" bg2="dk2" tx2="lt2" accent1="accent1" accent2="accent2" accent3="accent3" accent4="accent4" accent5="accent5" accent6="accent6" hlink="hlink" folHlink="folHlink"/>
   <p:notesStyle>
-    <a:defPPr lvl="0" marR="0" rtl="0" algn="l">
+    <a:defPPr marR="0" lvl="0" algn="l" rtl="0">
       <a:lnSpc>
         <a:spcPct val="100000"/>
       </a:lnSpc>
@@ -481,7 +496,7 @@
         <a:spcPts val="0"/>
       </a:spcAft>
     </a:defPPr>
-    <a:lvl1pPr lvl="0" marR="0" rtl="0" algn="l">
+    <a:lvl1pPr marR="0" lvl="0" algn="l" rtl="0">
       <a:lnSpc>
         <a:spcPct val="100000"/>
       </a:lnSpc>
@@ -495,7 +510,7 @@
         <a:srgbClr val="000000"/>
       </a:buClr>
       <a:buFont typeface="Arial"/>
-      <a:defRPr b="0" i="0" sz="1400" u="none" cap="none" strike="noStrike">
+      <a:defRPr sz="1400" b="0" i="0" u="none" strike="noStrike" cap="none">
         <a:solidFill>
           <a:srgbClr val="000000"/>
         </a:solidFill>
@@ -505,7 +520,7 @@
         <a:sym typeface="Arial"/>
       </a:defRPr>
     </a:lvl1pPr>
-    <a:lvl2pPr lvl="1" marR="0" rtl="0" algn="l">
+    <a:lvl2pPr marR="0" lvl="1" algn="l" rtl="0">
       <a:lnSpc>
         <a:spcPct val="100000"/>
       </a:lnSpc>
@@ -519,7 +534,7 @@
         <a:srgbClr val="000000"/>
       </a:buClr>
       <a:buFont typeface="Arial"/>
-      <a:defRPr b="0" i="0" sz="1400" u="none" cap="none" strike="noStrike">
+      <a:defRPr sz="1400" b="0" i="0" u="none" strike="noStrike" cap="none">
         <a:solidFill>
           <a:srgbClr val="000000"/>
         </a:solidFill>
@@ -529,7 +544,7 @@
         <a:sym typeface="Arial"/>
       </a:defRPr>
     </a:lvl2pPr>
-    <a:lvl3pPr lvl="2" marR="0" rtl="0" algn="l">
+    <a:lvl3pPr marR="0" lvl="2" algn="l" rtl="0">
       <a:lnSpc>
         <a:spcPct val="100000"/>
       </a:lnSpc>
@@ -543,7 +558,7 @@
         <a:srgbClr val="000000"/>
       </a:buClr>
       <a:buFont typeface="Arial"/>
-      <a:defRPr b="0" i="0" sz="1400" u="none" cap="none" strike="noStrike">
+      <a:defRPr sz="1400" b="0" i="0" u="none" strike="noStrike" cap="none">
         <a:solidFill>
           <a:srgbClr val="000000"/>
         </a:solidFill>
@@ -553,7 +568,7 @@
         <a:sym typeface="Arial"/>
       </a:defRPr>
     </a:lvl3pPr>
-    <a:lvl4pPr lvl="3" marR="0" rtl="0" algn="l">
+    <a:lvl4pPr marR="0" lvl="3" algn="l" rtl="0">
       <a:lnSpc>
         <a:spcPct val="100000"/>
       </a:lnSpc>
@@ -567,7 +582,7 @@
         <a:srgbClr val="000000"/>
       </a:buClr>
       <a:buFont typeface="Arial"/>
-      <a:defRPr b="0" i="0" sz="1400" u="none" cap="none" strike="noStrike">
+      <a:defRPr sz="1400" b="0" i="0" u="none" strike="noStrike" cap="none">
         <a:solidFill>
           <a:srgbClr val="000000"/>
         </a:solidFill>
@@ -577,7 +592,7 @@
         <a:sym typeface="Arial"/>
       </a:defRPr>
     </a:lvl4pPr>
-    <a:lvl5pPr lvl="4" marR="0" rtl="0" algn="l">
+    <a:lvl5pPr marR="0" lvl="4" algn="l" rtl="0">
       <a:lnSpc>
         <a:spcPct val="100000"/>
       </a:lnSpc>
@@ -591,7 +606,7 @@
         <a:srgbClr val="000000"/>
       </a:buClr>
       <a:buFont typeface="Arial"/>
-      <a:defRPr b="0" i="0" sz="1400" u="none" cap="none" strike="noStrike">
+      <a:defRPr sz="1400" b="0" i="0" u="none" strike="noStrike" cap="none">
         <a:solidFill>
           <a:srgbClr val="000000"/>
         </a:solidFill>
@@ -601,7 +616,7 @@
         <a:sym typeface="Arial"/>
       </a:defRPr>
     </a:lvl5pPr>
-    <a:lvl6pPr lvl="5" marR="0" rtl="0" algn="l">
+    <a:lvl6pPr marR="0" lvl="5" algn="l" rtl="0">
       <a:lnSpc>
         <a:spcPct val="100000"/>
       </a:lnSpc>
@@ -615,7 +630,7 @@
         <a:srgbClr val="000000"/>
       </a:buClr>
       <a:buFont typeface="Arial"/>
-      <a:defRPr b="0" i="0" sz="1400" u="none" cap="none" strike="noStrike">
+      <a:defRPr sz="1400" b="0" i="0" u="none" strike="noStrike" cap="none">
         <a:solidFill>
           <a:srgbClr val="000000"/>
         </a:solidFill>
@@ -625,7 +640,7 @@
         <a:sym typeface="Arial"/>
       </a:defRPr>
     </a:lvl6pPr>
-    <a:lvl7pPr lvl="6" marR="0" rtl="0" algn="l">
+    <a:lvl7pPr marR="0" lvl="6" algn="l" rtl="0">
       <a:lnSpc>
         <a:spcPct val="100000"/>
       </a:lnSpc>
@@ -639,7 +654,7 @@
         <a:srgbClr val="000000"/>
       </a:buClr>
       <a:buFont typeface="Arial"/>
-      <a:defRPr b="0" i="0" sz="1400" u="none" cap="none" strike="noStrike">
+      <a:defRPr sz="1400" b="0" i="0" u="none" strike="noStrike" cap="none">
         <a:solidFill>
           <a:srgbClr val="000000"/>
         </a:solidFill>
@@ -649,7 +664,7 @@
         <a:sym typeface="Arial"/>
       </a:defRPr>
     </a:lvl7pPr>
-    <a:lvl8pPr lvl="7" marR="0" rtl="0" algn="l">
+    <a:lvl8pPr marR="0" lvl="7" algn="l" rtl="0">
       <a:lnSpc>
         <a:spcPct val="100000"/>
       </a:lnSpc>
@@ -663,7 +678,7 @@
         <a:srgbClr val="000000"/>
       </a:buClr>
       <a:buFont typeface="Arial"/>
-      <a:defRPr b="0" i="0" sz="1400" u="none" cap="none" strike="noStrike">
+      <a:defRPr sz="1400" b="0" i="0" u="none" strike="noStrike" cap="none">
         <a:solidFill>
           <a:srgbClr val="000000"/>
         </a:solidFill>
@@ -673,7 +688,7 @@
         <a:sym typeface="Arial"/>
       </a:defRPr>
     </a:lvl8pPr>
-    <a:lvl9pPr lvl="8" marR="0" rtl="0" algn="l">
+    <a:lvl9pPr marR="0" lvl="8" algn="l" rtl="0">
       <a:lnSpc>
         <a:spcPct val="100000"/>
       </a:lnSpc>
@@ -687,7 +702,7 @@
         <a:srgbClr val="000000"/>
       </a:buClr>
       <a:buFont typeface="Arial"/>
-      <a:defRPr b="0" i="0" sz="1400" u="none" cap="none" strike="noStrike">
+      <a:defRPr sz="1400" b="0" i="0" u="none" strike="noStrike" cap="none">
         <a:solidFill>
           <a:srgbClr val="000000"/>
         </a:solidFill>
@@ -702,11 +717,11 @@
 </file>
 
 <file path=ppt/notesSlides/notesSlide1.xml><?xml version="1.0" encoding="utf-8"?>
-<p:notes xmlns:a="http://schemas.openxmlformats.org/drawingml/2006/main" xmlns:r="http://schemas.openxmlformats.org/officeDocument/2006/relationships" xmlns:mc="http://schemas.openxmlformats.org/markup-compatibility/2006" xmlns:mv="urn:schemas-microsoft-com:mac:vml" xmlns:p="http://schemas.openxmlformats.org/presentationml/2006/main" xmlns:c="http://schemas.openxmlformats.org/drawingml/2006/chart" xmlns:dgm="http://schemas.openxmlformats.org/drawingml/2006/diagram" xmlns:o="urn:schemas-microsoft-com:office:office" xmlns:v="urn:schemas-microsoft-com:vml" xmlns:pvml="urn:schemas-microsoft-com:office:powerpoint" xmlns:com="http://schemas.openxmlformats.org/drawingml/2006/compatibility" xmlns:p14="http://schemas.microsoft.com/office/powerpoint/2010/main" xmlns:p15="http://schemas.microsoft.com/office/powerpoint/2012/main" xmlns:ahyp="http://schemas.microsoft.com/office/drawing/2018/hyperlinkcolor" showMasterPhAnim="0" showMasterSp="0">
+<p:notes xmlns:a="http://schemas.openxmlformats.org/drawingml/2006/main" xmlns:r="http://schemas.openxmlformats.org/officeDocument/2006/relationships" xmlns:p="http://schemas.openxmlformats.org/presentationml/2006/main" showMasterSp="0" showMasterPhAnim="0">
   <p:cSld>
     <p:spTree>
       <p:nvGrpSpPr>
-        <p:cNvPr id="50" name="Shape 50"/>
+        <p:cNvPr id="1" name="Shape 50"/>
         <p:cNvGrpSpPr/>
         <p:nvPr/>
       </p:nvGrpSpPr>
@@ -721,9 +736,11 @@
       <p:sp>
         <p:nvSpPr>
           <p:cNvPr id="51" name="Google Shape;51;g9aa832aee5_0_0:notes"/>
-          <p:cNvSpPr/>
+          <p:cNvSpPr>
+            <a:spLocks noGrp="1" noRot="1" noChangeAspect="1"/>
+          </p:cNvSpPr>
           <p:nvPr>
-            <p:ph idx="2" type="sldImg"/>
+            <p:ph type="sldImg" idx="2"/>
           </p:nvPr>
         </p:nvSpPr>
         <p:spPr>
@@ -732,9 +749,13 @@
             <a:ext cx="6096000" cy="3429000"/>
           </a:xfrm>
           <a:custGeom>
-            <a:rect b="b" l="l" r="r" t="t"/>
+            <a:avLst/>
+            <a:gdLst/>
+            <a:ahLst/>
+            <a:cxnLst/>
+            <a:rect l="l" t="t" r="r" b="b"/>
             <a:pathLst>
-              <a:path extrusionOk="0" h="120000" w="120000">
+              <a:path w="120000" h="120000" extrusionOk="0">
                 <a:moveTo>
                   <a:pt x="0" y="0"/>
                 </a:moveTo>
@@ -756,9 +777,11 @@
       <p:sp>
         <p:nvSpPr>
           <p:cNvPr id="52" name="Google Shape;52;g9aa832aee5_0_0:notes"/>
-          <p:cNvSpPr txBox="1"/>
+          <p:cNvSpPr txBox="1">
+            <a:spLocks noGrp="1"/>
+          </p:cNvSpPr>
           <p:nvPr>
-            <p:ph idx="1" type="body"/>
+            <p:ph type="body" idx="1"/>
           </p:nvPr>
         </p:nvSpPr>
         <p:spPr>
@@ -771,12 +794,12 @@
           </a:prstGeom>
         </p:spPr>
         <p:txBody>
-          <a:bodyPr anchorCtr="0" anchor="t" bIns="91425" lIns="91425" spcFirstLastPara="1" rIns="91425" wrap="square" tIns="91425">
+          <a:bodyPr spcFirstLastPara="1" wrap="square" lIns="91425" tIns="91425" rIns="91425" bIns="91425" anchor="t" anchorCtr="0">
             <a:noAutofit/>
           </a:bodyPr>
           <a:lstStyle/>
           <a:p>
-            <a:pPr indent="0" lvl="0" marL="0" rtl="0" algn="l">
+            <a:pPr marL="0" lvl="0" indent="0" algn="l" rtl="0">
               <a:spcBef>
                 <a:spcPts val="0"/>
               </a:spcBef>
@@ -785,9 +808,6 @@
               </a:spcAft>
               <a:buNone/>
             </a:pPr>
-            <a:r>
-              <a:t/>
-            </a:r>
             <a:endParaRPr/>
           </a:p>
         </p:txBody>
@@ -801,11 +821,11 @@
 </file>
 
 <file path=ppt/notesSlides/notesSlide10.xml><?xml version="1.0" encoding="utf-8"?>
-<p:notes xmlns:a="http://schemas.openxmlformats.org/drawingml/2006/main" xmlns:r="http://schemas.openxmlformats.org/officeDocument/2006/relationships" xmlns:mc="http://schemas.openxmlformats.org/markup-compatibility/2006" xmlns:mv="urn:schemas-microsoft-com:mac:vml" xmlns:p="http://schemas.openxmlformats.org/presentationml/2006/main" xmlns:c="http://schemas.openxmlformats.org/drawingml/2006/chart" xmlns:dgm="http://schemas.openxmlformats.org/drawingml/2006/diagram" xmlns:o="urn:schemas-microsoft-com:office:office" xmlns:v="urn:schemas-microsoft-com:vml" xmlns:pvml="urn:schemas-microsoft-com:office:powerpoint" xmlns:com="http://schemas.openxmlformats.org/drawingml/2006/compatibility" xmlns:p14="http://schemas.microsoft.com/office/powerpoint/2010/main" xmlns:p15="http://schemas.microsoft.com/office/powerpoint/2012/main" xmlns:ahyp="http://schemas.microsoft.com/office/drawing/2018/hyperlinkcolor" showMasterPhAnim="0" showMasterSp="0">
+<p:notes xmlns:a="http://schemas.openxmlformats.org/drawingml/2006/main" xmlns:r="http://schemas.openxmlformats.org/officeDocument/2006/relationships" xmlns:p="http://schemas.openxmlformats.org/presentationml/2006/main" showMasterSp="0" showMasterPhAnim="0">
   <p:cSld>
     <p:spTree>
       <p:nvGrpSpPr>
-        <p:cNvPr id="138" name="Shape 138"/>
+        <p:cNvPr id="1" name="Shape 138"/>
         <p:cNvGrpSpPr/>
         <p:nvPr/>
       </p:nvGrpSpPr>
@@ -820,9 +840,11 @@
       <p:sp>
         <p:nvSpPr>
           <p:cNvPr id="139" name="Google Shape;139;ga51458f7d5_0_62:notes"/>
-          <p:cNvSpPr/>
+          <p:cNvSpPr>
+            <a:spLocks noGrp="1" noRot="1" noChangeAspect="1"/>
+          </p:cNvSpPr>
           <p:nvPr>
-            <p:ph idx="2" type="sldImg"/>
+            <p:ph type="sldImg" idx="2"/>
           </p:nvPr>
         </p:nvSpPr>
         <p:spPr>
@@ -831,9 +853,13 @@
             <a:ext cx="6096000" cy="3429000"/>
           </a:xfrm>
           <a:custGeom>
-            <a:rect b="b" l="l" r="r" t="t"/>
+            <a:avLst/>
+            <a:gdLst/>
+            <a:ahLst/>
+            <a:cxnLst/>
+            <a:rect l="l" t="t" r="r" b="b"/>
             <a:pathLst>
-              <a:path extrusionOk="0" h="120000" w="120000">
+              <a:path w="120000" h="120000" extrusionOk="0">
                 <a:moveTo>
                   <a:pt x="0" y="0"/>
                 </a:moveTo>
@@ -855,9 +881,11 @@
       <p:sp>
         <p:nvSpPr>
           <p:cNvPr id="140" name="Google Shape;140;ga51458f7d5_0_62:notes"/>
-          <p:cNvSpPr txBox="1"/>
+          <p:cNvSpPr txBox="1">
+            <a:spLocks noGrp="1"/>
+          </p:cNvSpPr>
           <p:nvPr>
-            <p:ph idx="1" type="body"/>
+            <p:ph type="body" idx="1"/>
           </p:nvPr>
         </p:nvSpPr>
         <p:spPr>
@@ -870,12 +898,12 @@
           </a:prstGeom>
         </p:spPr>
         <p:txBody>
-          <a:bodyPr anchorCtr="0" anchor="t" bIns="91425" lIns="91425" spcFirstLastPara="1" rIns="91425" wrap="square" tIns="91425">
+          <a:bodyPr spcFirstLastPara="1" wrap="square" lIns="91425" tIns="91425" rIns="91425" bIns="91425" anchor="t" anchorCtr="0">
             <a:noAutofit/>
           </a:bodyPr>
           <a:lstStyle/>
           <a:p>
-            <a:pPr indent="0" lvl="0" marL="0" rtl="0" algn="l">
+            <a:pPr marL="0" lvl="0" indent="0" algn="l" rtl="0">
               <a:spcBef>
                 <a:spcPts val="0"/>
               </a:spcBef>
@@ -884,9 +912,6 @@
               </a:spcAft>
               <a:buNone/>
             </a:pPr>
-            <a:r>
-              <a:t/>
-            </a:r>
             <a:endParaRPr/>
           </a:p>
         </p:txBody>
@@ -900,11 +925,11 @@
 </file>
 
 <file path=ppt/notesSlides/notesSlide11.xml><?xml version="1.0" encoding="utf-8"?>
-<p:notes xmlns:a="http://schemas.openxmlformats.org/drawingml/2006/main" xmlns:r="http://schemas.openxmlformats.org/officeDocument/2006/relationships" xmlns:mc="http://schemas.openxmlformats.org/markup-compatibility/2006" xmlns:mv="urn:schemas-microsoft-com:mac:vml" xmlns:p="http://schemas.openxmlformats.org/presentationml/2006/main" xmlns:c="http://schemas.openxmlformats.org/drawingml/2006/chart" xmlns:dgm="http://schemas.openxmlformats.org/drawingml/2006/diagram" xmlns:o="urn:schemas-microsoft-com:office:office" xmlns:v="urn:schemas-microsoft-com:vml" xmlns:pvml="urn:schemas-microsoft-com:office:powerpoint" xmlns:com="http://schemas.openxmlformats.org/drawingml/2006/compatibility" xmlns:p14="http://schemas.microsoft.com/office/powerpoint/2010/main" xmlns:p15="http://schemas.microsoft.com/office/powerpoint/2012/main" xmlns:ahyp="http://schemas.microsoft.com/office/drawing/2018/hyperlinkcolor" showMasterPhAnim="0" showMasterSp="0">
+<p:notes xmlns:a="http://schemas.openxmlformats.org/drawingml/2006/main" xmlns:r="http://schemas.openxmlformats.org/officeDocument/2006/relationships" xmlns:p="http://schemas.openxmlformats.org/presentationml/2006/main" showMasterSp="0" showMasterPhAnim="0">
   <p:cSld>
     <p:spTree>
       <p:nvGrpSpPr>
-        <p:cNvPr id="164" name="Shape 164"/>
+        <p:cNvPr id="1" name="Shape 164"/>
         <p:cNvGrpSpPr/>
         <p:nvPr/>
       </p:nvGrpSpPr>
@@ -919,20 +944,26 @@
       <p:sp>
         <p:nvSpPr>
           <p:cNvPr id="165" name="Google Shape;165;ga51458f7d5_0_84:notes"/>
-          <p:cNvSpPr/>
+          <p:cNvSpPr>
+            <a:spLocks noGrp="1" noRot="1" noChangeAspect="1"/>
+          </p:cNvSpPr>
           <p:nvPr>
-            <p:ph idx="2" type="sldImg"/>
+            <p:ph type="sldImg" idx="2"/>
           </p:nvPr>
         </p:nvSpPr>
         <p:spPr>
           <a:xfrm>
-            <a:off x="381300" y="685800"/>
+            <a:off x="381000" y="685800"/>
             <a:ext cx="6096000" cy="3429000"/>
           </a:xfrm>
           <a:custGeom>
-            <a:rect b="b" l="l" r="r" t="t"/>
+            <a:avLst/>
+            <a:gdLst/>
+            <a:ahLst/>
+            <a:cxnLst/>
+            <a:rect l="l" t="t" r="r" b="b"/>
             <a:pathLst>
-              <a:path extrusionOk="0" h="120000" w="120000">
+              <a:path w="120000" h="120000" extrusionOk="0">
                 <a:moveTo>
                   <a:pt x="0" y="0"/>
                 </a:moveTo>
@@ -954,9 +985,11 @@
       <p:sp>
         <p:nvSpPr>
           <p:cNvPr id="166" name="Google Shape;166;ga51458f7d5_0_84:notes"/>
-          <p:cNvSpPr txBox="1"/>
+          <p:cNvSpPr txBox="1">
+            <a:spLocks noGrp="1"/>
+          </p:cNvSpPr>
           <p:nvPr>
-            <p:ph idx="1" type="body"/>
+            <p:ph type="body" idx="1"/>
           </p:nvPr>
         </p:nvSpPr>
         <p:spPr>
@@ -969,12 +1002,12 @@
           </a:prstGeom>
         </p:spPr>
         <p:txBody>
-          <a:bodyPr anchorCtr="0" anchor="t" bIns="91425" lIns="91425" spcFirstLastPara="1" rIns="91425" wrap="square" tIns="91425">
+          <a:bodyPr spcFirstLastPara="1" wrap="square" lIns="91425" tIns="91425" rIns="91425" bIns="91425" anchor="t" anchorCtr="0">
             <a:noAutofit/>
           </a:bodyPr>
           <a:lstStyle/>
           <a:p>
-            <a:pPr indent="0" lvl="0" marL="0" rtl="0" algn="l">
+            <a:pPr marL="0" lvl="0" indent="0" algn="l" rtl="0">
               <a:spcBef>
                 <a:spcPts val="0"/>
               </a:spcBef>
@@ -983,9 +1016,6 @@
               </a:spcAft>
               <a:buNone/>
             </a:pPr>
-            <a:r>
-              <a:t/>
-            </a:r>
             <a:endParaRPr/>
           </a:p>
         </p:txBody>
@@ -999,11 +1029,11 @@
 </file>
 
 <file path=ppt/notesSlides/notesSlide12.xml><?xml version="1.0" encoding="utf-8"?>
-<p:notes xmlns:a="http://schemas.openxmlformats.org/drawingml/2006/main" xmlns:r="http://schemas.openxmlformats.org/officeDocument/2006/relationships" xmlns:mc="http://schemas.openxmlformats.org/markup-compatibility/2006" xmlns:mv="urn:schemas-microsoft-com:mac:vml" xmlns:p="http://schemas.openxmlformats.org/presentationml/2006/main" xmlns:c="http://schemas.openxmlformats.org/drawingml/2006/chart" xmlns:dgm="http://schemas.openxmlformats.org/drawingml/2006/diagram" xmlns:o="urn:schemas-microsoft-com:office:office" xmlns:v="urn:schemas-microsoft-com:vml" xmlns:pvml="urn:schemas-microsoft-com:office:powerpoint" xmlns:com="http://schemas.openxmlformats.org/drawingml/2006/compatibility" xmlns:p14="http://schemas.microsoft.com/office/powerpoint/2010/main" xmlns:p15="http://schemas.microsoft.com/office/powerpoint/2012/main" xmlns:ahyp="http://schemas.microsoft.com/office/drawing/2018/hyperlinkcolor" showMasterPhAnim="0" showMasterSp="0">
+<p:notes xmlns:a="http://schemas.openxmlformats.org/drawingml/2006/main" xmlns:r="http://schemas.openxmlformats.org/officeDocument/2006/relationships" xmlns:p="http://schemas.openxmlformats.org/presentationml/2006/main" showMasterSp="0" showMasterPhAnim="0">
   <p:cSld>
     <p:spTree>
       <p:nvGrpSpPr>
-        <p:cNvPr id="171" name="Shape 171"/>
+        <p:cNvPr id="1" name="Shape 171"/>
         <p:cNvGrpSpPr/>
         <p:nvPr/>
       </p:nvGrpSpPr>
@@ -1018,9 +1048,11 @@
       <p:sp>
         <p:nvSpPr>
           <p:cNvPr id="172" name="Google Shape;172;ga51458f7d5_0_89:notes"/>
-          <p:cNvSpPr/>
+          <p:cNvSpPr>
+            <a:spLocks noGrp="1" noRot="1" noChangeAspect="1"/>
+          </p:cNvSpPr>
           <p:nvPr>
-            <p:ph idx="2" type="sldImg"/>
+            <p:ph type="sldImg" idx="2"/>
           </p:nvPr>
         </p:nvSpPr>
         <p:spPr>
@@ -1029,9 +1061,13 @@
             <a:ext cx="6096000" cy="3429000"/>
           </a:xfrm>
           <a:custGeom>
-            <a:rect b="b" l="l" r="r" t="t"/>
+            <a:avLst/>
+            <a:gdLst/>
+            <a:ahLst/>
+            <a:cxnLst/>
+            <a:rect l="l" t="t" r="r" b="b"/>
             <a:pathLst>
-              <a:path extrusionOk="0" h="120000" w="120000">
+              <a:path w="120000" h="120000" extrusionOk="0">
                 <a:moveTo>
                   <a:pt x="0" y="0"/>
                 </a:moveTo>
@@ -1053,9 +1089,11 @@
       <p:sp>
         <p:nvSpPr>
           <p:cNvPr id="173" name="Google Shape;173;ga51458f7d5_0_89:notes"/>
-          <p:cNvSpPr txBox="1"/>
+          <p:cNvSpPr txBox="1">
+            <a:spLocks noGrp="1"/>
+          </p:cNvSpPr>
           <p:nvPr>
-            <p:ph idx="1" type="body"/>
+            <p:ph type="body" idx="1"/>
           </p:nvPr>
         </p:nvSpPr>
         <p:spPr>
@@ -1068,12 +1106,12 @@
           </a:prstGeom>
         </p:spPr>
         <p:txBody>
-          <a:bodyPr anchorCtr="0" anchor="t" bIns="91425" lIns="91425" spcFirstLastPara="1" rIns="91425" wrap="square" tIns="91425">
+          <a:bodyPr spcFirstLastPara="1" wrap="square" lIns="91425" tIns="91425" rIns="91425" bIns="91425" anchor="t" anchorCtr="0">
             <a:noAutofit/>
           </a:bodyPr>
           <a:lstStyle/>
           <a:p>
-            <a:pPr indent="0" lvl="0" marL="0" rtl="0" algn="l">
+            <a:pPr marL="0" lvl="0" indent="0" algn="l" rtl="0">
               <a:spcBef>
                 <a:spcPts val="0"/>
               </a:spcBef>
@@ -1082,9 +1120,6 @@
               </a:spcAft>
               <a:buNone/>
             </a:pPr>
-            <a:r>
-              <a:t/>
-            </a:r>
             <a:endParaRPr/>
           </a:p>
         </p:txBody>
@@ -1098,11 +1133,11 @@
 </file>
 
 <file path=ppt/notesSlides/notesSlide13.xml><?xml version="1.0" encoding="utf-8"?>
-<p:notes xmlns:a="http://schemas.openxmlformats.org/drawingml/2006/main" xmlns:r="http://schemas.openxmlformats.org/officeDocument/2006/relationships" xmlns:mc="http://schemas.openxmlformats.org/markup-compatibility/2006" xmlns:mv="urn:schemas-microsoft-com:mac:vml" xmlns:p="http://schemas.openxmlformats.org/presentationml/2006/main" xmlns:c="http://schemas.openxmlformats.org/drawingml/2006/chart" xmlns:dgm="http://schemas.openxmlformats.org/drawingml/2006/diagram" xmlns:o="urn:schemas-microsoft-com:office:office" xmlns:v="urn:schemas-microsoft-com:vml" xmlns:pvml="urn:schemas-microsoft-com:office:powerpoint" xmlns:com="http://schemas.openxmlformats.org/drawingml/2006/compatibility" xmlns:p14="http://schemas.microsoft.com/office/powerpoint/2010/main" xmlns:p15="http://schemas.microsoft.com/office/powerpoint/2012/main" xmlns:ahyp="http://schemas.microsoft.com/office/drawing/2018/hyperlinkcolor" showMasterPhAnim="0" showMasterSp="0">
+<p:notes xmlns:a="http://schemas.openxmlformats.org/drawingml/2006/main" xmlns:r="http://schemas.openxmlformats.org/officeDocument/2006/relationships" xmlns:p="http://schemas.openxmlformats.org/presentationml/2006/main" showMasterSp="0" showMasterPhAnim="0">
   <p:cSld>
     <p:spTree>
       <p:nvGrpSpPr>
-        <p:cNvPr id="178" name="Shape 178"/>
+        <p:cNvPr id="1" name="Shape 178"/>
         <p:cNvGrpSpPr/>
         <p:nvPr/>
       </p:nvGrpSpPr>
@@ -1117,9 +1152,11 @@
       <p:sp>
         <p:nvSpPr>
           <p:cNvPr id="179" name="Google Shape;179;ga51458f7d5_0_94:notes"/>
-          <p:cNvSpPr/>
+          <p:cNvSpPr>
+            <a:spLocks noGrp="1" noRot="1" noChangeAspect="1"/>
+          </p:cNvSpPr>
           <p:nvPr>
-            <p:ph idx="2" type="sldImg"/>
+            <p:ph type="sldImg" idx="2"/>
           </p:nvPr>
         </p:nvSpPr>
         <p:spPr>
@@ -1128,9 +1165,13 @@
             <a:ext cx="6096000" cy="3429000"/>
           </a:xfrm>
           <a:custGeom>
-            <a:rect b="b" l="l" r="r" t="t"/>
+            <a:avLst/>
+            <a:gdLst/>
+            <a:ahLst/>
+            <a:cxnLst/>
+            <a:rect l="l" t="t" r="r" b="b"/>
             <a:pathLst>
-              <a:path extrusionOk="0" h="120000" w="120000">
+              <a:path w="120000" h="120000" extrusionOk="0">
                 <a:moveTo>
                   <a:pt x="0" y="0"/>
                 </a:moveTo>
@@ -1152,9 +1193,11 @@
       <p:sp>
         <p:nvSpPr>
           <p:cNvPr id="180" name="Google Shape;180;ga51458f7d5_0_94:notes"/>
-          <p:cNvSpPr txBox="1"/>
+          <p:cNvSpPr txBox="1">
+            <a:spLocks noGrp="1"/>
+          </p:cNvSpPr>
           <p:nvPr>
-            <p:ph idx="1" type="body"/>
+            <p:ph type="body" idx="1"/>
           </p:nvPr>
         </p:nvSpPr>
         <p:spPr>
@@ -1167,12 +1210,12 @@
           </a:prstGeom>
         </p:spPr>
         <p:txBody>
-          <a:bodyPr anchorCtr="0" anchor="t" bIns="91425" lIns="91425" spcFirstLastPara="1" rIns="91425" wrap="square" tIns="91425">
+          <a:bodyPr spcFirstLastPara="1" wrap="square" lIns="91425" tIns="91425" rIns="91425" bIns="91425" anchor="t" anchorCtr="0">
             <a:noAutofit/>
           </a:bodyPr>
           <a:lstStyle/>
           <a:p>
-            <a:pPr indent="0" lvl="0" marL="0" rtl="0" algn="l">
+            <a:pPr marL="0" lvl="0" indent="0" algn="l" rtl="0">
               <a:spcBef>
                 <a:spcPts val="0"/>
               </a:spcBef>
@@ -1181,9 +1224,6 @@
               </a:spcAft>
               <a:buNone/>
             </a:pPr>
-            <a:r>
-              <a:t/>
-            </a:r>
             <a:endParaRPr/>
           </a:p>
         </p:txBody>
@@ -1197,11 +1237,11 @@
 </file>
 
 <file path=ppt/notesSlides/notesSlide14.xml><?xml version="1.0" encoding="utf-8"?>
-<p:notes xmlns:a="http://schemas.openxmlformats.org/drawingml/2006/main" xmlns:r="http://schemas.openxmlformats.org/officeDocument/2006/relationships" xmlns:mc="http://schemas.openxmlformats.org/markup-compatibility/2006" xmlns:mv="urn:schemas-microsoft-com:mac:vml" xmlns:p="http://schemas.openxmlformats.org/presentationml/2006/main" xmlns:c="http://schemas.openxmlformats.org/drawingml/2006/chart" xmlns:dgm="http://schemas.openxmlformats.org/drawingml/2006/diagram" xmlns:o="urn:schemas-microsoft-com:office:office" xmlns:v="urn:schemas-microsoft-com:vml" xmlns:pvml="urn:schemas-microsoft-com:office:powerpoint" xmlns:com="http://schemas.openxmlformats.org/drawingml/2006/compatibility" xmlns:p14="http://schemas.microsoft.com/office/powerpoint/2010/main" xmlns:p15="http://schemas.microsoft.com/office/powerpoint/2012/main" xmlns:ahyp="http://schemas.microsoft.com/office/drawing/2018/hyperlinkcolor" showMasterPhAnim="0" showMasterSp="0">
+<p:notes xmlns:a="http://schemas.openxmlformats.org/drawingml/2006/main" xmlns:r="http://schemas.openxmlformats.org/officeDocument/2006/relationships" xmlns:p="http://schemas.openxmlformats.org/presentationml/2006/main" showMasterSp="0" showMasterPhAnim="0">
   <p:cSld>
     <p:spTree>
       <p:nvGrpSpPr>
-        <p:cNvPr id="185" name="Shape 185"/>
+        <p:cNvPr id="1" name="Shape 185"/>
         <p:cNvGrpSpPr/>
         <p:nvPr/>
       </p:nvGrpSpPr>
@@ -1216,9 +1256,11 @@
       <p:sp>
         <p:nvSpPr>
           <p:cNvPr id="186" name="Google Shape;186;ga51458f7d5_0_100:notes"/>
-          <p:cNvSpPr/>
+          <p:cNvSpPr>
+            <a:spLocks noGrp="1" noRot="1" noChangeAspect="1"/>
+          </p:cNvSpPr>
           <p:nvPr>
-            <p:ph idx="2" type="sldImg"/>
+            <p:ph type="sldImg" idx="2"/>
           </p:nvPr>
         </p:nvSpPr>
         <p:spPr>
@@ -1227,9 +1269,13 @@
             <a:ext cx="6096000" cy="3429000"/>
           </a:xfrm>
           <a:custGeom>
-            <a:rect b="b" l="l" r="r" t="t"/>
+            <a:avLst/>
+            <a:gdLst/>
+            <a:ahLst/>
+            <a:cxnLst/>
+            <a:rect l="l" t="t" r="r" b="b"/>
             <a:pathLst>
-              <a:path extrusionOk="0" h="120000" w="120000">
+              <a:path w="120000" h="120000" extrusionOk="0">
                 <a:moveTo>
                   <a:pt x="0" y="0"/>
                 </a:moveTo>
@@ -1251,9 +1297,11 @@
       <p:sp>
         <p:nvSpPr>
           <p:cNvPr id="187" name="Google Shape;187;ga51458f7d5_0_100:notes"/>
-          <p:cNvSpPr txBox="1"/>
+          <p:cNvSpPr txBox="1">
+            <a:spLocks noGrp="1"/>
+          </p:cNvSpPr>
           <p:nvPr>
-            <p:ph idx="1" type="body"/>
+            <p:ph type="body" idx="1"/>
           </p:nvPr>
         </p:nvSpPr>
         <p:spPr>
@@ -1266,12 +1314,12 @@
           </a:prstGeom>
         </p:spPr>
         <p:txBody>
-          <a:bodyPr anchorCtr="0" anchor="t" bIns="91425" lIns="91425" spcFirstLastPara="1" rIns="91425" wrap="square" tIns="91425">
+          <a:bodyPr spcFirstLastPara="1" wrap="square" lIns="91425" tIns="91425" rIns="91425" bIns="91425" anchor="t" anchorCtr="0">
             <a:noAutofit/>
           </a:bodyPr>
           <a:lstStyle/>
           <a:p>
-            <a:pPr indent="0" lvl="0" marL="0" rtl="0" algn="l">
+            <a:pPr marL="0" lvl="0" indent="0" algn="l" rtl="0">
               <a:spcBef>
                 <a:spcPts val="0"/>
               </a:spcBef>
@@ -1280,9 +1328,6 @@
               </a:spcAft>
               <a:buNone/>
             </a:pPr>
-            <a:r>
-              <a:t/>
-            </a:r>
             <a:endParaRPr/>
           </a:p>
         </p:txBody>
@@ -1296,11 +1341,11 @@
 </file>
 
 <file path=ppt/notesSlides/notesSlide15.xml><?xml version="1.0" encoding="utf-8"?>
-<p:notes xmlns:a="http://schemas.openxmlformats.org/drawingml/2006/main" xmlns:r="http://schemas.openxmlformats.org/officeDocument/2006/relationships" xmlns:mc="http://schemas.openxmlformats.org/markup-compatibility/2006" xmlns:mv="urn:schemas-microsoft-com:mac:vml" xmlns:p="http://schemas.openxmlformats.org/presentationml/2006/main" xmlns:c="http://schemas.openxmlformats.org/drawingml/2006/chart" xmlns:dgm="http://schemas.openxmlformats.org/drawingml/2006/diagram" xmlns:o="urn:schemas-microsoft-com:office:office" xmlns:v="urn:schemas-microsoft-com:vml" xmlns:pvml="urn:schemas-microsoft-com:office:powerpoint" xmlns:com="http://schemas.openxmlformats.org/drawingml/2006/compatibility" xmlns:p14="http://schemas.microsoft.com/office/powerpoint/2010/main" xmlns:p15="http://schemas.microsoft.com/office/powerpoint/2012/main" xmlns:ahyp="http://schemas.microsoft.com/office/drawing/2018/hyperlinkcolor" showMasterPhAnim="0" showMasterSp="0">
+<p:notes xmlns:a="http://schemas.openxmlformats.org/drawingml/2006/main" xmlns:r="http://schemas.openxmlformats.org/officeDocument/2006/relationships" xmlns:p="http://schemas.openxmlformats.org/presentationml/2006/main" showMasterSp="0" showMasterPhAnim="0">
   <p:cSld>
     <p:spTree>
       <p:nvGrpSpPr>
-        <p:cNvPr id="192" name="Shape 192"/>
+        <p:cNvPr id="1" name="Shape 192"/>
         <p:cNvGrpSpPr/>
         <p:nvPr/>
       </p:nvGrpSpPr>
@@ -1315,9 +1360,11 @@
       <p:sp>
         <p:nvSpPr>
           <p:cNvPr id="193" name="Google Shape;193;ga51458f7d5_0_106:notes"/>
-          <p:cNvSpPr/>
+          <p:cNvSpPr>
+            <a:spLocks noGrp="1" noRot="1" noChangeAspect="1"/>
+          </p:cNvSpPr>
           <p:nvPr>
-            <p:ph idx="2" type="sldImg"/>
+            <p:ph type="sldImg" idx="2"/>
           </p:nvPr>
         </p:nvSpPr>
         <p:spPr>
@@ -1326,9 +1373,13 @@
             <a:ext cx="6096000" cy="3429000"/>
           </a:xfrm>
           <a:custGeom>
-            <a:rect b="b" l="l" r="r" t="t"/>
+            <a:avLst/>
+            <a:gdLst/>
+            <a:ahLst/>
+            <a:cxnLst/>
+            <a:rect l="l" t="t" r="r" b="b"/>
             <a:pathLst>
-              <a:path extrusionOk="0" h="120000" w="120000">
+              <a:path w="120000" h="120000" extrusionOk="0">
                 <a:moveTo>
                   <a:pt x="0" y="0"/>
                 </a:moveTo>
@@ -1350,9 +1401,11 @@
       <p:sp>
         <p:nvSpPr>
           <p:cNvPr id="194" name="Google Shape;194;ga51458f7d5_0_106:notes"/>
-          <p:cNvSpPr txBox="1"/>
+          <p:cNvSpPr txBox="1">
+            <a:spLocks noGrp="1"/>
+          </p:cNvSpPr>
           <p:nvPr>
-            <p:ph idx="1" type="body"/>
+            <p:ph type="body" idx="1"/>
           </p:nvPr>
         </p:nvSpPr>
         <p:spPr>
@@ -1365,12 +1418,12 @@
           </a:prstGeom>
         </p:spPr>
         <p:txBody>
-          <a:bodyPr anchorCtr="0" anchor="t" bIns="91425" lIns="91425" spcFirstLastPara="1" rIns="91425" wrap="square" tIns="91425">
+          <a:bodyPr spcFirstLastPara="1" wrap="square" lIns="91425" tIns="91425" rIns="91425" bIns="91425" anchor="t" anchorCtr="0">
             <a:noAutofit/>
           </a:bodyPr>
           <a:lstStyle/>
           <a:p>
-            <a:pPr indent="0" lvl="0" marL="0" rtl="0" algn="l">
+            <a:pPr marL="0" lvl="0" indent="0" algn="l" rtl="0">
               <a:spcBef>
                 <a:spcPts val="0"/>
               </a:spcBef>
@@ -1379,9 +1432,6 @@
               </a:spcAft>
               <a:buNone/>
             </a:pPr>
-            <a:r>
-              <a:t/>
-            </a:r>
             <a:endParaRPr/>
           </a:p>
         </p:txBody>
@@ -1395,11 +1445,11 @@
 </file>
 
 <file path=ppt/notesSlides/notesSlide16.xml><?xml version="1.0" encoding="utf-8"?>
-<p:notes xmlns:a="http://schemas.openxmlformats.org/drawingml/2006/main" xmlns:r="http://schemas.openxmlformats.org/officeDocument/2006/relationships" xmlns:mc="http://schemas.openxmlformats.org/markup-compatibility/2006" xmlns:mv="urn:schemas-microsoft-com:mac:vml" xmlns:p="http://schemas.openxmlformats.org/presentationml/2006/main" xmlns:c="http://schemas.openxmlformats.org/drawingml/2006/chart" xmlns:dgm="http://schemas.openxmlformats.org/drawingml/2006/diagram" xmlns:o="urn:schemas-microsoft-com:office:office" xmlns:v="urn:schemas-microsoft-com:vml" xmlns:pvml="urn:schemas-microsoft-com:office:powerpoint" xmlns:com="http://schemas.openxmlformats.org/drawingml/2006/compatibility" xmlns:p14="http://schemas.microsoft.com/office/powerpoint/2010/main" xmlns:p15="http://schemas.microsoft.com/office/powerpoint/2012/main" xmlns:ahyp="http://schemas.microsoft.com/office/drawing/2018/hyperlinkcolor" showMasterPhAnim="0" showMasterSp="0">
+<p:notes xmlns:a="http://schemas.openxmlformats.org/drawingml/2006/main" xmlns:r="http://schemas.openxmlformats.org/officeDocument/2006/relationships" xmlns:p="http://schemas.openxmlformats.org/presentationml/2006/main" showMasterSp="0" showMasterPhAnim="0">
   <p:cSld>
     <p:spTree>
       <p:nvGrpSpPr>
-        <p:cNvPr id="200" name="Shape 200"/>
+        <p:cNvPr id="1" name="Shape 200"/>
         <p:cNvGrpSpPr/>
         <p:nvPr/>
       </p:nvGrpSpPr>
@@ -1414,9 +1464,11 @@
       <p:sp>
         <p:nvSpPr>
           <p:cNvPr id="201" name="Google Shape;201;g9aa832aee5_0_12:notes"/>
-          <p:cNvSpPr/>
+          <p:cNvSpPr>
+            <a:spLocks noGrp="1" noRot="1" noChangeAspect="1"/>
+          </p:cNvSpPr>
           <p:nvPr>
-            <p:ph idx="2" type="sldImg"/>
+            <p:ph type="sldImg" idx="2"/>
           </p:nvPr>
         </p:nvSpPr>
         <p:spPr>
@@ -1425,9 +1477,13 @@
             <a:ext cx="6096000" cy="3429000"/>
           </a:xfrm>
           <a:custGeom>
-            <a:rect b="b" l="l" r="r" t="t"/>
+            <a:avLst/>
+            <a:gdLst/>
+            <a:ahLst/>
+            <a:cxnLst/>
+            <a:rect l="l" t="t" r="r" b="b"/>
             <a:pathLst>
-              <a:path extrusionOk="0" h="120000" w="120000">
+              <a:path w="120000" h="120000" extrusionOk="0">
                 <a:moveTo>
                   <a:pt x="0" y="0"/>
                 </a:moveTo>
@@ -1449,9 +1505,11 @@
       <p:sp>
         <p:nvSpPr>
           <p:cNvPr id="202" name="Google Shape;202;g9aa832aee5_0_12:notes"/>
-          <p:cNvSpPr txBox="1"/>
+          <p:cNvSpPr txBox="1">
+            <a:spLocks noGrp="1"/>
+          </p:cNvSpPr>
           <p:nvPr>
-            <p:ph idx="1" type="body"/>
+            <p:ph type="body" idx="1"/>
           </p:nvPr>
         </p:nvSpPr>
         <p:spPr>
@@ -1464,12 +1522,12 @@
           </a:prstGeom>
         </p:spPr>
         <p:txBody>
-          <a:bodyPr anchorCtr="0" anchor="t" bIns="91425" lIns="91425" spcFirstLastPara="1" rIns="91425" wrap="square" tIns="91425">
+          <a:bodyPr spcFirstLastPara="1" wrap="square" lIns="91425" tIns="91425" rIns="91425" bIns="91425" anchor="t" anchorCtr="0">
             <a:noAutofit/>
           </a:bodyPr>
           <a:lstStyle/>
           <a:p>
-            <a:pPr indent="0" lvl="0" marL="0" rtl="0" algn="l">
+            <a:pPr marL="0" lvl="0" indent="0" algn="l" rtl="0">
               <a:spcBef>
                 <a:spcPts val="0"/>
               </a:spcBef>
@@ -1478,9 +1536,6 @@
               </a:spcAft>
               <a:buNone/>
             </a:pPr>
-            <a:r>
-              <a:t/>
-            </a:r>
             <a:endParaRPr/>
           </a:p>
         </p:txBody>
@@ -1494,11 +1549,11 @@
 </file>
 
 <file path=ppt/notesSlides/notesSlide2.xml><?xml version="1.0" encoding="utf-8"?>
-<p:notes xmlns:a="http://schemas.openxmlformats.org/drawingml/2006/main" xmlns:r="http://schemas.openxmlformats.org/officeDocument/2006/relationships" xmlns:mc="http://schemas.openxmlformats.org/markup-compatibility/2006" xmlns:mv="urn:schemas-microsoft-com:mac:vml" xmlns:p="http://schemas.openxmlformats.org/presentationml/2006/main" xmlns:c="http://schemas.openxmlformats.org/drawingml/2006/chart" xmlns:dgm="http://schemas.openxmlformats.org/drawingml/2006/diagram" xmlns:o="urn:schemas-microsoft-com:office:office" xmlns:v="urn:schemas-microsoft-com:vml" xmlns:pvml="urn:schemas-microsoft-com:office:powerpoint" xmlns:com="http://schemas.openxmlformats.org/drawingml/2006/compatibility" xmlns:p14="http://schemas.microsoft.com/office/powerpoint/2010/main" xmlns:p15="http://schemas.microsoft.com/office/powerpoint/2012/main" xmlns:ahyp="http://schemas.microsoft.com/office/drawing/2018/hyperlinkcolor" showMasterPhAnim="0" showMasterSp="0">
+<p:notes xmlns:a="http://schemas.openxmlformats.org/drawingml/2006/main" xmlns:r="http://schemas.openxmlformats.org/officeDocument/2006/relationships" xmlns:p="http://schemas.openxmlformats.org/presentationml/2006/main" showMasterSp="0" showMasterPhAnim="0">
   <p:cSld>
     <p:spTree>
       <p:nvGrpSpPr>
-        <p:cNvPr id="57" name="Shape 57"/>
+        <p:cNvPr id="1" name="Shape 57"/>
         <p:cNvGrpSpPr/>
         <p:nvPr/>
       </p:nvGrpSpPr>
@@ -1513,9 +1568,11 @@
       <p:sp>
         <p:nvSpPr>
           <p:cNvPr id="58" name="Google Shape;58;g9aa832aee5_0_6:notes"/>
-          <p:cNvSpPr/>
+          <p:cNvSpPr>
+            <a:spLocks noGrp="1" noRot="1" noChangeAspect="1"/>
+          </p:cNvSpPr>
           <p:nvPr>
-            <p:ph idx="2" type="sldImg"/>
+            <p:ph type="sldImg" idx="2"/>
           </p:nvPr>
         </p:nvSpPr>
         <p:spPr>
@@ -1524,9 +1581,13 @@
             <a:ext cx="6096000" cy="3429000"/>
           </a:xfrm>
           <a:custGeom>
-            <a:rect b="b" l="l" r="r" t="t"/>
+            <a:avLst/>
+            <a:gdLst/>
+            <a:ahLst/>
+            <a:cxnLst/>
+            <a:rect l="l" t="t" r="r" b="b"/>
             <a:pathLst>
-              <a:path extrusionOk="0" h="120000" w="120000">
+              <a:path w="120000" h="120000" extrusionOk="0">
                 <a:moveTo>
                   <a:pt x="0" y="0"/>
                 </a:moveTo>
@@ -1548,9 +1609,11 @@
       <p:sp>
         <p:nvSpPr>
           <p:cNvPr id="59" name="Google Shape;59;g9aa832aee5_0_6:notes"/>
-          <p:cNvSpPr txBox="1"/>
+          <p:cNvSpPr txBox="1">
+            <a:spLocks noGrp="1"/>
+          </p:cNvSpPr>
           <p:nvPr>
-            <p:ph idx="1" type="body"/>
+            <p:ph type="body" idx="1"/>
           </p:nvPr>
         </p:nvSpPr>
         <p:spPr>
@@ -1563,12 +1626,12 @@
           </a:prstGeom>
         </p:spPr>
         <p:txBody>
-          <a:bodyPr anchorCtr="0" anchor="t" bIns="91425" lIns="91425" spcFirstLastPara="1" rIns="91425" wrap="square" tIns="91425">
+          <a:bodyPr spcFirstLastPara="1" wrap="square" lIns="91425" tIns="91425" rIns="91425" bIns="91425" anchor="t" anchorCtr="0">
             <a:noAutofit/>
           </a:bodyPr>
           <a:lstStyle/>
           <a:p>
-            <a:pPr indent="0" lvl="0" marL="0" rtl="0" algn="l">
+            <a:pPr marL="0" lvl="0" indent="0" algn="l" rtl="0">
               <a:spcBef>
                 <a:spcPts val="0"/>
               </a:spcBef>
@@ -1577,9 +1640,6 @@
               </a:spcAft>
               <a:buNone/>
             </a:pPr>
-            <a:r>
-              <a:t/>
-            </a:r>
             <a:endParaRPr/>
           </a:p>
         </p:txBody>
@@ -1593,11 +1653,11 @@
 </file>
 
 <file path=ppt/notesSlides/notesSlide3.xml><?xml version="1.0" encoding="utf-8"?>
-<p:notes xmlns:a="http://schemas.openxmlformats.org/drawingml/2006/main" xmlns:r="http://schemas.openxmlformats.org/officeDocument/2006/relationships" xmlns:mc="http://schemas.openxmlformats.org/markup-compatibility/2006" xmlns:mv="urn:schemas-microsoft-com:mac:vml" xmlns:p="http://schemas.openxmlformats.org/presentationml/2006/main" xmlns:c="http://schemas.openxmlformats.org/drawingml/2006/chart" xmlns:dgm="http://schemas.openxmlformats.org/drawingml/2006/diagram" xmlns:o="urn:schemas-microsoft-com:office:office" xmlns:v="urn:schemas-microsoft-com:vml" xmlns:pvml="urn:schemas-microsoft-com:office:powerpoint" xmlns:com="http://schemas.openxmlformats.org/drawingml/2006/compatibility" xmlns:p14="http://schemas.microsoft.com/office/powerpoint/2010/main" xmlns:p15="http://schemas.microsoft.com/office/powerpoint/2012/main" xmlns:ahyp="http://schemas.microsoft.com/office/drawing/2018/hyperlinkcolor" showMasterPhAnim="0" showMasterSp="0">
+<p:notes xmlns:a="http://schemas.openxmlformats.org/drawingml/2006/main" xmlns:r="http://schemas.openxmlformats.org/officeDocument/2006/relationships" xmlns:p="http://schemas.openxmlformats.org/presentationml/2006/main" showMasterSp="0" showMasterPhAnim="0">
   <p:cSld>
     <p:spTree>
       <p:nvGrpSpPr>
-        <p:cNvPr id="64" name="Shape 64"/>
+        <p:cNvPr id="1" name="Shape 64"/>
         <p:cNvGrpSpPr/>
         <p:nvPr/>
       </p:nvGrpSpPr>
@@ -1612,9 +1672,11 @@
       <p:sp>
         <p:nvSpPr>
           <p:cNvPr id="65" name="Google Shape;65;ga51458f7d5_0_0:notes"/>
-          <p:cNvSpPr/>
+          <p:cNvSpPr>
+            <a:spLocks noGrp="1" noRot="1" noChangeAspect="1"/>
+          </p:cNvSpPr>
           <p:nvPr>
-            <p:ph idx="2" type="sldImg"/>
+            <p:ph type="sldImg" idx="2"/>
           </p:nvPr>
         </p:nvSpPr>
         <p:spPr>
@@ -1623,9 +1685,13 @@
             <a:ext cx="6096000" cy="3429000"/>
           </a:xfrm>
           <a:custGeom>
-            <a:rect b="b" l="l" r="r" t="t"/>
+            <a:avLst/>
+            <a:gdLst/>
+            <a:ahLst/>
+            <a:cxnLst/>
+            <a:rect l="l" t="t" r="r" b="b"/>
             <a:pathLst>
-              <a:path extrusionOk="0" h="120000" w="120000">
+              <a:path w="120000" h="120000" extrusionOk="0">
                 <a:moveTo>
                   <a:pt x="0" y="0"/>
                 </a:moveTo>
@@ -1647,9 +1713,11 @@
       <p:sp>
         <p:nvSpPr>
           <p:cNvPr id="66" name="Google Shape;66;ga51458f7d5_0_0:notes"/>
-          <p:cNvSpPr txBox="1"/>
+          <p:cNvSpPr txBox="1">
+            <a:spLocks noGrp="1"/>
+          </p:cNvSpPr>
           <p:nvPr>
-            <p:ph idx="1" type="body"/>
+            <p:ph type="body" idx="1"/>
           </p:nvPr>
         </p:nvSpPr>
         <p:spPr>
@@ -1662,12 +1730,12 @@
           </a:prstGeom>
         </p:spPr>
         <p:txBody>
-          <a:bodyPr anchorCtr="0" anchor="t" bIns="91425" lIns="91425" spcFirstLastPara="1" rIns="91425" wrap="square" tIns="91425">
+          <a:bodyPr spcFirstLastPara="1" wrap="square" lIns="91425" tIns="91425" rIns="91425" bIns="91425" anchor="t" anchorCtr="0">
             <a:noAutofit/>
           </a:bodyPr>
           <a:lstStyle/>
           <a:p>
-            <a:pPr indent="0" lvl="0" marL="0" rtl="0" algn="l">
+            <a:pPr marL="0" lvl="0" indent="0" algn="l" rtl="0">
               <a:spcBef>
                 <a:spcPts val="0"/>
               </a:spcBef>
@@ -1676,9 +1744,6 @@
               </a:spcAft>
               <a:buNone/>
             </a:pPr>
-            <a:r>
-              <a:t/>
-            </a:r>
             <a:endParaRPr/>
           </a:p>
         </p:txBody>
@@ -1692,11 +1757,11 @@
 </file>
 
 <file path=ppt/notesSlides/notesSlide4.xml><?xml version="1.0" encoding="utf-8"?>
-<p:notes xmlns:a="http://schemas.openxmlformats.org/drawingml/2006/main" xmlns:r="http://schemas.openxmlformats.org/officeDocument/2006/relationships" xmlns:mc="http://schemas.openxmlformats.org/markup-compatibility/2006" xmlns:mv="urn:schemas-microsoft-com:mac:vml" xmlns:p="http://schemas.openxmlformats.org/presentationml/2006/main" xmlns:c="http://schemas.openxmlformats.org/drawingml/2006/chart" xmlns:dgm="http://schemas.openxmlformats.org/drawingml/2006/diagram" xmlns:o="urn:schemas-microsoft-com:office:office" xmlns:v="urn:schemas-microsoft-com:vml" xmlns:pvml="urn:schemas-microsoft-com:office:powerpoint" xmlns:com="http://schemas.openxmlformats.org/drawingml/2006/compatibility" xmlns:p14="http://schemas.microsoft.com/office/powerpoint/2010/main" xmlns:p15="http://schemas.microsoft.com/office/powerpoint/2012/main" xmlns:ahyp="http://schemas.microsoft.com/office/drawing/2018/hyperlinkcolor" showMasterPhAnim="0" showMasterSp="0">
+<p:notes xmlns:a="http://schemas.openxmlformats.org/drawingml/2006/main" xmlns:r="http://schemas.openxmlformats.org/officeDocument/2006/relationships" xmlns:p="http://schemas.openxmlformats.org/presentationml/2006/main" showMasterSp="0" showMasterPhAnim="0">
   <p:cSld>
     <p:spTree>
       <p:nvGrpSpPr>
-        <p:cNvPr id="79" name="Shape 79"/>
+        <p:cNvPr id="1" name="Shape 79"/>
         <p:cNvGrpSpPr/>
         <p:nvPr/>
       </p:nvGrpSpPr>
@@ -1711,9 +1776,11 @@
       <p:sp>
         <p:nvSpPr>
           <p:cNvPr id="80" name="Google Shape;80;ga51458f7d5_0_14:notes"/>
-          <p:cNvSpPr/>
+          <p:cNvSpPr>
+            <a:spLocks noGrp="1" noRot="1" noChangeAspect="1"/>
+          </p:cNvSpPr>
           <p:nvPr>
-            <p:ph idx="2" type="sldImg"/>
+            <p:ph type="sldImg" idx="2"/>
           </p:nvPr>
         </p:nvSpPr>
         <p:spPr>
@@ -1722,9 +1789,13 @@
             <a:ext cx="6096000" cy="3429000"/>
           </a:xfrm>
           <a:custGeom>
-            <a:rect b="b" l="l" r="r" t="t"/>
+            <a:avLst/>
+            <a:gdLst/>
+            <a:ahLst/>
+            <a:cxnLst/>
+            <a:rect l="l" t="t" r="r" b="b"/>
             <a:pathLst>
-              <a:path extrusionOk="0" h="120000" w="120000">
+              <a:path w="120000" h="120000" extrusionOk="0">
                 <a:moveTo>
                   <a:pt x="0" y="0"/>
                 </a:moveTo>
@@ -1746,9 +1817,11 @@
       <p:sp>
         <p:nvSpPr>
           <p:cNvPr id="81" name="Google Shape;81;ga51458f7d5_0_14:notes"/>
-          <p:cNvSpPr txBox="1"/>
+          <p:cNvSpPr txBox="1">
+            <a:spLocks noGrp="1"/>
+          </p:cNvSpPr>
           <p:nvPr>
-            <p:ph idx="1" type="body"/>
+            <p:ph type="body" idx="1"/>
           </p:nvPr>
         </p:nvSpPr>
         <p:spPr>
@@ -1761,12 +1834,12 @@
           </a:prstGeom>
         </p:spPr>
         <p:txBody>
-          <a:bodyPr anchorCtr="0" anchor="t" bIns="91425" lIns="91425" spcFirstLastPara="1" rIns="91425" wrap="square" tIns="91425">
+          <a:bodyPr spcFirstLastPara="1" wrap="square" lIns="91425" tIns="91425" rIns="91425" bIns="91425" anchor="t" anchorCtr="0">
             <a:noAutofit/>
           </a:bodyPr>
           <a:lstStyle/>
           <a:p>
-            <a:pPr indent="0" lvl="0" marL="0" rtl="0" algn="l">
+            <a:pPr marL="0" lvl="0" indent="0" algn="l" rtl="0">
               <a:spcBef>
                 <a:spcPts val="0"/>
               </a:spcBef>
@@ -1775,9 +1848,6 @@
               </a:spcAft>
               <a:buNone/>
             </a:pPr>
-            <a:r>
-              <a:t/>
-            </a:r>
             <a:endParaRPr/>
           </a:p>
         </p:txBody>
@@ -1791,11 +1861,11 @@
 </file>
 
 <file path=ppt/notesSlides/notesSlide5.xml><?xml version="1.0" encoding="utf-8"?>
-<p:notes xmlns:a="http://schemas.openxmlformats.org/drawingml/2006/main" xmlns:r="http://schemas.openxmlformats.org/officeDocument/2006/relationships" xmlns:mc="http://schemas.openxmlformats.org/markup-compatibility/2006" xmlns:mv="urn:schemas-microsoft-com:mac:vml" xmlns:p="http://schemas.openxmlformats.org/presentationml/2006/main" xmlns:c="http://schemas.openxmlformats.org/drawingml/2006/chart" xmlns:dgm="http://schemas.openxmlformats.org/drawingml/2006/diagram" xmlns:o="urn:schemas-microsoft-com:office:office" xmlns:v="urn:schemas-microsoft-com:vml" xmlns:pvml="urn:schemas-microsoft-com:office:powerpoint" xmlns:com="http://schemas.openxmlformats.org/drawingml/2006/compatibility" xmlns:p14="http://schemas.microsoft.com/office/powerpoint/2010/main" xmlns:p15="http://schemas.microsoft.com/office/powerpoint/2012/main" xmlns:ahyp="http://schemas.microsoft.com/office/drawing/2018/hyperlinkcolor" showMasterPhAnim="0" showMasterSp="0">
+<p:notes xmlns:a="http://schemas.openxmlformats.org/drawingml/2006/main" xmlns:r="http://schemas.openxmlformats.org/officeDocument/2006/relationships" xmlns:p="http://schemas.openxmlformats.org/presentationml/2006/main" showMasterSp="0" showMasterPhAnim="0">
   <p:cSld>
     <p:spTree>
       <p:nvGrpSpPr>
-        <p:cNvPr id="86" name="Shape 86"/>
+        <p:cNvPr id="1" name="Shape 86"/>
         <p:cNvGrpSpPr/>
         <p:nvPr/>
       </p:nvGrpSpPr>
@@ -1810,9 +1880,11 @@
       <p:sp>
         <p:nvSpPr>
           <p:cNvPr id="87" name="Google Shape;87;ga51458f7d5_0_20:notes"/>
-          <p:cNvSpPr/>
+          <p:cNvSpPr>
+            <a:spLocks noGrp="1" noRot="1" noChangeAspect="1"/>
+          </p:cNvSpPr>
           <p:nvPr>
-            <p:ph idx="2" type="sldImg"/>
+            <p:ph type="sldImg" idx="2"/>
           </p:nvPr>
         </p:nvSpPr>
         <p:spPr>
@@ -1821,9 +1893,13 @@
             <a:ext cx="6096000" cy="3429000"/>
           </a:xfrm>
           <a:custGeom>
-            <a:rect b="b" l="l" r="r" t="t"/>
+            <a:avLst/>
+            <a:gdLst/>
+            <a:ahLst/>
+            <a:cxnLst/>
+            <a:rect l="l" t="t" r="r" b="b"/>
             <a:pathLst>
-              <a:path extrusionOk="0" h="120000" w="120000">
+              <a:path w="120000" h="120000" extrusionOk="0">
                 <a:moveTo>
                   <a:pt x="0" y="0"/>
                 </a:moveTo>
@@ -1845,9 +1921,11 @@
       <p:sp>
         <p:nvSpPr>
           <p:cNvPr id="88" name="Google Shape;88;ga51458f7d5_0_20:notes"/>
-          <p:cNvSpPr txBox="1"/>
+          <p:cNvSpPr txBox="1">
+            <a:spLocks noGrp="1"/>
+          </p:cNvSpPr>
           <p:nvPr>
-            <p:ph idx="1" type="body"/>
+            <p:ph type="body" idx="1"/>
           </p:nvPr>
         </p:nvSpPr>
         <p:spPr>
@@ -1860,12 +1938,12 @@
           </a:prstGeom>
         </p:spPr>
         <p:txBody>
-          <a:bodyPr anchorCtr="0" anchor="t" bIns="91425" lIns="91425" spcFirstLastPara="1" rIns="91425" wrap="square" tIns="91425">
+          <a:bodyPr spcFirstLastPara="1" wrap="square" lIns="91425" tIns="91425" rIns="91425" bIns="91425" anchor="t" anchorCtr="0">
             <a:noAutofit/>
           </a:bodyPr>
           <a:lstStyle/>
           <a:p>
-            <a:pPr indent="0" lvl="0" marL="0" rtl="0" algn="l">
+            <a:pPr marL="0" lvl="0" indent="0" algn="l" rtl="0">
               <a:spcBef>
                 <a:spcPts val="0"/>
               </a:spcBef>
@@ -1874,9 +1952,6 @@
               </a:spcAft>
               <a:buNone/>
             </a:pPr>
-            <a:r>
-              <a:t/>
-            </a:r>
             <a:endParaRPr/>
           </a:p>
         </p:txBody>
@@ -1890,11 +1965,11 @@
 </file>
 
 <file path=ppt/notesSlides/notesSlide6.xml><?xml version="1.0" encoding="utf-8"?>
-<p:notes xmlns:a="http://schemas.openxmlformats.org/drawingml/2006/main" xmlns:r="http://schemas.openxmlformats.org/officeDocument/2006/relationships" xmlns:mc="http://schemas.openxmlformats.org/markup-compatibility/2006" xmlns:mv="urn:schemas-microsoft-com:mac:vml" xmlns:p="http://schemas.openxmlformats.org/presentationml/2006/main" xmlns:c="http://schemas.openxmlformats.org/drawingml/2006/chart" xmlns:dgm="http://schemas.openxmlformats.org/drawingml/2006/diagram" xmlns:o="urn:schemas-microsoft-com:office:office" xmlns:v="urn:schemas-microsoft-com:vml" xmlns:pvml="urn:schemas-microsoft-com:office:powerpoint" xmlns:com="http://schemas.openxmlformats.org/drawingml/2006/compatibility" xmlns:p14="http://schemas.microsoft.com/office/powerpoint/2010/main" xmlns:p15="http://schemas.microsoft.com/office/powerpoint/2012/main" xmlns:ahyp="http://schemas.microsoft.com/office/drawing/2018/hyperlinkcolor" showMasterPhAnim="0" showMasterSp="0">
+<p:notes xmlns:a="http://schemas.openxmlformats.org/drawingml/2006/main" xmlns:r="http://schemas.openxmlformats.org/officeDocument/2006/relationships" xmlns:p="http://schemas.openxmlformats.org/presentationml/2006/main" showMasterSp="0" showMasterPhAnim="0">
   <p:cSld>
     <p:spTree>
       <p:nvGrpSpPr>
-        <p:cNvPr id="98" name="Shape 98"/>
+        <p:cNvPr id="1" name="Shape 98"/>
         <p:cNvGrpSpPr/>
         <p:nvPr/>
       </p:nvGrpSpPr>
@@ -1909,9 +1984,11 @@
       <p:sp>
         <p:nvSpPr>
           <p:cNvPr id="99" name="Google Shape;99;ga51458f7d5_0_30:notes"/>
-          <p:cNvSpPr/>
+          <p:cNvSpPr>
+            <a:spLocks noGrp="1" noRot="1" noChangeAspect="1"/>
+          </p:cNvSpPr>
           <p:nvPr>
-            <p:ph idx="2" type="sldImg"/>
+            <p:ph type="sldImg" idx="2"/>
           </p:nvPr>
         </p:nvSpPr>
         <p:spPr>
@@ -1920,9 +1997,13 @@
             <a:ext cx="6096000" cy="3429000"/>
           </a:xfrm>
           <a:custGeom>
-            <a:rect b="b" l="l" r="r" t="t"/>
+            <a:avLst/>
+            <a:gdLst/>
+            <a:ahLst/>
+            <a:cxnLst/>
+            <a:rect l="l" t="t" r="r" b="b"/>
             <a:pathLst>
-              <a:path extrusionOk="0" h="120000" w="120000">
+              <a:path w="120000" h="120000" extrusionOk="0">
                 <a:moveTo>
                   <a:pt x="0" y="0"/>
                 </a:moveTo>
@@ -1944,9 +2025,11 @@
       <p:sp>
         <p:nvSpPr>
           <p:cNvPr id="100" name="Google Shape;100;ga51458f7d5_0_30:notes"/>
-          <p:cNvSpPr txBox="1"/>
+          <p:cNvSpPr txBox="1">
+            <a:spLocks noGrp="1"/>
+          </p:cNvSpPr>
           <p:nvPr>
-            <p:ph idx="1" type="body"/>
+            <p:ph type="body" idx="1"/>
           </p:nvPr>
         </p:nvSpPr>
         <p:spPr>
@@ -1959,12 +2042,12 @@
           </a:prstGeom>
         </p:spPr>
         <p:txBody>
-          <a:bodyPr anchorCtr="0" anchor="t" bIns="91425" lIns="91425" spcFirstLastPara="1" rIns="91425" wrap="square" tIns="91425">
+          <a:bodyPr spcFirstLastPara="1" wrap="square" lIns="91425" tIns="91425" rIns="91425" bIns="91425" anchor="t" anchorCtr="0">
             <a:noAutofit/>
           </a:bodyPr>
           <a:lstStyle/>
           <a:p>
-            <a:pPr indent="0" lvl="0" marL="0" rtl="0" algn="l">
+            <a:pPr marL="0" lvl="0" indent="0" algn="l" rtl="0">
               <a:spcBef>
                 <a:spcPts val="0"/>
               </a:spcBef>
@@ -1973,9 +2056,6 @@
               </a:spcAft>
               <a:buNone/>
             </a:pPr>
-            <a:r>
-              <a:t/>
-            </a:r>
             <a:endParaRPr/>
           </a:p>
         </p:txBody>
@@ -1989,11 +2069,11 @@
 </file>
 
 <file path=ppt/notesSlides/notesSlide7.xml><?xml version="1.0" encoding="utf-8"?>
-<p:notes xmlns:a="http://schemas.openxmlformats.org/drawingml/2006/main" xmlns:r="http://schemas.openxmlformats.org/officeDocument/2006/relationships" xmlns:mc="http://schemas.openxmlformats.org/markup-compatibility/2006" xmlns:mv="urn:schemas-microsoft-com:mac:vml" xmlns:p="http://schemas.openxmlformats.org/presentationml/2006/main" xmlns:c="http://schemas.openxmlformats.org/drawingml/2006/chart" xmlns:dgm="http://schemas.openxmlformats.org/drawingml/2006/diagram" xmlns:o="urn:schemas-microsoft-com:office:office" xmlns:v="urn:schemas-microsoft-com:vml" xmlns:pvml="urn:schemas-microsoft-com:office:powerpoint" xmlns:com="http://schemas.openxmlformats.org/drawingml/2006/compatibility" xmlns:p14="http://schemas.microsoft.com/office/powerpoint/2010/main" xmlns:p15="http://schemas.microsoft.com/office/powerpoint/2012/main" xmlns:ahyp="http://schemas.microsoft.com/office/drawing/2018/hyperlinkcolor" showMasterPhAnim="0" showMasterSp="0">
+<p:notes xmlns:a="http://schemas.openxmlformats.org/drawingml/2006/main" xmlns:r="http://schemas.openxmlformats.org/officeDocument/2006/relationships" xmlns:p="http://schemas.openxmlformats.org/presentationml/2006/main" showMasterSp="0" showMasterPhAnim="0">
   <p:cSld>
     <p:spTree>
       <p:nvGrpSpPr>
-        <p:cNvPr id="105" name="Shape 105"/>
+        <p:cNvPr id="1" name="Shape 105"/>
         <p:cNvGrpSpPr/>
         <p:nvPr/>
       </p:nvGrpSpPr>
@@ -2008,9 +2088,11 @@
       <p:sp>
         <p:nvSpPr>
           <p:cNvPr id="106" name="Google Shape;106;ga51458f7d5_0_35:notes"/>
-          <p:cNvSpPr/>
+          <p:cNvSpPr>
+            <a:spLocks noGrp="1" noRot="1" noChangeAspect="1"/>
+          </p:cNvSpPr>
           <p:nvPr>
-            <p:ph idx="2" type="sldImg"/>
+            <p:ph type="sldImg" idx="2"/>
           </p:nvPr>
         </p:nvSpPr>
         <p:spPr>
@@ -2019,9 +2101,13 @@
             <a:ext cx="6096000" cy="3429000"/>
           </a:xfrm>
           <a:custGeom>
-            <a:rect b="b" l="l" r="r" t="t"/>
+            <a:avLst/>
+            <a:gdLst/>
+            <a:ahLst/>
+            <a:cxnLst/>
+            <a:rect l="l" t="t" r="r" b="b"/>
             <a:pathLst>
-              <a:path extrusionOk="0" h="120000" w="120000">
+              <a:path w="120000" h="120000" extrusionOk="0">
                 <a:moveTo>
                   <a:pt x="0" y="0"/>
                 </a:moveTo>
@@ -2043,9 +2129,11 @@
       <p:sp>
         <p:nvSpPr>
           <p:cNvPr id="107" name="Google Shape;107;ga51458f7d5_0_35:notes"/>
-          <p:cNvSpPr txBox="1"/>
+          <p:cNvSpPr txBox="1">
+            <a:spLocks noGrp="1"/>
+          </p:cNvSpPr>
           <p:nvPr>
-            <p:ph idx="1" type="body"/>
+            <p:ph type="body" idx="1"/>
           </p:nvPr>
         </p:nvSpPr>
         <p:spPr>
@@ -2058,12 +2146,12 @@
           </a:prstGeom>
         </p:spPr>
         <p:txBody>
-          <a:bodyPr anchorCtr="0" anchor="t" bIns="91425" lIns="91425" spcFirstLastPara="1" rIns="91425" wrap="square" tIns="91425">
+          <a:bodyPr spcFirstLastPara="1" wrap="square" lIns="91425" tIns="91425" rIns="91425" bIns="91425" anchor="t" anchorCtr="0">
             <a:noAutofit/>
           </a:bodyPr>
           <a:lstStyle/>
           <a:p>
-            <a:pPr indent="0" lvl="0" marL="0" rtl="0" algn="l">
+            <a:pPr marL="0" lvl="0" indent="0" algn="l" rtl="0">
               <a:spcBef>
                 <a:spcPts val="0"/>
               </a:spcBef>
@@ -2072,9 +2160,6 @@
               </a:spcAft>
               <a:buNone/>
             </a:pPr>
-            <a:r>
-              <a:t/>
-            </a:r>
             <a:endParaRPr/>
           </a:p>
         </p:txBody>
@@ -2088,11 +2173,11 @@
 </file>
 
 <file path=ppt/notesSlides/notesSlide8.xml><?xml version="1.0" encoding="utf-8"?>
-<p:notes xmlns:a="http://schemas.openxmlformats.org/drawingml/2006/main" xmlns:r="http://schemas.openxmlformats.org/officeDocument/2006/relationships" xmlns:mc="http://schemas.openxmlformats.org/markup-compatibility/2006" xmlns:mv="urn:schemas-microsoft-com:mac:vml" xmlns:p="http://schemas.openxmlformats.org/presentationml/2006/main" xmlns:c="http://schemas.openxmlformats.org/drawingml/2006/chart" xmlns:dgm="http://schemas.openxmlformats.org/drawingml/2006/diagram" xmlns:o="urn:schemas-microsoft-com:office:office" xmlns:v="urn:schemas-microsoft-com:vml" xmlns:pvml="urn:schemas-microsoft-com:office:powerpoint" xmlns:com="http://schemas.openxmlformats.org/drawingml/2006/compatibility" xmlns:p14="http://schemas.microsoft.com/office/powerpoint/2010/main" xmlns:p15="http://schemas.microsoft.com/office/powerpoint/2012/main" xmlns:ahyp="http://schemas.microsoft.com/office/drawing/2018/hyperlinkcolor" showMasterPhAnim="0" showMasterSp="0">
+<p:notes xmlns:a="http://schemas.openxmlformats.org/drawingml/2006/main" xmlns:r="http://schemas.openxmlformats.org/officeDocument/2006/relationships" xmlns:p="http://schemas.openxmlformats.org/presentationml/2006/main" showMasterSp="0" showMasterPhAnim="0">
   <p:cSld>
     <p:spTree>
       <p:nvGrpSpPr>
-        <p:cNvPr id="112" name="Shape 112"/>
+        <p:cNvPr id="1" name="Shape 112"/>
         <p:cNvGrpSpPr/>
         <p:nvPr/>
       </p:nvGrpSpPr>
@@ -2107,9 +2192,11 @@
       <p:sp>
         <p:nvSpPr>
           <p:cNvPr id="113" name="Google Shape;113;ga51458f7d5_0_40:notes"/>
-          <p:cNvSpPr/>
+          <p:cNvSpPr>
+            <a:spLocks noGrp="1" noRot="1" noChangeAspect="1"/>
+          </p:cNvSpPr>
           <p:nvPr>
-            <p:ph idx="2" type="sldImg"/>
+            <p:ph type="sldImg" idx="2"/>
           </p:nvPr>
         </p:nvSpPr>
         <p:spPr>
@@ -2118,9 +2205,13 @@
             <a:ext cx="6096000" cy="3429000"/>
           </a:xfrm>
           <a:custGeom>
-            <a:rect b="b" l="l" r="r" t="t"/>
+            <a:avLst/>
+            <a:gdLst/>
+            <a:ahLst/>
+            <a:cxnLst/>
+            <a:rect l="l" t="t" r="r" b="b"/>
             <a:pathLst>
-              <a:path extrusionOk="0" h="120000" w="120000">
+              <a:path w="120000" h="120000" extrusionOk="0">
                 <a:moveTo>
                   <a:pt x="0" y="0"/>
                 </a:moveTo>
@@ -2142,9 +2233,11 @@
       <p:sp>
         <p:nvSpPr>
           <p:cNvPr id="114" name="Google Shape;114;ga51458f7d5_0_40:notes"/>
-          <p:cNvSpPr txBox="1"/>
+          <p:cNvSpPr txBox="1">
+            <a:spLocks noGrp="1"/>
+          </p:cNvSpPr>
           <p:nvPr>
-            <p:ph idx="1" type="body"/>
+            <p:ph type="body" idx="1"/>
           </p:nvPr>
         </p:nvSpPr>
         <p:spPr>
@@ -2157,12 +2250,12 @@
           </a:prstGeom>
         </p:spPr>
         <p:txBody>
-          <a:bodyPr anchorCtr="0" anchor="t" bIns="91425" lIns="91425" spcFirstLastPara="1" rIns="91425" wrap="square" tIns="91425">
+          <a:bodyPr spcFirstLastPara="1" wrap="square" lIns="91425" tIns="91425" rIns="91425" bIns="91425" anchor="t" anchorCtr="0">
             <a:noAutofit/>
           </a:bodyPr>
           <a:lstStyle/>
           <a:p>
-            <a:pPr indent="0" lvl="0" marL="0" rtl="0" algn="l">
+            <a:pPr marL="0" lvl="0" indent="0" algn="l" rtl="0">
               <a:spcBef>
                 <a:spcPts val="0"/>
               </a:spcBef>
@@ -2171,9 +2264,6 @@
               </a:spcAft>
               <a:buNone/>
             </a:pPr>
-            <a:r>
-              <a:t/>
-            </a:r>
             <a:endParaRPr/>
           </a:p>
         </p:txBody>
@@ -2187,11 +2277,11 @@
 </file>
 
 <file path=ppt/notesSlides/notesSlide9.xml><?xml version="1.0" encoding="utf-8"?>
-<p:notes xmlns:a="http://schemas.openxmlformats.org/drawingml/2006/main" xmlns:r="http://schemas.openxmlformats.org/officeDocument/2006/relationships" xmlns:mc="http://schemas.openxmlformats.org/markup-compatibility/2006" xmlns:mv="urn:schemas-microsoft-com:mac:vml" xmlns:p="http://schemas.openxmlformats.org/presentationml/2006/main" xmlns:c="http://schemas.openxmlformats.org/drawingml/2006/chart" xmlns:dgm="http://schemas.openxmlformats.org/drawingml/2006/diagram" xmlns:o="urn:schemas-microsoft-com:office:office" xmlns:v="urn:schemas-microsoft-com:vml" xmlns:pvml="urn:schemas-microsoft-com:office:powerpoint" xmlns:com="http://schemas.openxmlformats.org/drawingml/2006/compatibility" xmlns:p14="http://schemas.microsoft.com/office/powerpoint/2010/main" xmlns:p15="http://schemas.microsoft.com/office/powerpoint/2012/main" xmlns:ahyp="http://schemas.microsoft.com/office/drawing/2018/hyperlinkcolor" showMasterPhAnim="0" showMasterSp="0">
+<p:notes xmlns:a="http://schemas.openxmlformats.org/drawingml/2006/main" xmlns:r="http://schemas.openxmlformats.org/officeDocument/2006/relationships" xmlns:p="http://schemas.openxmlformats.org/presentationml/2006/main" showMasterSp="0" showMasterPhAnim="0">
   <p:cSld>
     <p:spTree>
       <p:nvGrpSpPr>
-        <p:cNvPr id="119" name="Shape 119"/>
+        <p:cNvPr id="1" name="Shape 119"/>
         <p:cNvGrpSpPr/>
         <p:nvPr/>
       </p:nvGrpSpPr>
@@ -2206,9 +2296,11 @@
       <p:sp>
         <p:nvSpPr>
           <p:cNvPr id="120" name="Google Shape;120;ga51458f7d5_0_45:notes"/>
-          <p:cNvSpPr/>
+          <p:cNvSpPr>
+            <a:spLocks noGrp="1" noRot="1" noChangeAspect="1"/>
+          </p:cNvSpPr>
           <p:nvPr>
-            <p:ph idx="2" type="sldImg"/>
+            <p:ph type="sldImg" idx="2"/>
           </p:nvPr>
         </p:nvSpPr>
         <p:spPr>
@@ -2217,9 +2309,13 @@
             <a:ext cx="6096000" cy="3429000"/>
           </a:xfrm>
           <a:custGeom>
-            <a:rect b="b" l="l" r="r" t="t"/>
+            <a:avLst/>
+            <a:gdLst/>
+            <a:ahLst/>
+            <a:cxnLst/>
+            <a:rect l="l" t="t" r="r" b="b"/>
             <a:pathLst>
-              <a:path extrusionOk="0" h="120000" w="120000">
+              <a:path w="120000" h="120000" extrusionOk="0">
                 <a:moveTo>
                   <a:pt x="0" y="0"/>
                 </a:moveTo>
@@ -2241,9 +2337,11 @@
       <p:sp>
         <p:nvSpPr>
           <p:cNvPr id="121" name="Google Shape;121;ga51458f7d5_0_45:notes"/>
-          <p:cNvSpPr txBox="1"/>
+          <p:cNvSpPr txBox="1">
+            <a:spLocks noGrp="1"/>
+          </p:cNvSpPr>
           <p:nvPr>
-            <p:ph idx="1" type="body"/>
+            <p:ph type="body" idx="1"/>
           </p:nvPr>
         </p:nvSpPr>
         <p:spPr>
@@ -2256,12 +2354,12 @@
           </a:prstGeom>
         </p:spPr>
         <p:txBody>
-          <a:bodyPr anchorCtr="0" anchor="t" bIns="91425" lIns="91425" spcFirstLastPara="1" rIns="91425" wrap="square" tIns="91425">
+          <a:bodyPr spcFirstLastPara="1" wrap="square" lIns="91425" tIns="91425" rIns="91425" bIns="91425" anchor="t" anchorCtr="0">
             <a:noAutofit/>
           </a:bodyPr>
           <a:lstStyle/>
           <a:p>
-            <a:pPr indent="0" lvl="0" marL="0" rtl="0" algn="l">
+            <a:pPr marL="0" lvl="0" indent="0" algn="l" rtl="0">
               <a:spcBef>
                 <a:spcPts val="0"/>
               </a:spcBef>
@@ -2270,9 +2368,6 @@
               </a:spcAft>
               <a:buNone/>
             </a:pPr>
-            <a:r>
-              <a:t/>
-            </a:r>
             <a:endParaRPr/>
           </a:p>
         </p:txBody>
@@ -2286,11 +2381,11 @@
 </file>
 
 <file path=ppt/slideLayouts/slideLayout1.xml><?xml version="1.0" encoding="utf-8"?>
-<p:sldLayout xmlns:a="http://schemas.openxmlformats.org/drawingml/2006/main" xmlns:r="http://schemas.openxmlformats.org/officeDocument/2006/relationships" xmlns:mc="http://schemas.openxmlformats.org/markup-compatibility/2006" xmlns:mv="urn:schemas-microsoft-com:mac:vml" xmlns:p="http://schemas.openxmlformats.org/presentationml/2006/main" xmlns:c="http://schemas.openxmlformats.org/drawingml/2006/chart" xmlns:dgm="http://schemas.openxmlformats.org/drawingml/2006/diagram" xmlns:o="urn:schemas-microsoft-com:office:office" xmlns:v="urn:schemas-microsoft-com:vml" xmlns:pvml="urn:schemas-microsoft-com:office:powerpoint" xmlns:com="http://schemas.openxmlformats.org/drawingml/2006/compatibility" xmlns:p14="http://schemas.microsoft.com/office/powerpoint/2010/main" xmlns:p15="http://schemas.microsoft.com/office/powerpoint/2012/main" xmlns:ahyp="http://schemas.microsoft.com/office/drawing/2018/hyperlinkcolor" matchingName="Title slide" type="title">
+<p:sldLayout xmlns:a="http://schemas.openxmlformats.org/drawingml/2006/main" xmlns:r="http://schemas.openxmlformats.org/officeDocument/2006/relationships" xmlns:p="http://schemas.openxmlformats.org/presentationml/2006/main" matchingName="Title slide" type="title">
   <p:cSld name="TITLE">
     <p:spTree>
       <p:nvGrpSpPr>
-        <p:cNvPr id="9" name="Shape 9"/>
+        <p:cNvPr id="1" name="Shape 9"/>
         <p:cNvGrpSpPr/>
         <p:nvPr/>
       </p:nvGrpSpPr>
@@ -2305,7 +2400,9 @@
       <p:sp>
         <p:nvSpPr>
           <p:cNvPr id="10" name="Google Shape;10;p2"/>
-          <p:cNvSpPr txBox="1"/>
+          <p:cNvSpPr txBox="1">
+            <a:spLocks noGrp="1"/>
+          </p:cNvSpPr>
           <p:nvPr>
             <p:ph type="ctrTitle"/>
           </p:nvPr>
@@ -2320,7 +2417,7 @@
           </a:prstGeom>
         </p:spPr>
         <p:txBody>
-          <a:bodyPr anchorCtr="0" anchor="b" bIns="91425" lIns="91425" spcFirstLastPara="1" rIns="91425" wrap="square" tIns="91425">
+          <a:bodyPr spcFirstLastPara="1" wrap="square" lIns="91425" tIns="91425" rIns="91425" bIns="91425" anchor="b" anchorCtr="0">
             <a:noAutofit/>
           </a:bodyPr>
           <a:lstStyle>
@@ -2424,15 +2521,19 @@
               <a:defRPr sz="5200"/>
             </a:lvl9pPr>
           </a:lstStyle>
-          <a:p/>
+          <a:p>
+            <a:endParaRPr/>
+          </a:p>
         </p:txBody>
       </p:sp>
       <p:sp>
         <p:nvSpPr>
           <p:cNvPr id="11" name="Google Shape;11;p2"/>
-          <p:cNvSpPr txBox="1"/>
+          <p:cNvSpPr txBox="1">
+            <a:spLocks noGrp="1"/>
+          </p:cNvSpPr>
           <p:nvPr>
-            <p:ph idx="1" type="subTitle"/>
+            <p:ph type="subTitle" idx="1"/>
           </p:nvPr>
         </p:nvSpPr>
         <p:spPr>
@@ -2445,7 +2546,7 @@
           </a:prstGeom>
         </p:spPr>
         <p:txBody>
-          <a:bodyPr anchorCtr="0" anchor="t" bIns="91425" lIns="91425" spcFirstLastPara="1" rIns="91425" wrap="square" tIns="91425">
+          <a:bodyPr spcFirstLastPara="1" wrap="square" lIns="91425" tIns="91425" rIns="91425" bIns="91425" anchor="t" anchorCtr="0">
             <a:noAutofit/>
           </a:bodyPr>
           <a:lstStyle>
@@ -2576,15 +2677,19 @@
               <a:defRPr sz="2800"/>
             </a:lvl9pPr>
           </a:lstStyle>
-          <a:p/>
+          <a:p>
+            <a:endParaRPr/>
+          </a:p>
         </p:txBody>
       </p:sp>
       <p:sp>
         <p:nvSpPr>
           <p:cNvPr id="12" name="Google Shape;12;p2"/>
-          <p:cNvSpPr txBox="1"/>
+          <p:cNvSpPr txBox="1">
+            <a:spLocks noGrp="1"/>
+          </p:cNvSpPr>
           <p:nvPr>
-            <p:ph idx="12" type="sldNum"/>
+            <p:ph type="sldNum" idx="12"/>
           </p:nvPr>
         </p:nvSpPr>
         <p:spPr>
@@ -2597,7 +2702,7 @@
           </a:prstGeom>
         </p:spPr>
         <p:txBody>
-          <a:bodyPr anchorCtr="0" anchor="ctr" bIns="91425" lIns="91425" spcFirstLastPara="1" rIns="91425" wrap="square" tIns="91425">
+          <a:bodyPr spcFirstLastPara="1" wrap="square" lIns="91425" tIns="91425" rIns="91425" bIns="91425" anchor="ctr" anchorCtr="0">
             <a:noAutofit/>
           </a:bodyPr>
           <a:lstStyle>
@@ -2639,7 +2744,7 @@
             </a:lvl9pPr>
           </a:lstStyle>
           <a:p>
-            <a:pPr indent="0" lvl="0" marL="0" rtl="0" algn="r">
+            <a:pPr marL="0" lvl="0" indent="0" algn="r" rtl="0">
               <a:spcBef>
                 <a:spcPts val="0"/>
               </a:spcBef>
@@ -2665,11 +2770,11 @@
 </file>
 
 <file path=ppt/slideLayouts/slideLayout10.xml><?xml version="1.0" encoding="utf-8"?>
-<p:sldLayout xmlns:a="http://schemas.openxmlformats.org/drawingml/2006/main" xmlns:r="http://schemas.openxmlformats.org/officeDocument/2006/relationships" xmlns:mc="http://schemas.openxmlformats.org/markup-compatibility/2006" xmlns:mv="urn:schemas-microsoft-com:mac:vml" xmlns:p="http://schemas.openxmlformats.org/presentationml/2006/main" xmlns:c="http://schemas.openxmlformats.org/drawingml/2006/chart" xmlns:dgm="http://schemas.openxmlformats.org/drawingml/2006/diagram" xmlns:o="urn:schemas-microsoft-com:office:office" xmlns:v="urn:schemas-microsoft-com:vml" xmlns:pvml="urn:schemas-microsoft-com:office:powerpoint" xmlns:com="http://schemas.openxmlformats.org/drawingml/2006/compatibility" xmlns:p14="http://schemas.microsoft.com/office/powerpoint/2010/main" xmlns:p15="http://schemas.microsoft.com/office/powerpoint/2012/main" xmlns:ahyp="http://schemas.microsoft.com/office/drawing/2018/hyperlinkcolor" matchingName="Big number">
+<p:sldLayout xmlns:a="http://schemas.openxmlformats.org/drawingml/2006/main" xmlns:r="http://schemas.openxmlformats.org/officeDocument/2006/relationships" xmlns:p="http://schemas.openxmlformats.org/presentationml/2006/main" matchingName="Big number">
   <p:cSld name="BIG_NUMBER">
     <p:spTree>
       <p:nvGrpSpPr>
-        <p:cNvPr id="44" name="Shape 44"/>
+        <p:cNvPr id="1" name="Shape 44"/>
         <p:cNvGrpSpPr/>
         <p:nvPr/>
       </p:nvGrpSpPr>
@@ -2684,9 +2789,11 @@
       <p:sp>
         <p:nvSpPr>
           <p:cNvPr id="45" name="Google Shape;45;p11"/>
-          <p:cNvSpPr txBox="1"/>
+          <p:cNvSpPr txBox="1">
+            <a:spLocks noGrp="1"/>
+          </p:cNvSpPr>
           <p:nvPr>
-            <p:ph hasCustomPrompt="1" type="title"/>
+            <p:ph type="title" hasCustomPrompt="1"/>
           </p:nvPr>
         </p:nvSpPr>
         <p:spPr>
@@ -2699,7 +2806,7 @@
           </a:prstGeom>
         </p:spPr>
         <p:txBody>
-          <a:bodyPr anchorCtr="0" anchor="b" bIns="91425" lIns="91425" spcFirstLastPara="1" rIns="91425" wrap="square" tIns="91425">
+          <a:bodyPr spcFirstLastPara="1" wrap="square" lIns="91425" tIns="91425" rIns="91425" bIns="91425" anchor="b" anchorCtr="0">
             <a:noAutofit/>
           </a:bodyPr>
           <a:lstStyle>
@@ -2813,9 +2920,11 @@
       <p:sp>
         <p:nvSpPr>
           <p:cNvPr id="46" name="Google Shape;46;p11"/>
-          <p:cNvSpPr txBox="1"/>
+          <p:cNvSpPr txBox="1">
+            <a:spLocks noGrp="1"/>
+          </p:cNvSpPr>
           <p:nvPr>
-            <p:ph idx="1" type="body"/>
+            <p:ph type="body" idx="1"/>
           </p:nvPr>
         </p:nvSpPr>
         <p:spPr>
@@ -2828,11 +2937,11 @@
           </a:prstGeom>
         </p:spPr>
         <p:txBody>
-          <a:bodyPr anchorCtr="0" anchor="t" bIns="91425" lIns="91425" spcFirstLastPara="1" rIns="91425" wrap="square" tIns="91425">
+          <a:bodyPr spcFirstLastPara="1" wrap="square" lIns="91425" tIns="91425" rIns="91425" bIns="91425" anchor="t" anchorCtr="0">
             <a:noAutofit/>
           </a:bodyPr>
           <a:lstStyle>
-            <a:lvl1pPr indent="-342900" lvl="0" marL="457200" algn="ctr">
+            <a:lvl1pPr marL="457200" lvl="0" indent="-342900" algn="ctr">
               <a:spcBef>
                 <a:spcPts val="0"/>
               </a:spcBef>
@@ -2843,7 +2952,7 @@
               <a:buChar char="●"/>
               <a:defRPr/>
             </a:lvl1pPr>
-            <a:lvl2pPr indent="-317500" lvl="1" marL="914400" algn="ctr">
+            <a:lvl2pPr marL="914400" lvl="1" indent="-317500" algn="ctr">
               <a:spcBef>
                 <a:spcPts val="1600"/>
               </a:spcBef>
@@ -2854,7 +2963,7 @@
               <a:buChar char="○"/>
               <a:defRPr/>
             </a:lvl2pPr>
-            <a:lvl3pPr indent="-317500" lvl="2" marL="1371600" algn="ctr">
+            <a:lvl3pPr marL="1371600" lvl="2" indent="-317500" algn="ctr">
               <a:spcBef>
                 <a:spcPts val="1600"/>
               </a:spcBef>
@@ -2865,7 +2974,7 @@
               <a:buChar char="■"/>
               <a:defRPr/>
             </a:lvl3pPr>
-            <a:lvl4pPr indent="-317500" lvl="3" marL="1828800" algn="ctr">
+            <a:lvl4pPr marL="1828800" lvl="3" indent="-317500" algn="ctr">
               <a:spcBef>
                 <a:spcPts val="1600"/>
               </a:spcBef>
@@ -2876,7 +2985,7 @@
               <a:buChar char="●"/>
               <a:defRPr/>
             </a:lvl4pPr>
-            <a:lvl5pPr indent="-317500" lvl="4" marL="2286000" algn="ctr">
+            <a:lvl5pPr marL="2286000" lvl="4" indent="-317500" algn="ctr">
               <a:spcBef>
                 <a:spcPts val="1600"/>
               </a:spcBef>
@@ -2887,7 +2996,7 @@
               <a:buChar char="○"/>
               <a:defRPr/>
             </a:lvl5pPr>
-            <a:lvl6pPr indent="-317500" lvl="5" marL="2743200" algn="ctr">
+            <a:lvl6pPr marL="2743200" lvl="5" indent="-317500" algn="ctr">
               <a:spcBef>
                 <a:spcPts val="1600"/>
               </a:spcBef>
@@ -2898,7 +3007,7 @@
               <a:buChar char="■"/>
               <a:defRPr/>
             </a:lvl6pPr>
-            <a:lvl7pPr indent="-317500" lvl="6" marL="3200400" algn="ctr">
+            <a:lvl7pPr marL="3200400" lvl="6" indent="-317500" algn="ctr">
               <a:spcBef>
                 <a:spcPts val="1600"/>
               </a:spcBef>
@@ -2909,7 +3018,7 @@
               <a:buChar char="●"/>
               <a:defRPr/>
             </a:lvl7pPr>
-            <a:lvl8pPr indent="-317500" lvl="7" marL="3657600" algn="ctr">
+            <a:lvl8pPr marL="3657600" lvl="7" indent="-317500" algn="ctr">
               <a:spcBef>
                 <a:spcPts val="1600"/>
               </a:spcBef>
@@ -2920,7 +3029,7 @@
               <a:buChar char="○"/>
               <a:defRPr/>
             </a:lvl8pPr>
-            <a:lvl9pPr indent="-317500" lvl="8" marL="4114800" algn="ctr">
+            <a:lvl9pPr marL="4114800" lvl="8" indent="-317500" algn="ctr">
               <a:spcBef>
                 <a:spcPts val="1600"/>
               </a:spcBef>
@@ -2932,15 +3041,19 @@
               <a:defRPr/>
             </a:lvl9pPr>
           </a:lstStyle>
-          <a:p/>
+          <a:p>
+            <a:endParaRPr/>
+          </a:p>
         </p:txBody>
       </p:sp>
       <p:sp>
         <p:nvSpPr>
           <p:cNvPr id="47" name="Google Shape;47;p11"/>
-          <p:cNvSpPr txBox="1"/>
+          <p:cNvSpPr txBox="1">
+            <a:spLocks noGrp="1"/>
+          </p:cNvSpPr>
           <p:nvPr>
-            <p:ph idx="12" type="sldNum"/>
+            <p:ph type="sldNum" idx="12"/>
           </p:nvPr>
         </p:nvSpPr>
         <p:spPr>
@@ -2953,7 +3066,7 @@
           </a:prstGeom>
         </p:spPr>
         <p:txBody>
-          <a:bodyPr anchorCtr="0" anchor="ctr" bIns="91425" lIns="91425" spcFirstLastPara="1" rIns="91425" wrap="square" tIns="91425">
+          <a:bodyPr spcFirstLastPara="1" wrap="square" lIns="91425" tIns="91425" rIns="91425" bIns="91425" anchor="ctr" anchorCtr="0">
             <a:noAutofit/>
           </a:bodyPr>
           <a:lstStyle>
@@ -2995,7 +3108,7 @@
             </a:lvl9pPr>
           </a:lstStyle>
           <a:p>
-            <a:pPr indent="0" lvl="0" marL="0" rtl="0" algn="r">
+            <a:pPr marL="0" lvl="0" indent="0" algn="r" rtl="0">
               <a:spcBef>
                 <a:spcPts val="0"/>
               </a:spcBef>
@@ -3021,11 +3134,11 @@
 </file>
 
 <file path=ppt/slideLayouts/slideLayout11.xml><?xml version="1.0" encoding="utf-8"?>
-<p:sldLayout xmlns:a="http://schemas.openxmlformats.org/drawingml/2006/main" xmlns:r="http://schemas.openxmlformats.org/officeDocument/2006/relationships" xmlns:mc="http://schemas.openxmlformats.org/markup-compatibility/2006" xmlns:mv="urn:schemas-microsoft-com:mac:vml" xmlns:p="http://schemas.openxmlformats.org/presentationml/2006/main" xmlns:c="http://schemas.openxmlformats.org/drawingml/2006/chart" xmlns:dgm="http://schemas.openxmlformats.org/drawingml/2006/diagram" xmlns:o="urn:schemas-microsoft-com:office:office" xmlns:v="urn:schemas-microsoft-com:vml" xmlns:pvml="urn:schemas-microsoft-com:office:powerpoint" xmlns:com="http://schemas.openxmlformats.org/drawingml/2006/compatibility" xmlns:p14="http://schemas.microsoft.com/office/powerpoint/2010/main" xmlns:p15="http://schemas.microsoft.com/office/powerpoint/2012/main" xmlns:ahyp="http://schemas.microsoft.com/office/drawing/2018/hyperlinkcolor" matchingName="Blank" type="blank">
+<p:sldLayout xmlns:a="http://schemas.openxmlformats.org/drawingml/2006/main" xmlns:r="http://schemas.openxmlformats.org/officeDocument/2006/relationships" xmlns:p="http://schemas.openxmlformats.org/presentationml/2006/main" matchingName="Blank" type="blank">
   <p:cSld name="BLANK">
     <p:spTree>
       <p:nvGrpSpPr>
-        <p:cNvPr id="48" name="Shape 48"/>
+        <p:cNvPr id="1" name="Shape 48"/>
         <p:cNvGrpSpPr/>
         <p:nvPr/>
       </p:nvGrpSpPr>
@@ -3040,9 +3153,11 @@
       <p:sp>
         <p:nvSpPr>
           <p:cNvPr id="49" name="Google Shape;49;p12"/>
-          <p:cNvSpPr txBox="1"/>
+          <p:cNvSpPr txBox="1">
+            <a:spLocks noGrp="1"/>
+          </p:cNvSpPr>
           <p:nvPr>
-            <p:ph idx="12" type="sldNum"/>
+            <p:ph type="sldNum" idx="12"/>
           </p:nvPr>
         </p:nvSpPr>
         <p:spPr>
@@ -3055,7 +3170,7 @@
           </a:prstGeom>
         </p:spPr>
         <p:txBody>
-          <a:bodyPr anchorCtr="0" anchor="ctr" bIns="91425" lIns="91425" spcFirstLastPara="1" rIns="91425" wrap="square" tIns="91425">
+          <a:bodyPr spcFirstLastPara="1" wrap="square" lIns="91425" tIns="91425" rIns="91425" bIns="91425" anchor="ctr" anchorCtr="0">
             <a:noAutofit/>
           </a:bodyPr>
           <a:lstStyle>
@@ -3097,7 +3212,7 @@
             </a:lvl9pPr>
           </a:lstStyle>
           <a:p>
-            <a:pPr indent="0" lvl="0" marL="0" rtl="0" algn="r">
+            <a:pPr marL="0" lvl="0" indent="0" algn="r" rtl="0">
               <a:spcBef>
                 <a:spcPts val="0"/>
               </a:spcBef>
@@ -3123,11 +3238,11 @@
 </file>
 
 <file path=ppt/slideLayouts/slideLayout2.xml><?xml version="1.0" encoding="utf-8"?>
-<p:sldLayout xmlns:a="http://schemas.openxmlformats.org/drawingml/2006/main" xmlns:r="http://schemas.openxmlformats.org/officeDocument/2006/relationships" xmlns:mc="http://schemas.openxmlformats.org/markup-compatibility/2006" xmlns:mv="urn:schemas-microsoft-com:mac:vml" xmlns:p="http://schemas.openxmlformats.org/presentationml/2006/main" xmlns:c="http://schemas.openxmlformats.org/drawingml/2006/chart" xmlns:dgm="http://schemas.openxmlformats.org/drawingml/2006/diagram" xmlns:o="urn:schemas-microsoft-com:office:office" xmlns:v="urn:schemas-microsoft-com:vml" xmlns:pvml="urn:schemas-microsoft-com:office:powerpoint" xmlns:com="http://schemas.openxmlformats.org/drawingml/2006/compatibility" xmlns:p14="http://schemas.microsoft.com/office/powerpoint/2010/main" xmlns:p15="http://schemas.microsoft.com/office/powerpoint/2012/main" xmlns:ahyp="http://schemas.microsoft.com/office/drawing/2018/hyperlinkcolor" matchingName="Section header" type="secHead">
+<p:sldLayout xmlns:a="http://schemas.openxmlformats.org/drawingml/2006/main" xmlns:r="http://schemas.openxmlformats.org/officeDocument/2006/relationships" xmlns:p="http://schemas.openxmlformats.org/presentationml/2006/main" matchingName="Section header" type="secHead">
   <p:cSld name="SECTION_HEADER">
     <p:spTree>
       <p:nvGrpSpPr>
-        <p:cNvPr id="13" name="Shape 13"/>
+        <p:cNvPr id="1" name="Shape 13"/>
         <p:cNvGrpSpPr/>
         <p:nvPr/>
       </p:nvGrpSpPr>
@@ -3142,7 +3257,9 @@
       <p:sp>
         <p:nvSpPr>
           <p:cNvPr id="14" name="Google Shape;14;p3"/>
-          <p:cNvSpPr txBox="1"/>
+          <p:cNvSpPr txBox="1">
+            <a:spLocks noGrp="1"/>
+          </p:cNvSpPr>
           <p:nvPr>
             <p:ph type="title"/>
           </p:nvPr>
@@ -3157,7 +3274,7 @@
           </a:prstGeom>
         </p:spPr>
         <p:txBody>
-          <a:bodyPr anchorCtr="0" anchor="ctr" bIns="91425" lIns="91425" spcFirstLastPara="1" rIns="91425" wrap="square" tIns="91425">
+          <a:bodyPr spcFirstLastPara="1" wrap="square" lIns="91425" tIns="91425" rIns="91425" bIns="91425" anchor="ctr" anchorCtr="0">
             <a:noAutofit/>
           </a:bodyPr>
           <a:lstStyle>
@@ -3261,15 +3378,19 @@
               <a:defRPr sz="3600"/>
             </a:lvl9pPr>
           </a:lstStyle>
-          <a:p/>
+          <a:p>
+            <a:endParaRPr/>
+          </a:p>
         </p:txBody>
       </p:sp>
       <p:sp>
         <p:nvSpPr>
           <p:cNvPr id="15" name="Google Shape;15;p3"/>
-          <p:cNvSpPr txBox="1"/>
+          <p:cNvSpPr txBox="1">
+            <a:spLocks noGrp="1"/>
+          </p:cNvSpPr>
           <p:nvPr>
-            <p:ph idx="12" type="sldNum"/>
+            <p:ph type="sldNum" idx="12"/>
           </p:nvPr>
         </p:nvSpPr>
         <p:spPr>
@@ -3282,7 +3403,7 @@
           </a:prstGeom>
         </p:spPr>
         <p:txBody>
-          <a:bodyPr anchorCtr="0" anchor="ctr" bIns="91425" lIns="91425" spcFirstLastPara="1" rIns="91425" wrap="square" tIns="91425">
+          <a:bodyPr spcFirstLastPara="1" wrap="square" lIns="91425" tIns="91425" rIns="91425" bIns="91425" anchor="ctr" anchorCtr="0">
             <a:noAutofit/>
           </a:bodyPr>
           <a:lstStyle>
@@ -3324,7 +3445,7 @@
             </a:lvl9pPr>
           </a:lstStyle>
           <a:p>
-            <a:pPr indent="0" lvl="0" marL="0" rtl="0" algn="r">
+            <a:pPr marL="0" lvl="0" indent="0" algn="r" rtl="0">
               <a:spcBef>
                 <a:spcPts val="0"/>
               </a:spcBef>
@@ -3350,11 +3471,11 @@
 </file>
 
 <file path=ppt/slideLayouts/slideLayout3.xml><?xml version="1.0" encoding="utf-8"?>
-<p:sldLayout xmlns:a="http://schemas.openxmlformats.org/drawingml/2006/main" xmlns:r="http://schemas.openxmlformats.org/officeDocument/2006/relationships" xmlns:mc="http://schemas.openxmlformats.org/markup-compatibility/2006" xmlns:mv="urn:schemas-microsoft-com:mac:vml" xmlns:p="http://schemas.openxmlformats.org/presentationml/2006/main" xmlns:c="http://schemas.openxmlformats.org/drawingml/2006/chart" xmlns:dgm="http://schemas.openxmlformats.org/drawingml/2006/diagram" xmlns:o="urn:schemas-microsoft-com:office:office" xmlns:v="urn:schemas-microsoft-com:vml" xmlns:pvml="urn:schemas-microsoft-com:office:powerpoint" xmlns:com="http://schemas.openxmlformats.org/drawingml/2006/compatibility" xmlns:p14="http://schemas.microsoft.com/office/powerpoint/2010/main" xmlns:p15="http://schemas.microsoft.com/office/powerpoint/2012/main" xmlns:ahyp="http://schemas.microsoft.com/office/drawing/2018/hyperlinkcolor" matchingName="Title and body" type="tx">
+<p:sldLayout xmlns:a="http://schemas.openxmlformats.org/drawingml/2006/main" xmlns:r="http://schemas.openxmlformats.org/officeDocument/2006/relationships" xmlns:p="http://schemas.openxmlformats.org/presentationml/2006/main" matchingName="Title and body" type="tx">
   <p:cSld name="TITLE_AND_BODY">
     <p:spTree>
       <p:nvGrpSpPr>
-        <p:cNvPr id="16" name="Shape 16"/>
+        <p:cNvPr id="1" name="Shape 16"/>
         <p:cNvGrpSpPr/>
         <p:nvPr/>
       </p:nvGrpSpPr>
@@ -3369,7 +3490,9 @@
       <p:sp>
         <p:nvSpPr>
           <p:cNvPr id="17" name="Google Shape;17;p4"/>
-          <p:cNvSpPr txBox="1"/>
+          <p:cNvSpPr txBox="1">
+            <a:spLocks noGrp="1"/>
+          </p:cNvSpPr>
           <p:nvPr>
             <p:ph type="title"/>
           </p:nvPr>
@@ -3384,7 +3507,7 @@
           </a:prstGeom>
         </p:spPr>
         <p:txBody>
-          <a:bodyPr anchorCtr="0" anchor="t" bIns="91425" lIns="91425" spcFirstLastPara="1" rIns="91425" wrap="square" tIns="91425">
+          <a:bodyPr spcFirstLastPara="1" wrap="square" lIns="91425" tIns="91425" rIns="91425" bIns="91425" anchor="t" anchorCtr="0">
             <a:noAutofit/>
           </a:bodyPr>
           <a:lstStyle>
@@ -3488,15 +3611,19 @@
               <a:defRPr/>
             </a:lvl9pPr>
           </a:lstStyle>
-          <a:p/>
+          <a:p>
+            <a:endParaRPr/>
+          </a:p>
         </p:txBody>
       </p:sp>
       <p:sp>
         <p:nvSpPr>
           <p:cNvPr id="18" name="Google Shape;18;p4"/>
-          <p:cNvSpPr txBox="1"/>
+          <p:cNvSpPr txBox="1">
+            <a:spLocks noGrp="1"/>
+          </p:cNvSpPr>
           <p:nvPr>
-            <p:ph idx="1" type="body"/>
+            <p:ph type="body" idx="1"/>
           </p:nvPr>
         </p:nvSpPr>
         <p:spPr>
@@ -3509,11 +3636,11 @@
           </a:prstGeom>
         </p:spPr>
         <p:txBody>
-          <a:bodyPr anchorCtr="0" anchor="t" bIns="91425" lIns="91425" spcFirstLastPara="1" rIns="91425" wrap="square" tIns="91425">
+          <a:bodyPr spcFirstLastPara="1" wrap="square" lIns="91425" tIns="91425" rIns="91425" bIns="91425" anchor="t" anchorCtr="0">
             <a:noAutofit/>
           </a:bodyPr>
           <a:lstStyle>
-            <a:lvl1pPr indent="-342900" lvl="0" marL="457200">
+            <a:lvl1pPr marL="457200" lvl="0" indent="-342900">
               <a:spcBef>
                 <a:spcPts val="0"/>
               </a:spcBef>
@@ -3524,7 +3651,7 @@
               <a:buChar char="●"/>
               <a:defRPr/>
             </a:lvl1pPr>
-            <a:lvl2pPr indent="-317500" lvl="1" marL="914400">
+            <a:lvl2pPr marL="914400" lvl="1" indent="-317500">
               <a:spcBef>
                 <a:spcPts val="1600"/>
               </a:spcBef>
@@ -3535,7 +3662,7 @@
               <a:buChar char="○"/>
               <a:defRPr/>
             </a:lvl2pPr>
-            <a:lvl3pPr indent="-317500" lvl="2" marL="1371600">
+            <a:lvl3pPr marL="1371600" lvl="2" indent="-317500">
               <a:spcBef>
                 <a:spcPts val="1600"/>
               </a:spcBef>
@@ -3546,7 +3673,7 @@
               <a:buChar char="■"/>
               <a:defRPr/>
             </a:lvl3pPr>
-            <a:lvl4pPr indent="-317500" lvl="3" marL="1828800">
+            <a:lvl4pPr marL="1828800" lvl="3" indent="-317500">
               <a:spcBef>
                 <a:spcPts val="1600"/>
               </a:spcBef>
@@ -3557,7 +3684,7 @@
               <a:buChar char="●"/>
               <a:defRPr/>
             </a:lvl4pPr>
-            <a:lvl5pPr indent="-317500" lvl="4" marL="2286000">
+            <a:lvl5pPr marL="2286000" lvl="4" indent="-317500">
               <a:spcBef>
                 <a:spcPts val="1600"/>
               </a:spcBef>
@@ -3568,7 +3695,7 @@
               <a:buChar char="○"/>
               <a:defRPr/>
             </a:lvl5pPr>
-            <a:lvl6pPr indent="-317500" lvl="5" marL="2743200">
+            <a:lvl6pPr marL="2743200" lvl="5" indent="-317500">
               <a:spcBef>
                 <a:spcPts val="1600"/>
               </a:spcBef>
@@ -3579,7 +3706,7 @@
               <a:buChar char="■"/>
               <a:defRPr/>
             </a:lvl6pPr>
-            <a:lvl7pPr indent="-317500" lvl="6" marL="3200400">
+            <a:lvl7pPr marL="3200400" lvl="6" indent="-317500">
               <a:spcBef>
                 <a:spcPts val="1600"/>
               </a:spcBef>
@@ -3590,7 +3717,7 @@
               <a:buChar char="●"/>
               <a:defRPr/>
             </a:lvl7pPr>
-            <a:lvl8pPr indent="-317500" lvl="7" marL="3657600">
+            <a:lvl8pPr marL="3657600" lvl="7" indent="-317500">
               <a:spcBef>
                 <a:spcPts val="1600"/>
               </a:spcBef>
@@ -3601,7 +3728,7 @@
               <a:buChar char="○"/>
               <a:defRPr/>
             </a:lvl8pPr>
-            <a:lvl9pPr indent="-317500" lvl="8" marL="4114800">
+            <a:lvl9pPr marL="4114800" lvl="8" indent="-317500">
               <a:spcBef>
                 <a:spcPts val="1600"/>
               </a:spcBef>
@@ -3613,15 +3740,19 @@
               <a:defRPr/>
             </a:lvl9pPr>
           </a:lstStyle>
-          <a:p/>
+          <a:p>
+            <a:endParaRPr/>
+          </a:p>
         </p:txBody>
       </p:sp>
       <p:sp>
         <p:nvSpPr>
           <p:cNvPr id="19" name="Google Shape;19;p4"/>
-          <p:cNvSpPr txBox="1"/>
+          <p:cNvSpPr txBox="1">
+            <a:spLocks noGrp="1"/>
+          </p:cNvSpPr>
           <p:nvPr>
-            <p:ph idx="12" type="sldNum"/>
+            <p:ph type="sldNum" idx="12"/>
           </p:nvPr>
         </p:nvSpPr>
         <p:spPr>
@@ -3634,7 +3765,7 @@
           </a:prstGeom>
         </p:spPr>
         <p:txBody>
-          <a:bodyPr anchorCtr="0" anchor="ctr" bIns="91425" lIns="91425" spcFirstLastPara="1" rIns="91425" wrap="square" tIns="91425">
+          <a:bodyPr spcFirstLastPara="1" wrap="square" lIns="91425" tIns="91425" rIns="91425" bIns="91425" anchor="ctr" anchorCtr="0">
             <a:noAutofit/>
           </a:bodyPr>
           <a:lstStyle>
@@ -3676,7 +3807,7 @@
             </a:lvl9pPr>
           </a:lstStyle>
           <a:p>
-            <a:pPr indent="0" lvl="0" marL="0" rtl="0" algn="r">
+            <a:pPr marL="0" lvl="0" indent="0" algn="r" rtl="0">
               <a:spcBef>
                 <a:spcPts val="0"/>
               </a:spcBef>
@@ -3702,11 +3833,11 @@
 </file>
 
 <file path=ppt/slideLayouts/slideLayout4.xml><?xml version="1.0" encoding="utf-8"?>
-<p:sldLayout xmlns:a="http://schemas.openxmlformats.org/drawingml/2006/main" xmlns:r="http://schemas.openxmlformats.org/officeDocument/2006/relationships" xmlns:mc="http://schemas.openxmlformats.org/markup-compatibility/2006" xmlns:mv="urn:schemas-microsoft-com:mac:vml" xmlns:p="http://schemas.openxmlformats.org/presentationml/2006/main" xmlns:c="http://schemas.openxmlformats.org/drawingml/2006/chart" xmlns:dgm="http://schemas.openxmlformats.org/drawingml/2006/diagram" xmlns:o="urn:schemas-microsoft-com:office:office" xmlns:v="urn:schemas-microsoft-com:vml" xmlns:pvml="urn:schemas-microsoft-com:office:powerpoint" xmlns:com="http://schemas.openxmlformats.org/drawingml/2006/compatibility" xmlns:p14="http://schemas.microsoft.com/office/powerpoint/2010/main" xmlns:p15="http://schemas.microsoft.com/office/powerpoint/2012/main" xmlns:ahyp="http://schemas.microsoft.com/office/drawing/2018/hyperlinkcolor" matchingName="Title and two columns" type="twoColTx">
+<p:sldLayout xmlns:a="http://schemas.openxmlformats.org/drawingml/2006/main" xmlns:r="http://schemas.openxmlformats.org/officeDocument/2006/relationships" xmlns:p="http://schemas.openxmlformats.org/presentationml/2006/main" matchingName="Title and two columns" type="twoColTx">
   <p:cSld name="TITLE_AND_TWO_COLUMNS">
     <p:spTree>
       <p:nvGrpSpPr>
-        <p:cNvPr id="20" name="Shape 20"/>
+        <p:cNvPr id="1" name="Shape 20"/>
         <p:cNvGrpSpPr/>
         <p:nvPr/>
       </p:nvGrpSpPr>
@@ -3721,7 +3852,9 @@
       <p:sp>
         <p:nvSpPr>
           <p:cNvPr id="21" name="Google Shape;21;p5"/>
-          <p:cNvSpPr txBox="1"/>
+          <p:cNvSpPr txBox="1">
+            <a:spLocks noGrp="1"/>
+          </p:cNvSpPr>
           <p:nvPr>
             <p:ph type="title"/>
           </p:nvPr>
@@ -3736,7 +3869,7 @@
           </a:prstGeom>
         </p:spPr>
         <p:txBody>
-          <a:bodyPr anchorCtr="0" anchor="t" bIns="91425" lIns="91425" spcFirstLastPara="1" rIns="91425" wrap="square" tIns="91425">
+          <a:bodyPr spcFirstLastPara="1" wrap="square" lIns="91425" tIns="91425" rIns="91425" bIns="91425" anchor="t" anchorCtr="0">
             <a:noAutofit/>
           </a:bodyPr>
           <a:lstStyle>
@@ -3840,15 +3973,19 @@
               <a:defRPr/>
             </a:lvl9pPr>
           </a:lstStyle>
-          <a:p/>
+          <a:p>
+            <a:endParaRPr/>
+          </a:p>
         </p:txBody>
       </p:sp>
       <p:sp>
         <p:nvSpPr>
           <p:cNvPr id="22" name="Google Shape;22;p5"/>
-          <p:cNvSpPr txBox="1"/>
+          <p:cNvSpPr txBox="1">
+            <a:spLocks noGrp="1"/>
+          </p:cNvSpPr>
           <p:nvPr>
-            <p:ph idx="1" type="body"/>
+            <p:ph type="body" idx="1"/>
           </p:nvPr>
         </p:nvSpPr>
         <p:spPr>
@@ -3861,11 +3998,11 @@
           </a:prstGeom>
         </p:spPr>
         <p:txBody>
-          <a:bodyPr anchorCtr="0" anchor="t" bIns="91425" lIns="91425" spcFirstLastPara="1" rIns="91425" wrap="square" tIns="91425">
+          <a:bodyPr spcFirstLastPara="1" wrap="square" lIns="91425" tIns="91425" rIns="91425" bIns="91425" anchor="t" anchorCtr="0">
             <a:noAutofit/>
           </a:bodyPr>
           <a:lstStyle>
-            <a:lvl1pPr indent="-317500" lvl="0" marL="457200">
+            <a:lvl1pPr marL="457200" lvl="0" indent="-317500">
               <a:spcBef>
                 <a:spcPts val="0"/>
               </a:spcBef>
@@ -3876,7 +4013,7 @@
               <a:buChar char="●"/>
               <a:defRPr sz="1400"/>
             </a:lvl1pPr>
-            <a:lvl2pPr indent="-304800" lvl="1" marL="914400">
+            <a:lvl2pPr marL="914400" lvl="1" indent="-304800">
               <a:spcBef>
                 <a:spcPts val="1600"/>
               </a:spcBef>
@@ -3887,7 +4024,7 @@
               <a:buChar char="○"/>
               <a:defRPr sz="1200"/>
             </a:lvl2pPr>
-            <a:lvl3pPr indent="-304800" lvl="2" marL="1371600">
+            <a:lvl3pPr marL="1371600" lvl="2" indent="-304800">
               <a:spcBef>
                 <a:spcPts val="1600"/>
               </a:spcBef>
@@ -3898,7 +4035,7 @@
               <a:buChar char="■"/>
               <a:defRPr sz="1200"/>
             </a:lvl3pPr>
-            <a:lvl4pPr indent="-304800" lvl="3" marL="1828800">
+            <a:lvl4pPr marL="1828800" lvl="3" indent="-304800">
               <a:spcBef>
                 <a:spcPts val="1600"/>
               </a:spcBef>
@@ -3909,7 +4046,7 @@
               <a:buChar char="●"/>
               <a:defRPr sz="1200"/>
             </a:lvl4pPr>
-            <a:lvl5pPr indent="-304800" lvl="4" marL="2286000">
+            <a:lvl5pPr marL="2286000" lvl="4" indent="-304800">
               <a:spcBef>
                 <a:spcPts val="1600"/>
               </a:spcBef>
@@ -3920,7 +4057,7 @@
               <a:buChar char="○"/>
               <a:defRPr sz="1200"/>
             </a:lvl5pPr>
-            <a:lvl6pPr indent="-304800" lvl="5" marL="2743200">
+            <a:lvl6pPr marL="2743200" lvl="5" indent="-304800">
               <a:spcBef>
                 <a:spcPts val="1600"/>
               </a:spcBef>
@@ -3931,7 +4068,7 @@
               <a:buChar char="■"/>
               <a:defRPr sz="1200"/>
             </a:lvl6pPr>
-            <a:lvl7pPr indent="-304800" lvl="6" marL="3200400">
+            <a:lvl7pPr marL="3200400" lvl="6" indent="-304800">
               <a:spcBef>
                 <a:spcPts val="1600"/>
               </a:spcBef>
@@ -3942,7 +4079,7 @@
               <a:buChar char="●"/>
               <a:defRPr sz="1200"/>
             </a:lvl7pPr>
-            <a:lvl8pPr indent="-304800" lvl="7" marL="3657600">
+            <a:lvl8pPr marL="3657600" lvl="7" indent="-304800">
               <a:spcBef>
                 <a:spcPts val="1600"/>
               </a:spcBef>
@@ -3953,7 +4090,7 @@
               <a:buChar char="○"/>
               <a:defRPr sz="1200"/>
             </a:lvl8pPr>
-            <a:lvl9pPr indent="-304800" lvl="8" marL="4114800">
+            <a:lvl9pPr marL="4114800" lvl="8" indent="-304800">
               <a:spcBef>
                 <a:spcPts val="1600"/>
               </a:spcBef>
@@ -3965,15 +4102,19 @@
               <a:defRPr sz="1200"/>
             </a:lvl9pPr>
           </a:lstStyle>
-          <a:p/>
+          <a:p>
+            <a:endParaRPr/>
+          </a:p>
         </p:txBody>
       </p:sp>
       <p:sp>
         <p:nvSpPr>
           <p:cNvPr id="23" name="Google Shape;23;p5"/>
-          <p:cNvSpPr txBox="1"/>
+          <p:cNvSpPr txBox="1">
+            <a:spLocks noGrp="1"/>
+          </p:cNvSpPr>
           <p:nvPr>
-            <p:ph idx="2" type="body"/>
+            <p:ph type="body" idx="2"/>
           </p:nvPr>
         </p:nvSpPr>
         <p:spPr>
@@ -3986,11 +4127,11 @@
           </a:prstGeom>
         </p:spPr>
         <p:txBody>
-          <a:bodyPr anchorCtr="0" anchor="t" bIns="91425" lIns="91425" spcFirstLastPara="1" rIns="91425" wrap="square" tIns="91425">
+          <a:bodyPr spcFirstLastPara="1" wrap="square" lIns="91425" tIns="91425" rIns="91425" bIns="91425" anchor="t" anchorCtr="0">
             <a:noAutofit/>
           </a:bodyPr>
           <a:lstStyle>
-            <a:lvl1pPr indent="-317500" lvl="0" marL="457200">
+            <a:lvl1pPr marL="457200" lvl="0" indent="-317500">
               <a:spcBef>
                 <a:spcPts val="0"/>
               </a:spcBef>
@@ -4001,7 +4142,7 @@
               <a:buChar char="●"/>
               <a:defRPr sz="1400"/>
             </a:lvl1pPr>
-            <a:lvl2pPr indent="-304800" lvl="1" marL="914400">
+            <a:lvl2pPr marL="914400" lvl="1" indent="-304800">
               <a:spcBef>
                 <a:spcPts val="1600"/>
               </a:spcBef>
@@ -4012,7 +4153,7 @@
               <a:buChar char="○"/>
               <a:defRPr sz="1200"/>
             </a:lvl2pPr>
-            <a:lvl3pPr indent="-304800" lvl="2" marL="1371600">
+            <a:lvl3pPr marL="1371600" lvl="2" indent="-304800">
               <a:spcBef>
                 <a:spcPts val="1600"/>
               </a:spcBef>
@@ -4023,7 +4164,7 @@
               <a:buChar char="■"/>
               <a:defRPr sz="1200"/>
             </a:lvl3pPr>
-            <a:lvl4pPr indent="-304800" lvl="3" marL="1828800">
+            <a:lvl4pPr marL="1828800" lvl="3" indent="-304800">
               <a:spcBef>
                 <a:spcPts val="1600"/>
               </a:spcBef>
@@ -4034,7 +4175,7 @@
               <a:buChar char="●"/>
               <a:defRPr sz="1200"/>
             </a:lvl4pPr>
-            <a:lvl5pPr indent="-304800" lvl="4" marL="2286000">
+            <a:lvl5pPr marL="2286000" lvl="4" indent="-304800">
               <a:spcBef>
                 <a:spcPts val="1600"/>
               </a:spcBef>
@@ -4045,7 +4186,7 @@
               <a:buChar char="○"/>
               <a:defRPr sz="1200"/>
             </a:lvl5pPr>
-            <a:lvl6pPr indent="-304800" lvl="5" marL="2743200">
+            <a:lvl6pPr marL="2743200" lvl="5" indent="-304800">
               <a:spcBef>
                 <a:spcPts val="1600"/>
               </a:spcBef>
@@ -4056,7 +4197,7 @@
               <a:buChar char="■"/>
               <a:defRPr sz="1200"/>
             </a:lvl6pPr>
-            <a:lvl7pPr indent="-304800" lvl="6" marL="3200400">
+            <a:lvl7pPr marL="3200400" lvl="6" indent="-304800">
               <a:spcBef>
                 <a:spcPts val="1600"/>
               </a:spcBef>
@@ -4067,7 +4208,7 @@
               <a:buChar char="●"/>
               <a:defRPr sz="1200"/>
             </a:lvl7pPr>
-            <a:lvl8pPr indent="-304800" lvl="7" marL="3657600">
+            <a:lvl8pPr marL="3657600" lvl="7" indent="-304800">
               <a:spcBef>
                 <a:spcPts val="1600"/>
               </a:spcBef>
@@ -4078,7 +4219,7 @@
               <a:buChar char="○"/>
               <a:defRPr sz="1200"/>
             </a:lvl8pPr>
-            <a:lvl9pPr indent="-304800" lvl="8" marL="4114800">
+            <a:lvl9pPr marL="4114800" lvl="8" indent="-304800">
               <a:spcBef>
                 <a:spcPts val="1600"/>
               </a:spcBef>
@@ -4090,15 +4231,19 @@
               <a:defRPr sz="1200"/>
             </a:lvl9pPr>
           </a:lstStyle>
-          <a:p/>
+          <a:p>
+            <a:endParaRPr/>
+          </a:p>
         </p:txBody>
       </p:sp>
       <p:sp>
         <p:nvSpPr>
           <p:cNvPr id="24" name="Google Shape;24;p5"/>
-          <p:cNvSpPr txBox="1"/>
+          <p:cNvSpPr txBox="1">
+            <a:spLocks noGrp="1"/>
+          </p:cNvSpPr>
           <p:nvPr>
-            <p:ph idx="12" type="sldNum"/>
+            <p:ph type="sldNum" idx="12"/>
           </p:nvPr>
         </p:nvSpPr>
         <p:spPr>
@@ -4111,7 +4256,7 @@
           </a:prstGeom>
         </p:spPr>
         <p:txBody>
-          <a:bodyPr anchorCtr="0" anchor="ctr" bIns="91425" lIns="91425" spcFirstLastPara="1" rIns="91425" wrap="square" tIns="91425">
+          <a:bodyPr spcFirstLastPara="1" wrap="square" lIns="91425" tIns="91425" rIns="91425" bIns="91425" anchor="ctr" anchorCtr="0">
             <a:noAutofit/>
           </a:bodyPr>
           <a:lstStyle>
@@ -4153,7 +4298,7 @@
             </a:lvl9pPr>
           </a:lstStyle>
           <a:p>
-            <a:pPr indent="0" lvl="0" marL="0" rtl="0" algn="r">
+            <a:pPr marL="0" lvl="0" indent="0" algn="r" rtl="0">
               <a:spcBef>
                 <a:spcPts val="0"/>
               </a:spcBef>
@@ -4179,11 +4324,11 @@
 </file>
 
 <file path=ppt/slideLayouts/slideLayout5.xml><?xml version="1.0" encoding="utf-8"?>
-<p:sldLayout xmlns:a="http://schemas.openxmlformats.org/drawingml/2006/main" xmlns:r="http://schemas.openxmlformats.org/officeDocument/2006/relationships" xmlns:mc="http://schemas.openxmlformats.org/markup-compatibility/2006" xmlns:mv="urn:schemas-microsoft-com:mac:vml" xmlns:p="http://schemas.openxmlformats.org/presentationml/2006/main" xmlns:c="http://schemas.openxmlformats.org/drawingml/2006/chart" xmlns:dgm="http://schemas.openxmlformats.org/drawingml/2006/diagram" xmlns:o="urn:schemas-microsoft-com:office:office" xmlns:v="urn:schemas-microsoft-com:vml" xmlns:pvml="urn:schemas-microsoft-com:office:powerpoint" xmlns:com="http://schemas.openxmlformats.org/drawingml/2006/compatibility" xmlns:p14="http://schemas.microsoft.com/office/powerpoint/2010/main" xmlns:p15="http://schemas.microsoft.com/office/powerpoint/2012/main" xmlns:ahyp="http://schemas.microsoft.com/office/drawing/2018/hyperlinkcolor" matchingName="Title only" type="titleOnly">
+<p:sldLayout xmlns:a="http://schemas.openxmlformats.org/drawingml/2006/main" xmlns:r="http://schemas.openxmlformats.org/officeDocument/2006/relationships" xmlns:p="http://schemas.openxmlformats.org/presentationml/2006/main" matchingName="Title only" type="titleOnly">
   <p:cSld name="TITLE_ONLY">
     <p:spTree>
       <p:nvGrpSpPr>
-        <p:cNvPr id="25" name="Shape 25"/>
+        <p:cNvPr id="1" name="Shape 25"/>
         <p:cNvGrpSpPr/>
         <p:nvPr/>
       </p:nvGrpSpPr>
@@ -4198,7 +4343,9 @@
       <p:sp>
         <p:nvSpPr>
           <p:cNvPr id="26" name="Google Shape;26;p6"/>
-          <p:cNvSpPr txBox="1"/>
+          <p:cNvSpPr txBox="1">
+            <a:spLocks noGrp="1"/>
+          </p:cNvSpPr>
           <p:nvPr>
             <p:ph type="title"/>
           </p:nvPr>
@@ -4213,7 +4360,7 @@
           </a:prstGeom>
         </p:spPr>
         <p:txBody>
-          <a:bodyPr anchorCtr="0" anchor="t" bIns="91425" lIns="91425" spcFirstLastPara="1" rIns="91425" wrap="square" tIns="91425">
+          <a:bodyPr spcFirstLastPara="1" wrap="square" lIns="91425" tIns="91425" rIns="91425" bIns="91425" anchor="t" anchorCtr="0">
             <a:noAutofit/>
           </a:bodyPr>
           <a:lstStyle>
@@ -4317,15 +4464,19 @@
               <a:defRPr/>
             </a:lvl9pPr>
           </a:lstStyle>
-          <a:p/>
+          <a:p>
+            <a:endParaRPr/>
+          </a:p>
         </p:txBody>
       </p:sp>
       <p:sp>
         <p:nvSpPr>
           <p:cNvPr id="27" name="Google Shape;27;p6"/>
-          <p:cNvSpPr txBox="1"/>
+          <p:cNvSpPr txBox="1">
+            <a:spLocks noGrp="1"/>
+          </p:cNvSpPr>
           <p:nvPr>
-            <p:ph idx="12" type="sldNum"/>
+            <p:ph type="sldNum" idx="12"/>
           </p:nvPr>
         </p:nvSpPr>
         <p:spPr>
@@ -4338,7 +4489,7 @@
           </a:prstGeom>
         </p:spPr>
         <p:txBody>
-          <a:bodyPr anchorCtr="0" anchor="ctr" bIns="91425" lIns="91425" spcFirstLastPara="1" rIns="91425" wrap="square" tIns="91425">
+          <a:bodyPr spcFirstLastPara="1" wrap="square" lIns="91425" tIns="91425" rIns="91425" bIns="91425" anchor="ctr" anchorCtr="0">
             <a:noAutofit/>
           </a:bodyPr>
           <a:lstStyle>
@@ -4380,7 +4531,7 @@
             </a:lvl9pPr>
           </a:lstStyle>
           <a:p>
-            <a:pPr indent="0" lvl="0" marL="0" rtl="0" algn="r">
+            <a:pPr marL="0" lvl="0" indent="0" algn="r" rtl="0">
               <a:spcBef>
                 <a:spcPts val="0"/>
               </a:spcBef>
@@ -4406,11 +4557,11 @@
 </file>
 
 <file path=ppt/slideLayouts/slideLayout6.xml><?xml version="1.0" encoding="utf-8"?>
-<p:sldLayout xmlns:a="http://schemas.openxmlformats.org/drawingml/2006/main" xmlns:r="http://schemas.openxmlformats.org/officeDocument/2006/relationships" xmlns:mc="http://schemas.openxmlformats.org/markup-compatibility/2006" xmlns:mv="urn:schemas-microsoft-com:mac:vml" xmlns:p="http://schemas.openxmlformats.org/presentationml/2006/main" xmlns:c="http://schemas.openxmlformats.org/drawingml/2006/chart" xmlns:dgm="http://schemas.openxmlformats.org/drawingml/2006/diagram" xmlns:o="urn:schemas-microsoft-com:office:office" xmlns:v="urn:schemas-microsoft-com:vml" xmlns:pvml="urn:schemas-microsoft-com:office:powerpoint" xmlns:com="http://schemas.openxmlformats.org/drawingml/2006/compatibility" xmlns:p14="http://schemas.microsoft.com/office/powerpoint/2010/main" xmlns:p15="http://schemas.microsoft.com/office/powerpoint/2012/main" xmlns:ahyp="http://schemas.microsoft.com/office/drawing/2018/hyperlinkcolor" matchingName="One column text">
+<p:sldLayout xmlns:a="http://schemas.openxmlformats.org/drawingml/2006/main" xmlns:r="http://schemas.openxmlformats.org/officeDocument/2006/relationships" xmlns:p="http://schemas.openxmlformats.org/presentationml/2006/main" matchingName="One column text">
   <p:cSld name="ONE_COLUMN_TEXT">
     <p:spTree>
       <p:nvGrpSpPr>
-        <p:cNvPr id="28" name="Shape 28"/>
+        <p:cNvPr id="1" name="Shape 28"/>
         <p:cNvGrpSpPr/>
         <p:nvPr/>
       </p:nvGrpSpPr>
@@ -4425,7 +4576,9 @@
       <p:sp>
         <p:nvSpPr>
           <p:cNvPr id="29" name="Google Shape;29;p7"/>
-          <p:cNvSpPr txBox="1"/>
+          <p:cNvSpPr txBox="1">
+            <a:spLocks noGrp="1"/>
+          </p:cNvSpPr>
           <p:nvPr>
             <p:ph type="title"/>
           </p:nvPr>
@@ -4440,7 +4593,7 @@
           </a:prstGeom>
         </p:spPr>
         <p:txBody>
-          <a:bodyPr anchorCtr="0" anchor="b" bIns="91425" lIns="91425" spcFirstLastPara="1" rIns="91425" wrap="square" tIns="91425">
+          <a:bodyPr spcFirstLastPara="1" wrap="square" lIns="91425" tIns="91425" rIns="91425" bIns="91425" anchor="b" anchorCtr="0">
             <a:noAutofit/>
           </a:bodyPr>
           <a:lstStyle>
@@ -4544,15 +4697,19 @@
               <a:defRPr sz="2400"/>
             </a:lvl9pPr>
           </a:lstStyle>
-          <a:p/>
+          <a:p>
+            <a:endParaRPr/>
+          </a:p>
         </p:txBody>
       </p:sp>
       <p:sp>
         <p:nvSpPr>
           <p:cNvPr id="30" name="Google Shape;30;p7"/>
-          <p:cNvSpPr txBox="1"/>
+          <p:cNvSpPr txBox="1">
+            <a:spLocks noGrp="1"/>
+          </p:cNvSpPr>
           <p:nvPr>
-            <p:ph idx="1" type="body"/>
+            <p:ph type="body" idx="1"/>
           </p:nvPr>
         </p:nvSpPr>
         <p:spPr>
@@ -4565,11 +4722,11 @@
           </a:prstGeom>
         </p:spPr>
         <p:txBody>
-          <a:bodyPr anchorCtr="0" anchor="t" bIns="91425" lIns="91425" spcFirstLastPara="1" rIns="91425" wrap="square" tIns="91425">
+          <a:bodyPr spcFirstLastPara="1" wrap="square" lIns="91425" tIns="91425" rIns="91425" bIns="91425" anchor="t" anchorCtr="0">
             <a:noAutofit/>
           </a:bodyPr>
           <a:lstStyle>
-            <a:lvl1pPr indent="-304800" lvl="0" marL="457200">
+            <a:lvl1pPr marL="457200" lvl="0" indent="-304800">
               <a:spcBef>
                 <a:spcPts val="0"/>
               </a:spcBef>
@@ -4580,7 +4737,7 @@
               <a:buChar char="●"/>
               <a:defRPr sz="1200"/>
             </a:lvl1pPr>
-            <a:lvl2pPr indent="-304800" lvl="1" marL="914400">
+            <a:lvl2pPr marL="914400" lvl="1" indent="-304800">
               <a:spcBef>
                 <a:spcPts val="1600"/>
               </a:spcBef>
@@ -4591,7 +4748,7 @@
               <a:buChar char="○"/>
               <a:defRPr sz="1200"/>
             </a:lvl2pPr>
-            <a:lvl3pPr indent="-304800" lvl="2" marL="1371600">
+            <a:lvl3pPr marL="1371600" lvl="2" indent="-304800">
               <a:spcBef>
                 <a:spcPts val="1600"/>
               </a:spcBef>
@@ -4602,7 +4759,7 @@
               <a:buChar char="■"/>
               <a:defRPr sz="1200"/>
             </a:lvl3pPr>
-            <a:lvl4pPr indent="-304800" lvl="3" marL="1828800">
+            <a:lvl4pPr marL="1828800" lvl="3" indent="-304800">
               <a:spcBef>
                 <a:spcPts val="1600"/>
               </a:spcBef>
@@ -4613,7 +4770,7 @@
               <a:buChar char="●"/>
               <a:defRPr sz="1200"/>
             </a:lvl4pPr>
-            <a:lvl5pPr indent="-304800" lvl="4" marL="2286000">
+            <a:lvl5pPr marL="2286000" lvl="4" indent="-304800">
               <a:spcBef>
                 <a:spcPts val="1600"/>
               </a:spcBef>
@@ -4624,7 +4781,7 @@
               <a:buChar char="○"/>
               <a:defRPr sz="1200"/>
             </a:lvl5pPr>
-            <a:lvl6pPr indent="-304800" lvl="5" marL="2743200">
+            <a:lvl6pPr marL="2743200" lvl="5" indent="-304800">
               <a:spcBef>
                 <a:spcPts val="1600"/>
               </a:spcBef>
@@ -4635,7 +4792,7 @@
               <a:buChar char="■"/>
               <a:defRPr sz="1200"/>
             </a:lvl6pPr>
-            <a:lvl7pPr indent="-304800" lvl="6" marL="3200400">
+            <a:lvl7pPr marL="3200400" lvl="6" indent="-304800">
               <a:spcBef>
                 <a:spcPts val="1600"/>
               </a:spcBef>
@@ -4646,7 +4803,7 @@
               <a:buChar char="●"/>
               <a:defRPr sz="1200"/>
             </a:lvl7pPr>
-            <a:lvl8pPr indent="-304800" lvl="7" marL="3657600">
+            <a:lvl8pPr marL="3657600" lvl="7" indent="-304800">
               <a:spcBef>
                 <a:spcPts val="1600"/>
               </a:spcBef>
@@ -4657,7 +4814,7 @@
               <a:buChar char="○"/>
               <a:defRPr sz="1200"/>
             </a:lvl8pPr>
-            <a:lvl9pPr indent="-304800" lvl="8" marL="4114800">
+            <a:lvl9pPr marL="4114800" lvl="8" indent="-304800">
               <a:spcBef>
                 <a:spcPts val="1600"/>
               </a:spcBef>
@@ -4669,15 +4826,19 @@
               <a:defRPr sz="1200"/>
             </a:lvl9pPr>
           </a:lstStyle>
-          <a:p/>
+          <a:p>
+            <a:endParaRPr/>
+          </a:p>
         </p:txBody>
       </p:sp>
       <p:sp>
         <p:nvSpPr>
           <p:cNvPr id="31" name="Google Shape;31;p7"/>
-          <p:cNvSpPr txBox="1"/>
+          <p:cNvSpPr txBox="1">
+            <a:spLocks noGrp="1"/>
+          </p:cNvSpPr>
           <p:nvPr>
-            <p:ph idx="12" type="sldNum"/>
+            <p:ph type="sldNum" idx="12"/>
           </p:nvPr>
         </p:nvSpPr>
         <p:spPr>
@@ -4690,7 +4851,7 @@
           </a:prstGeom>
         </p:spPr>
         <p:txBody>
-          <a:bodyPr anchorCtr="0" anchor="ctr" bIns="91425" lIns="91425" spcFirstLastPara="1" rIns="91425" wrap="square" tIns="91425">
+          <a:bodyPr spcFirstLastPara="1" wrap="square" lIns="91425" tIns="91425" rIns="91425" bIns="91425" anchor="ctr" anchorCtr="0">
             <a:noAutofit/>
           </a:bodyPr>
           <a:lstStyle>
@@ -4732,7 +4893,7 @@
             </a:lvl9pPr>
           </a:lstStyle>
           <a:p>
-            <a:pPr indent="0" lvl="0" marL="0" rtl="0" algn="r">
+            <a:pPr marL="0" lvl="0" indent="0" algn="r" rtl="0">
               <a:spcBef>
                 <a:spcPts val="0"/>
               </a:spcBef>
@@ -4758,11 +4919,11 @@
 </file>
 
 <file path=ppt/slideLayouts/slideLayout7.xml><?xml version="1.0" encoding="utf-8"?>
-<p:sldLayout xmlns:a="http://schemas.openxmlformats.org/drawingml/2006/main" xmlns:r="http://schemas.openxmlformats.org/officeDocument/2006/relationships" xmlns:mc="http://schemas.openxmlformats.org/markup-compatibility/2006" xmlns:mv="urn:schemas-microsoft-com:mac:vml" xmlns:p="http://schemas.openxmlformats.org/presentationml/2006/main" xmlns:c="http://schemas.openxmlformats.org/drawingml/2006/chart" xmlns:dgm="http://schemas.openxmlformats.org/drawingml/2006/diagram" xmlns:o="urn:schemas-microsoft-com:office:office" xmlns:v="urn:schemas-microsoft-com:vml" xmlns:pvml="urn:schemas-microsoft-com:office:powerpoint" xmlns:com="http://schemas.openxmlformats.org/drawingml/2006/compatibility" xmlns:p14="http://schemas.microsoft.com/office/powerpoint/2010/main" xmlns:p15="http://schemas.microsoft.com/office/powerpoint/2012/main" xmlns:ahyp="http://schemas.microsoft.com/office/drawing/2018/hyperlinkcolor" matchingName="Main point">
+<p:sldLayout xmlns:a="http://schemas.openxmlformats.org/drawingml/2006/main" xmlns:r="http://schemas.openxmlformats.org/officeDocument/2006/relationships" xmlns:p="http://schemas.openxmlformats.org/presentationml/2006/main" matchingName="Main point">
   <p:cSld name="MAIN_POINT">
     <p:spTree>
       <p:nvGrpSpPr>
-        <p:cNvPr id="32" name="Shape 32"/>
+        <p:cNvPr id="1" name="Shape 32"/>
         <p:cNvGrpSpPr/>
         <p:nvPr/>
       </p:nvGrpSpPr>
@@ -4777,7 +4938,9 @@
       <p:sp>
         <p:nvSpPr>
           <p:cNvPr id="33" name="Google Shape;33;p8"/>
-          <p:cNvSpPr txBox="1"/>
+          <p:cNvSpPr txBox="1">
+            <a:spLocks noGrp="1"/>
+          </p:cNvSpPr>
           <p:nvPr>
             <p:ph type="title"/>
           </p:nvPr>
@@ -4792,7 +4955,7 @@
           </a:prstGeom>
         </p:spPr>
         <p:txBody>
-          <a:bodyPr anchorCtr="0" anchor="ctr" bIns="91425" lIns="91425" spcFirstLastPara="1" rIns="91425" wrap="square" tIns="91425">
+          <a:bodyPr spcFirstLastPara="1" wrap="square" lIns="91425" tIns="91425" rIns="91425" bIns="91425" anchor="ctr" anchorCtr="0">
             <a:noAutofit/>
           </a:bodyPr>
           <a:lstStyle>
@@ -4896,15 +5059,19 @@
               <a:defRPr sz="4800"/>
             </a:lvl9pPr>
           </a:lstStyle>
-          <a:p/>
+          <a:p>
+            <a:endParaRPr/>
+          </a:p>
         </p:txBody>
       </p:sp>
       <p:sp>
         <p:nvSpPr>
           <p:cNvPr id="34" name="Google Shape;34;p8"/>
-          <p:cNvSpPr txBox="1"/>
+          <p:cNvSpPr txBox="1">
+            <a:spLocks noGrp="1"/>
+          </p:cNvSpPr>
           <p:nvPr>
-            <p:ph idx="12" type="sldNum"/>
+            <p:ph type="sldNum" idx="12"/>
           </p:nvPr>
         </p:nvSpPr>
         <p:spPr>
@@ -4917,7 +5084,7 @@
           </a:prstGeom>
         </p:spPr>
         <p:txBody>
-          <a:bodyPr anchorCtr="0" anchor="ctr" bIns="91425" lIns="91425" spcFirstLastPara="1" rIns="91425" wrap="square" tIns="91425">
+          <a:bodyPr spcFirstLastPara="1" wrap="square" lIns="91425" tIns="91425" rIns="91425" bIns="91425" anchor="ctr" anchorCtr="0">
             <a:noAutofit/>
           </a:bodyPr>
           <a:lstStyle>
@@ -4959,7 +5126,7 @@
             </a:lvl9pPr>
           </a:lstStyle>
           <a:p>
-            <a:pPr indent="0" lvl="0" marL="0" rtl="0" algn="r">
+            <a:pPr marL="0" lvl="0" indent="0" algn="r" rtl="0">
               <a:spcBef>
                 <a:spcPts val="0"/>
               </a:spcBef>
@@ -4985,11 +5152,11 @@
 </file>
 
 <file path=ppt/slideLayouts/slideLayout8.xml><?xml version="1.0" encoding="utf-8"?>
-<p:sldLayout xmlns:a="http://schemas.openxmlformats.org/drawingml/2006/main" xmlns:r="http://schemas.openxmlformats.org/officeDocument/2006/relationships" xmlns:mc="http://schemas.openxmlformats.org/markup-compatibility/2006" xmlns:mv="urn:schemas-microsoft-com:mac:vml" xmlns:p="http://schemas.openxmlformats.org/presentationml/2006/main" xmlns:c="http://schemas.openxmlformats.org/drawingml/2006/chart" xmlns:dgm="http://schemas.openxmlformats.org/drawingml/2006/diagram" xmlns:o="urn:schemas-microsoft-com:office:office" xmlns:v="urn:schemas-microsoft-com:vml" xmlns:pvml="urn:schemas-microsoft-com:office:powerpoint" xmlns:com="http://schemas.openxmlformats.org/drawingml/2006/compatibility" xmlns:p14="http://schemas.microsoft.com/office/powerpoint/2010/main" xmlns:p15="http://schemas.microsoft.com/office/powerpoint/2012/main" xmlns:ahyp="http://schemas.microsoft.com/office/drawing/2018/hyperlinkcolor" matchingName="Section title and description">
+<p:sldLayout xmlns:a="http://schemas.openxmlformats.org/drawingml/2006/main" xmlns:r="http://schemas.openxmlformats.org/officeDocument/2006/relationships" xmlns:p="http://schemas.openxmlformats.org/presentationml/2006/main" matchingName="Section title and description">
   <p:cSld name="SECTION_TITLE_AND_DESCRIPTION">
     <p:spTree>
       <p:nvGrpSpPr>
-        <p:cNvPr id="35" name="Shape 35"/>
+        <p:cNvPr id="1" name="Shape 35"/>
         <p:cNvGrpSpPr/>
         <p:nvPr/>
       </p:nvGrpSpPr>
@@ -5023,12 +5190,12 @@
           </a:ln>
         </p:spPr>
         <p:txBody>
-          <a:bodyPr anchorCtr="0" anchor="ctr" bIns="91425" lIns="91425" spcFirstLastPara="1" rIns="91425" wrap="square" tIns="91425">
+          <a:bodyPr spcFirstLastPara="1" wrap="square" lIns="91425" tIns="91425" rIns="91425" bIns="91425" anchor="ctr" anchorCtr="0">
             <a:noAutofit/>
           </a:bodyPr>
           <a:lstStyle/>
           <a:p>
-            <a:pPr indent="0" lvl="0" marL="0" rtl="0" algn="l">
+            <a:pPr marL="0" lvl="0" indent="0" algn="l" rtl="0">
               <a:spcBef>
                 <a:spcPts val="0"/>
               </a:spcBef>
@@ -5037,9 +5204,6 @@
               </a:spcAft>
               <a:buNone/>
             </a:pPr>
-            <a:r>
-              <a:t/>
-            </a:r>
             <a:endParaRPr/>
           </a:p>
         </p:txBody>
@@ -5047,7 +5211,9 @@
       <p:sp>
         <p:nvSpPr>
           <p:cNvPr id="37" name="Google Shape;37;p9"/>
-          <p:cNvSpPr txBox="1"/>
+          <p:cNvSpPr txBox="1">
+            <a:spLocks noGrp="1"/>
+          </p:cNvSpPr>
           <p:nvPr>
             <p:ph type="title"/>
           </p:nvPr>
@@ -5062,7 +5228,7 @@
           </a:prstGeom>
         </p:spPr>
         <p:txBody>
-          <a:bodyPr anchorCtr="0" anchor="b" bIns="91425" lIns="91425" spcFirstLastPara="1" rIns="91425" wrap="square" tIns="91425">
+          <a:bodyPr spcFirstLastPara="1" wrap="square" lIns="91425" tIns="91425" rIns="91425" bIns="91425" anchor="b" anchorCtr="0">
             <a:noAutofit/>
           </a:bodyPr>
           <a:lstStyle>
@@ -5166,15 +5332,19 @@
               <a:defRPr sz="4200"/>
             </a:lvl9pPr>
           </a:lstStyle>
-          <a:p/>
+          <a:p>
+            <a:endParaRPr/>
+          </a:p>
         </p:txBody>
       </p:sp>
       <p:sp>
         <p:nvSpPr>
           <p:cNvPr id="38" name="Google Shape;38;p9"/>
-          <p:cNvSpPr txBox="1"/>
+          <p:cNvSpPr txBox="1">
+            <a:spLocks noGrp="1"/>
+          </p:cNvSpPr>
           <p:nvPr>
-            <p:ph idx="1" type="subTitle"/>
+            <p:ph type="subTitle" idx="1"/>
           </p:nvPr>
         </p:nvSpPr>
         <p:spPr>
@@ -5187,7 +5357,7 @@
           </a:prstGeom>
         </p:spPr>
         <p:txBody>
-          <a:bodyPr anchorCtr="0" anchor="t" bIns="91425" lIns="91425" spcFirstLastPara="1" rIns="91425" wrap="square" tIns="91425">
+          <a:bodyPr spcFirstLastPara="1" wrap="square" lIns="91425" tIns="91425" rIns="91425" bIns="91425" anchor="t" anchorCtr="0">
             <a:noAutofit/>
           </a:bodyPr>
           <a:lstStyle>
@@ -5318,15 +5488,19 @@
               <a:defRPr sz="2100"/>
             </a:lvl9pPr>
           </a:lstStyle>
-          <a:p/>
+          <a:p>
+            <a:endParaRPr/>
+          </a:p>
         </p:txBody>
       </p:sp>
       <p:sp>
         <p:nvSpPr>
           <p:cNvPr id="39" name="Google Shape;39;p9"/>
-          <p:cNvSpPr txBox="1"/>
+          <p:cNvSpPr txBox="1">
+            <a:spLocks noGrp="1"/>
+          </p:cNvSpPr>
           <p:nvPr>
-            <p:ph idx="2" type="body"/>
+            <p:ph type="body" idx="2"/>
           </p:nvPr>
         </p:nvSpPr>
         <p:spPr>
@@ -5339,11 +5513,11 @@
           </a:prstGeom>
         </p:spPr>
         <p:txBody>
-          <a:bodyPr anchorCtr="0" anchor="ctr" bIns="91425" lIns="91425" spcFirstLastPara="1" rIns="91425" wrap="square" tIns="91425">
+          <a:bodyPr spcFirstLastPara="1" wrap="square" lIns="91425" tIns="91425" rIns="91425" bIns="91425" anchor="ctr" anchorCtr="0">
             <a:noAutofit/>
           </a:bodyPr>
           <a:lstStyle>
-            <a:lvl1pPr indent="-342900" lvl="0" marL="457200">
+            <a:lvl1pPr marL="457200" lvl="0" indent="-342900">
               <a:spcBef>
                 <a:spcPts val="0"/>
               </a:spcBef>
@@ -5354,7 +5528,7 @@
               <a:buChar char="●"/>
               <a:defRPr/>
             </a:lvl1pPr>
-            <a:lvl2pPr indent="-317500" lvl="1" marL="914400">
+            <a:lvl2pPr marL="914400" lvl="1" indent="-317500">
               <a:spcBef>
                 <a:spcPts val="1600"/>
               </a:spcBef>
@@ -5365,7 +5539,7 @@
               <a:buChar char="○"/>
               <a:defRPr/>
             </a:lvl2pPr>
-            <a:lvl3pPr indent="-317500" lvl="2" marL="1371600">
+            <a:lvl3pPr marL="1371600" lvl="2" indent="-317500">
               <a:spcBef>
                 <a:spcPts val="1600"/>
               </a:spcBef>
@@ -5376,7 +5550,7 @@
               <a:buChar char="■"/>
               <a:defRPr/>
             </a:lvl3pPr>
-            <a:lvl4pPr indent="-317500" lvl="3" marL="1828800">
+            <a:lvl4pPr marL="1828800" lvl="3" indent="-317500">
               <a:spcBef>
                 <a:spcPts val="1600"/>
               </a:spcBef>
@@ -5387,7 +5561,7 @@
               <a:buChar char="●"/>
               <a:defRPr/>
             </a:lvl4pPr>
-            <a:lvl5pPr indent="-317500" lvl="4" marL="2286000">
+            <a:lvl5pPr marL="2286000" lvl="4" indent="-317500">
               <a:spcBef>
                 <a:spcPts val="1600"/>
               </a:spcBef>
@@ -5398,7 +5572,7 @@
               <a:buChar char="○"/>
               <a:defRPr/>
             </a:lvl5pPr>
-            <a:lvl6pPr indent="-317500" lvl="5" marL="2743200">
+            <a:lvl6pPr marL="2743200" lvl="5" indent="-317500">
               <a:spcBef>
                 <a:spcPts val="1600"/>
               </a:spcBef>
@@ -5409,7 +5583,7 @@
               <a:buChar char="■"/>
               <a:defRPr/>
             </a:lvl6pPr>
-            <a:lvl7pPr indent="-317500" lvl="6" marL="3200400">
+            <a:lvl7pPr marL="3200400" lvl="6" indent="-317500">
               <a:spcBef>
                 <a:spcPts val="1600"/>
               </a:spcBef>
@@ -5420,7 +5594,7 @@
               <a:buChar char="●"/>
               <a:defRPr/>
             </a:lvl7pPr>
-            <a:lvl8pPr indent="-317500" lvl="7" marL="3657600">
+            <a:lvl8pPr marL="3657600" lvl="7" indent="-317500">
               <a:spcBef>
                 <a:spcPts val="1600"/>
               </a:spcBef>
@@ -5431,7 +5605,7 @@
               <a:buChar char="○"/>
               <a:defRPr/>
             </a:lvl8pPr>
-            <a:lvl9pPr indent="-317500" lvl="8" marL="4114800">
+            <a:lvl9pPr marL="4114800" lvl="8" indent="-317500">
               <a:spcBef>
                 <a:spcPts val="1600"/>
               </a:spcBef>
@@ -5443,15 +5617,19 @@
               <a:defRPr/>
             </a:lvl9pPr>
           </a:lstStyle>
-          <a:p/>
+          <a:p>
+            <a:endParaRPr/>
+          </a:p>
         </p:txBody>
       </p:sp>
       <p:sp>
         <p:nvSpPr>
           <p:cNvPr id="40" name="Google Shape;40;p9"/>
-          <p:cNvSpPr txBox="1"/>
+          <p:cNvSpPr txBox="1">
+            <a:spLocks noGrp="1"/>
+          </p:cNvSpPr>
           <p:nvPr>
-            <p:ph idx="12" type="sldNum"/>
+            <p:ph type="sldNum" idx="12"/>
           </p:nvPr>
         </p:nvSpPr>
         <p:spPr>
@@ -5464,7 +5642,7 @@
           </a:prstGeom>
         </p:spPr>
         <p:txBody>
-          <a:bodyPr anchorCtr="0" anchor="ctr" bIns="91425" lIns="91425" spcFirstLastPara="1" rIns="91425" wrap="square" tIns="91425">
+          <a:bodyPr spcFirstLastPara="1" wrap="square" lIns="91425" tIns="91425" rIns="91425" bIns="91425" anchor="ctr" anchorCtr="0">
             <a:noAutofit/>
           </a:bodyPr>
           <a:lstStyle>
@@ -5506,7 +5684,7 @@
             </a:lvl9pPr>
           </a:lstStyle>
           <a:p>
-            <a:pPr indent="0" lvl="0" marL="0" rtl="0" algn="r">
+            <a:pPr marL="0" lvl="0" indent="0" algn="r" rtl="0">
               <a:spcBef>
                 <a:spcPts val="0"/>
               </a:spcBef>
@@ -5532,11 +5710,11 @@
 </file>
 
 <file path=ppt/slideLayouts/slideLayout9.xml><?xml version="1.0" encoding="utf-8"?>
-<p:sldLayout xmlns:a="http://schemas.openxmlformats.org/drawingml/2006/main" xmlns:r="http://schemas.openxmlformats.org/officeDocument/2006/relationships" xmlns:mc="http://schemas.openxmlformats.org/markup-compatibility/2006" xmlns:mv="urn:schemas-microsoft-com:mac:vml" xmlns:p="http://schemas.openxmlformats.org/presentationml/2006/main" xmlns:c="http://schemas.openxmlformats.org/drawingml/2006/chart" xmlns:dgm="http://schemas.openxmlformats.org/drawingml/2006/diagram" xmlns:o="urn:schemas-microsoft-com:office:office" xmlns:v="urn:schemas-microsoft-com:vml" xmlns:pvml="urn:schemas-microsoft-com:office:powerpoint" xmlns:com="http://schemas.openxmlformats.org/drawingml/2006/compatibility" xmlns:p14="http://schemas.microsoft.com/office/powerpoint/2010/main" xmlns:p15="http://schemas.microsoft.com/office/powerpoint/2012/main" xmlns:ahyp="http://schemas.microsoft.com/office/drawing/2018/hyperlinkcolor" matchingName="Caption">
+<p:sldLayout xmlns:a="http://schemas.openxmlformats.org/drawingml/2006/main" xmlns:r="http://schemas.openxmlformats.org/officeDocument/2006/relationships" xmlns:p="http://schemas.openxmlformats.org/presentationml/2006/main" matchingName="Caption">
   <p:cSld name="CAPTION_ONLY">
     <p:spTree>
       <p:nvGrpSpPr>
-        <p:cNvPr id="41" name="Shape 41"/>
+        <p:cNvPr id="1" name="Shape 41"/>
         <p:cNvGrpSpPr/>
         <p:nvPr/>
       </p:nvGrpSpPr>
@@ -5551,9 +5729,11 @@
       <p:sp>
         <p:nvSpPr>
           <p:cNvPr id="42" name="Google Shape;42;p10"/>
-          <p:cNvSpPr txBox="1"/>
+          <p:cNvSpPr txBox="1">
+            <a:spLocks noGrp="1"/>
+          </p:cNvSpPr>
           <p:nvPr>
-            <p:ph idx="1" type="body"/>
+            <p:ph type="body" idx="1"/>
           </p:nvPr>
         </p:nvSpPr>
         <p:spPr>
@@ -5566,11 +5746,11 @@
           </a:prstGeom>
         </p:spPr>
         <p:txBody>
-          <a:bodyPr anchorCtr="0" anchor="ctr" bIns="91425" lIns="91425" spcFirstLastPara="1" rIns="91425" wrap="square" tIns="91425">
+          <a:bodyPr spcFirstLastPara="1" wrap="square" lIns="91425" tIns="91425" rIns="91425" bIns="91425" anchor="ctr" anchorCtr="0">
             <a:noAutofit/>
           </a:bodyPr>
           <a:lstStyle>
-            <a:lvl1pPr indent="-228600" lvl="0" marL="457200">
+            <a:lvl1pPr marL="457200" lvl="0" indent="-228600">
               <a:lnSpc>
                 <a:spcPct val="100000"/>
               </a:lnSpc>
@@ -5585,15 +5765,19 @@
               <a:defRPr/>
             </a:lvl1pPr>
           </a:lstStyle>
-          <a:p/>
+          <a:p>
+            <a:endParaRPr/>
+          </a:p>
         </p:txBody>
       </p:sp>
       <p:sp>
         <p:nvSpPr>
           <p:cNvPr id="43" name="Google Shape;43;p10"/>
-          <p:cNvSpPr txBox="1"/>
+          <p:cNvSpPr txBox="1">
+            <a:spLocks noGrp="1"/>
+          </p:cNvSpPr>
           <p:nvPr>
-            <p:ph idx="12" type="sldNum"/>
+            <p:ph type="sldNum" idx="12"/>
           </p:nvPr>
         </p:nvSpPr>
         <p:spPr>
@@ -5606,7 +5790,7 @@
           </a:prstGeom>
         </p:spPr>
         <p:txBody>
-          <a:bodyPr anchorCtr="0" anchor="ctr" bIns="91425" lIns="91425" spcFirstLastPara="1" rIns="91425" wrap="square" tIns="91425">
+          <a:bodyPr spcFirstLastPara="1" wrap="square" lIns="91425" tIns="91425" rIns="91425" bIns="91425" anchor="ctr" anchorCtr="0">
             <a:noAutofit/>
           </a:bodyPr>
           <a:lstStyle>
@@ -5648,7 +5832,7 @@
             </a:lvl9pPr>
           </a:lstStyle>
           <a:p>
-            <a:pPr indent="0" lvl="0" marL="0" rtl="0" algn="r">
+            <a:pPr marL="0" lvl="0" indent="0" algn="r" rtl="0">
               <a:spcBef>
                 <a:spcPts val="0"/>
               </a:spcBef>
@@ -5674,18 +5858,19 @@
 </file>
 
 <file path=ppt/slideMasters/slideMaster1.xml><?xml version="1.0" encoding="utf-8"?>
-<p:sldMaster xmlns:a="http://schemas.openxmlformats.org/drawingml/2006/main" xmlns:r="http://schemas.openxmlformats.org/officeDocument/2006/relationships" xmlns:mc="http://schemas.openxmlformats.org/markup-compatibility/2006" xmlns:mv="urn:schemas-microsoft-com:mac:vml" xmlns:p="http://schemas.openxmlformats.org/presentationml/2006/main" xmlns:c="http://schemas.openxmlformats.org/drawingml/2006/chart" xmlns:dgm="http://schemas.openxmlformats.org/drawingml/2006/diagram" xmlns:o="urn:schemas-microsoft-com:office:office" xmlns:v="urn:schemas-microsoft-com:vml" xmlns:pvml="urn:schemas-microsoft-com:office:powerpoint" xmlns:com="http://schemas.openxmlformats.org/drawingml/2006/compatibility" xmlns:p14="http://schemas.microsoft.com/office/powerpoint/2010/main" xmlns:p15="http://schemas.microsoft.com/office/powerpoint/2012/main" xmlns:ahyp="http://schemas.microsoft.com/office/drawing/2018/hyperlinkcolor">
+<p:sldMaster xmlns:a="http://schemas.openxmlformats.org/drawingml/2006/main" xmlns:r="http://schemas.openxmlformats.org/officeDocument/2006/relationships" xmlns:p="http://schemas.openxmlformats.org/presentationml/2006/main">
   <p:cSld name="simple-light-2">
     <p:bg>
       <p:bgPr>
         <a:solidFill>
           <a:schemeClr val="lt1"/>
         </a:solidFill>
+        <a:effectLst/>
       </p:bgPr>
     </p:bg>
     <p:spTree>
       <p:nvGrpSpPr>
-        <p:cNvPr id="5" name="Shape 5"/>
+        <p:cNvPr id="1" name="Shape 5"/>
         <p:cNvGrpSpPr/>
         <p:nvPr/>
       </p:nvGrpSpPr>
@@ -5700,7 +5885,9 @@
       <p:sp>
         <p:nvSpPr>
           <p:cNvPr id="6" name="Google Shape;6;p1"/>
-          <p:cNvSpPr txBox="1"/>
+          <p:cNvSpPr txBox="1">
+            <a:spLocks noGrp="1"/>
+          </p:cNvSpPr>
           <p:nvPr>
             <p:ph type="title"/>
           </p:nvPr>
@@ -5719,7 +5906,7 @@
           </a:ln>
         </p:spPr>
         <p:txBody>
-          <a:bodyPr anchorCtr="0" anchor="t" bIns="91425" lIns="91425" spcFirstLastPara="1" rIns="91425" wrap="square" tIns="91425">
+          <a:bodyPr spcFirstLastPara="1" wrap="square" lIns="91425" tIns="91425" rIns="91425" bIns="91425" anchor="t" anchorCtr="0">
             <a:noAutofit/>
           </a:bodyPr>
           <a:lstStyle>
@@ -5886,15 +6073,19 @@
               </a:defRPr>
             </a:lvl9pPr>
           </a:lstStyle>
-          <a:p/>
+          <a:p>
+            <a:endParaRPr/>
+          </a:p>
         </p:txBody>
       </p:sp>
       <p:sp>
         <p:nvSpPr>
           <p:cNvPr id="7" name="Google Shape;7;p1"/>
-          <p:cNvSpPr txBox="1"/>
+          <p:cNvSpPr txBox="1">
+            <a:spLocks noGrp="1"/>
+          </p:cNvSpPr>
           <p:nvPr>
-            <p:ph idx="1" type="body"/>
+            <p:ph type="body" idx="1"/>
           </p:nvPr>
         </p:nvSpPr>
         <p:spPr>
@@ -5911,11 +6102,11 @@
           </a:ln>
         </p:spPr>
         <p:txBody>
-          <a:bodyPr anchorCtr="0" anchor="t" bIns="91425" lIns="91425" spcFirstLastPara="1" rIns="91425" wrap="square" tIns="91425">
+          <a:bodyPr spcFirstLastPara="1" wrap="square" lIns="91425" tIns="91425" rIns="91425" bIns="91425" anchor="t" anchorCtr="0">
             <a:noAutofit/>
           </a:bodyPr>
           <a:lstStyle>
-            <a:lvl1pPr indent="-342900" lvl="0" marL="457200">
+            <a:lvl1pPr marL="457200" lvl="0" indent="-342900">
               <a:lnSpc>
                 <a:spcPct val="115000"/>
               </a:lnSpc>
@@ -5936,7 +6127,7 @@
                 </a:solidFill>
               </a:defRPr>
             </a:lvl1pPr>
-            <a:lvl2pPr indent="-317500" lvl="1" marL="914400">
+            <a:lvl2pPr marL="914400" lvl="1" indent="-317500">
               <a:lnSpc>
                 <a:spcPct val="115000"/>
               </a:lnSpc>
@@ -5957,7 +6148,7 @@
                 </a:solidFill>
               </a:defRPr>
             </a:lvl2pPr>
-            <a:lvl3pPr indent="-317500" lvl="2" marL="1371600">
+            <a:lvl3pPr marL="1371600" lvl="2" indent="-317500">
               <a:lnSpc>
                 <a:spcPct val="115000"/>
               </a:lnSpc>
@@ -5978,7 +6169,7 @@
                 </a:solidFill>
               </a:defRPr>
             </a:lvl3pPr>
-            <a:lvl4pPr indent="-317500" lvl="3" marL="1828800">
+            <a:lvl4pPr marL="1828800" lvl="3" indent="-317500">
               <a:lnSpc>
                 <a:spcPct val="115000"/>
               </a:lnSpc>
@@ -5999,7 +6190,7 @@
                 </a:solidFill>
               </a:defRPr>
             </a:lvl4pPr>
-            <a:lvl5pPr indent="-317500" lvl="4" marL="2286000">
+            <a:lvl5pPr marL="2286000" lvl="4" indent="-317500">
               <a:lnSpc>
                 <a:spcPct val="115000"/>
               </a:lnSpc>
@@ -6020,7 +6211,7 @@
                 </a:solidFill>
               </a:defRPr>
             </a:lvl5pPr>
-            <a:lvl6pPr indent="-317500" lvl="5" marL="2743200">
+            <a:lvl6pPr marL="2743200" lvl="5" indent="-317500">
               <a:lnSpc>
                 <a:spcPct val="115000"/>
               </a:lnSpc>
@@ -6041,7 +6232,7 @@
                 </a:solidFill>
               </a:defRPr>
             </a:lvl6pPr>
-            <a:lvl7pPr indent="-317500" lvl="6" marL="3200400">
+            <a:lvl7pPr marL="3200400" lvl="6" indent="-317500">
               <a:lnSpc>
                 <a:spcPct val="115000"/>
               </a:lnSpc>
@@ -6062,7 +6253,7 @@
                 </a:solidFill>
               </a:defRPr>
             </a:lvl7pPr>
-            <a:lvl8pPr indent="-317500" lvl="7" marL="3657600">
+            <a:lvl8pPr marL="3657600" lvl="7" indent="-317500">
               <a:lnSpc>
                 <a:spcPct val="115000"/>
               </a:lnSpc>
@@ -6083,7 +6274,7 @@
                 </a:solidFill>
               </a:defRPr>
             </a:lvl8pPr>
-            <a:lvl9pPr indent="-317500" lvl="8" marL="4114800">
+            <a:lvl9pPr marL="4114800" lvl="8" indent="-317500">
               <a:lnSpc>
                 <a:spcPct val="115000"/>
               </a:lnSpc>
@@ -6105,15 +6296,19 @@
               </a:defRPr>
             </a:lvl9pPr>
           </a:lstStyle>
-          <a:p/>
+          <a:p>
+            <a:endParaRPr/>
+          </a:p>
         </p:txBody>
       </p:sp>
       <p:sp>
         <p:nvSpPr>
           <p:cNvPr id="8" name="Google Shape;8;p1"/>
-          <p:cNvSpPr txBox="1"/>
+          <p:cNvSpPr txBox="1">
+            <a:spLocks noGrp="1"/>
+          </p:cNvSpPr>
           <p:nvPr>
-            <p:ph idx="12" type="sldNum"/>
+            <p:ph type="sldNum" idx="12"/>
           </p:nvPr>
         </p:nvSpPr>
         <p:spPr>
@@ -6130,7 +6325,7 @@
           </a:ln>
         </p:spPr>
         <p:txBody>
-          <a:bodyPr anchorCtr="0" anchor="ctr" bIns="91425" lIns="91425" spcFirstLastPara="1" rIns="91425" wrap="square" tIns="91425">
+          <a:bodyPr spcFirstLastPara="1" wrap="square" lIns="91425" tIns="91425" rIns="91425" bIns="91425" anchor="ctr" anchorCtr="0">
             <a:noAutofit/>
           </a:bodyPr>
           <a:lstStyle>
@@ -6208,7 +6403,7 @@
             </a:lvl9pPr>
           </a:lstStyle>
           <a:p>
-            <a:pPr indent="0" lvl="0" marL="0" rtl="0" algn="r">
+            <a:pPr marL="0" lvl="0" indent="0" algn="r" rtl="0">
               <a:spcBef>
                 <a:spcPts val="0"/>
               </a:spcBef>
@@ -6227,7 +6422,7 @@
       </p:sp>
     </p:spTree>
   </p:cSld>
-  <p:clrMap accent1="accent1" accent2="accent2" accent3="accent3" accent4="accent4" accent5="accent5" accent6="accent6" bg1="lt1" bg2="dk2" tx1="dk1" tx2="lt2" folHlink="folHlink" hlink="hlink"/>
+  <p:clrMap bg1="lt1" tx1="dk1" bg2="dk2" tx2="lt2" accent1="accent1" accent2="accent2" accent3="accent3" accent4="accent4" accent5="accent5" accent6="accent6" hlink="hlink" folHlink="folHlink"/>
   <p:sldLayoutIdLst>
     <p:sldLayoutId id="2147483648" r:id="rId1"/>
     <p:sldLayoutId id="2147483649" r:id="rId2"/>
@@ -6241,10 +6436,10 @@
     <p:sldLayoutId id="2147483657" r:id="rId10"/>
     <p:sldLayoutId id="2147483658" r:id="rId11"/>
   </p:sldLayoutIdLst>
-  <p:hf dt="0" ftr="0" hdr="0" sldNum="0"/>
+  <p:hf sldNum="0" hdr="0" ftr="0" dt="0"/>
   <p:txStyles>
     <p:titleStyle>
-      <a:defPPr lvl="0" marR="0" rtl="0" algn="l">
+      <a:defPPr marR="0" lvl="0" algn="l" rtl="0">
         <a:lnSpc>
           <a:spcPct val="100000"/>
         </a:lnSpc>
@@ -6255,7 +6450,7 @@
           <a:spcPts val="0"/>
         </a:spcAft>
       </a:defPPr>
-      <a:lvl1pPr lvl="0" marR="0" rtl="0" algn="l">
+      <a:lvl1pPr marR="0" lvl="0" algn="l" rtl="0">
         <a:lnSpc>
           <a:spcPct val="100000"/>
         </a:lnSpc>
@@ -6269,7 +6464,7 @@
           <a:srgbClr val="000000"/>
         </a:buClr>
         <a:buFont typeface="Arial"/>
-        <a:defRPr b="0" i="0" sz="1400" u="none" cap="none" strike="noStrike">
+        <a:defRPr sz="1400" b="0" i="0" u="none" strike="noStrike" cap="none">
           <a:solidFill>
             <a:srgbClr val="000000"/>
           </a:solidFill>
@@ -6279,7 +6474,7 @@
           <a:sym typeface="Arial"/>
         </a:defRPr>
       </a:lvl1pPr>
-      <a:lvl2pPr lvl="1" marR="0" rtl="0" algn="l">
+      <a:lvl2pPr marR="0" lvl="1" algn="l" rtl="0">
         <a:lnSpc>
           <a:spcPct val="100000"/>
         </a:lnSpc>
@@ -6293,7 +6488,7 @@
           <a:srgbClr val="000000"/>
         </a:buClr>
         <a:buFont typeface="Arial"/>
-        <a:defRPr b="0" i="0" sz="1400" u="none" cap="none" strike="noStrike">
+        <a:defRPr sz="1400" b="0" i="0" u="none" strike="noStrike" cap="none">
           <a:solidFill>
             <a:srgbClr val="000000"/>
           </a:solidFill>
@@ -6303,7 +6498,7 @@
           <a:sym typeface="Arial"/>
         </a:defRPr>
       </a:lvl2pPr>
-      <a:lvl3pPr lvl="2" marR="0" rtl="0" algn="l">
+      <a:lvl3pPr marR="0" lvl="2" algn="l" rtl="0">
         <a:lnSpc>
           <a:spcPct val="100000"/>
         </a:lnSpc>
@@ -6317,7 +6512,7 @@
           <a:srgbClr val="000000"/>
         </a:buClr>
         <a:buFont typeface="Arial"/>
-        <a:defRPr b="0" i="0" sz="1400" u="none" cap="none" strike="noStrike">
+        <a:defRPr sz="1400" b="0" i="0" u="none" strike="noStrike" cap="none">
           <a:solidFill>
             <a:srgbClr val="000000"/>
           </a:solidFill>
@@ -6327,7 +6522,7 @@
           <a:sym typeface="Arial"/>
         </a:defRPr>
       </a:lvl3pPr>
-      <a:lvl4pPr lvl="3" marR="0" rtl="0" algn="l">
+      <a:lvl4pPr marR="0" lvl="3" algn="l" rtl="0">
         <a:lnSpc>
           <a:spcPct val="100000"/>
         </a:lnSpc>
@@ -6341,7 +6536,7 @@
           <a:srgbClr val="000000"/>
         </a:buClr>
         <a:buFont typeface="Arial"/>
-        <a:defRPr b="0" i="0" sz="1400" u="none" cap="none" strike="noStrike">
+        <a:defRPr sz="1400" b="0" i="0" u="none" strike="noStrike" cap="none">
           <a:solidFill>
             <a:srgbClr val="000000"/>
           </a:solidFill>
@@ -6351,7 +6546,7 @@
           <a:sym typeface="Arial"/>
         </a:defRPr>
       </a:lvl4pPr>
-      <a:lvl5pPr lvl="4" marR="0" rtl="0" algn="l">
+      <a:lvl5pPr marR="0" lvl="4" algn="l" rtl="0">
         <a:lnSpc>
           <a:spcPct val="100000"/>
         </a:lnSpc>
@@ -6365,7 +6560,7 @@
           <a:srgbClr val="000000"/>
         </a:buClr>
         <a:buFont typeface="Arial"/>
-        <a:defRPr b="0" i="0" sz="1400" u="none" cap="none" strike="noStrike">
+        <a:defRPr sz="1400" b="0" i="0" u="none" strike="noStrike" cap="none">
           <a:solidFill>
             <a:srgbClr val="000000"/>
           </a:solidFill>
@@ -6375,7 +6570,7 @@
           <a:sym typeface="Arial"/>
         </a:defRPr>
       </a:lvl5pPr>
-      <a:lvl6pPr lvl="5" marR="0" rtl="0" algn="l">
+      <a:lvl6pPr marR="0" lvl="5" algn="l" rtl="0">
         <a:lnSpc>
           <a:spcPct val="100000"/>
         </a:lnSpc>
@@ -6389,7 +6584,7 @@
           <a:srgbClr val="000000"/>
         </a:buClr>
         <a:buFont typeface="Arial"/>
-        <a:defRPr b="0" i="0" sz="1400" u="none" cap="none" strike="noStrike">
+        <a:defRPr sz="1400" b="0" i="0" u="none" strike="noStrike" cap="none">
           <a:solidFill>
             <a:srgbClr val="000000"/>
           </a:solidFill>
@@ -6399,7 +6594,7 @@
           <a:sym typeface="Arial"/>
         </a:defRPr>
       </a:lvl6pPr>
-      <a:lvl7pPr lvl="6" marR="0" rtl="0" algn="l">
+      <a:lvl7pPr marR="0" lvl="6" algn="l" rtl="0">
         <a:lnSpc>
           <a:spcPct val="100000"/>
         </a:lnSpc>
@@ -6413,7 +6608,7 @@
           <a:srgbClr val="000000"/>
         </a:buClr>
         <a:buFont typeface="Arial"/>
-        <a:defRPr b="0" i="0" sz="1400" u="none" cap="none" strike="noStrike">
+        <a:defRPr sz="1400" b="0" i="0" u="none" strike="noStrike" cap="none">
           <a:solidFill>
             <a:srgbClr val="000000"/>
           </a:solidFill>
@@ -6423,7 +6618,7 @@
           <a:sym typeface="Arial"/>
         </a:defRPr>
       </a:lvl7pPr>
-      <a:lvl8pPr lvl="7" marR="0" rtl="0" algn="l">
+      <a:lvl8pPr marR="0" lvl="7" algn="l" rtl="0">
         <a:lnSpc>
           <a:spcPct val="100000"/>
         </a:lnSpc>
@@ -6437,7 +6632,7 @@
           <a:srgbClr val="000000"/>
         </a:buClr>
         <a:buFont typeface="Arial"/>
-        <a:defRPr b="0" i="0" sz="1400" u="none" cap="none" strike="noStrike">
+        <a:defRPr sz="1400" b="0" i="0" u="none" strike="noStrike" cap="none">
           <a:solidFill>
             <a:srgbClr val="000000"/>
           </a:solidFill>
@@ -6447,7 +6642,7 @@
           <a:sym typeface="Arial"/>
         </a:defRPr>
       </a:lvl8pPr>
-      <a:lvl9pPr lvl="8" marR="0" rtl="0" algn="l">
+      <a:lvl9pPr marR="0" lvl="8" algn="l" rtl="0">
         <a:lnSpc>
           <a:spcPct val="100000"/>
         </a:lnSpc>
@@ -6461,7 +6656,7 @@
           <a:srgbClr val="000000"/>
         </a:buClr>
         <a:buFont typeface="Arial"/>
-        <a:defRPr b="0" i="0" sz="1400" u="none" cap="none" strike="noStrike">
+        <a:defRPr sz="1400" b="0" i="0" u="none" strike="noStrike" cap="none">
           <a:solidFill>
             <a:srgbClr val="000000"/>
           </a:solidFill>
@@ -6473,7 +6668,7 @@
       </a:lvl9pPr>
     </p:titleStyle>
     <p:bodyStyle>
-      <a:defPPr lvl="0" marR="0" rtl="0" algn="l">
+      <a:defPPr marR="0" lvl="0" algn="l" rtl="0">
         <a:lnSpc>
           <a:spcPct val="100000"/>
         </a:lnSpc>
@@ -6484,7 +6679,7 @@
           <a:spcPts val="0"/>
         </a:spcAft>
       </a:defPPr>
-      <a:lvl1pPr lvl="0" marR="0" rtl="0" algn="l">
+      <a:lvl1pPr marR="0" lvl="0" algn="l" rtl="0">
         <a:lnSpc>
           <a:spcPct val="100000"/>
         </a:lnSpc>
@@ -6498,7 +6693,7 @@
           <a:srgbClr val="000000"/>
         </a:buClr>
         <a:buFont typeface="Arial"/>
-        <a:defRPr b="0" i="0" sz="1400" u="none" cap="none" strike="noStrike">
+        <a:defRPr sz="1400" b="0" i="0" u="none" strike="noStrike" cap="none">
           <a:solidFill>
             <a:srgbClr val="000000"/>
           </a:solidFill>
@@ -6508,7 +6703,7 @@
           <a:sym typeface="Arial"/>
         </a:defRPr>
       </a:lvl1pPr>
-      <a:lvl2pPr lvl="1" marR="0" rtl="0" algn="l">
+      <a:lvl2pPr marR="0" lvl="1" algn="l" rtl="0">
         <a:lnSpc>
           <a:spcPct val="100000"/>
         </a:lnSpc>
@@ -6522,7 +6717,7 @@
           <a:srgbClr val="000000"/>
         </a:buClr>
         <a:buFont typeface="Arial"/>
-        <a:defRPr b="0" i="0" sz="1400" u="none" cap="none" strike="noStrike">
+        <a:defRPr sz="1400" b="0" i="0" u="none" strike="noStrike" cap="none">
           <a:solidFill>
             <a:srgbClr val="000000"/>
           </a:solidFill>
@@ -6532,7 +6727,7 @@
           <a:sym typeface="Arial"/>
         </a:defRPr>
       </a:lvl2pPr>
-      <a:lvl3pPr lvl="2" marR="0" rtl="0" algn="l">
+      <a:lvl3pPr marR="0" lvl="2" algn="l" rtl="0">
         <a:lnSpc>
           <a:spcPct val="100000"/>
         </a:lnSpc>
@@ -6546,7 +6741,7 @@
           <a:srgbClr val="000000"/>
         </a:buClr>
         <a:buFont typeface="Arial"/>
-        <a:defRPr b="0" i="0" sz="1400" u="none" cap="none" strike="noStrike">
+        <a:defRPr sz="1400" b="0" i="0" u="none" strike="noStrike" cap="none">
           <a:solidFill>
             <a:srgbClr val="000000"/>
           </a:solidFill>
@@ -6556,7 +6751,7 @@
           <a:sym typeface="Arial"/>
         </a:defRPr>
       </a:lvl3pPr>
-      <a:lvl4pPr lvl="3" marR="0" rtl="0" algn="l">
+      <a:lvl4pPr marR="0" lvl="3" algn="l" rtl="0">
         <a:lnSpc>
           <a:spcPct val="100000"/>
         </a:lnSpc>
@@ -6570,7 +6765,7 @@
           <a:srgbClr val="000000"/>
         </a:buClr>
         <a:buFont typeface="Arial"/>
-        <a:defRPr b="0" i="0" sz="1400" u="none" cap="none" strike="noStrike">
+        <a:defRPr sz="1400" b="0" i="0" u="none" strike="noStrike" cap="none">
           <a:solidFill>
             <a:srgbClr val="000000"/>
           </a:solidFill>
@@ -6580,7 +6775,7 @@
           <a:sym typeface="Arial"/>
         </a:defRPr>
       </a:lvl4pPr>
-      <a:lvl5pPr lvl="4" marR="0" rtl="0" algn="l">
+      <a:lvl5pPr marR="0" lvl="4" algn="l" rtl="0">
         <a:lnSpc>
           <a:spcPct val="100000"/>
         </a:lnSpc>
@@ -6594,7 +6789,7 @@
           <a:srgbClr val="000000"/>
         </a:buClr>
         <a:buFont typeface="Arial"/>
-        <a:defRPr b="0" i="0" sz="1400" u="none" cap="none" strike="noStrike">
+        <a:defRPr sz="1400" b="0" i="0" u="none" strike="noStrike" cap="none">
           <a:solidFill>
             <a:srgbClr val="000000"/>
           </a:solidFill>
@@ -6604,7 +6799,7 @@
           <a:sym typeface="Arial"/>
         </a:defRPr>
       </a:lvl5pPr>
-      <a:lvl6pPr lvl="5" marR="0" rtl="0" algn="l">
+      <a:lvl6pPr marR="0" lvl="5" algn="l" rtl="0">
         <a:lnSpc>
           <a:spcPct val="100000"/>
         </a:lnSpc>
@@ -6618,7 +6813,7 @@
           <a:srgbClr val="000000"/>
         </a:buClr>
         <a:buFont typeface="Arial"/>
-        <a:defRPr b="0" i="0" sz="1400" u="none" cap="none" strike="noStrike">
+        <a:defRPr sz="1400" b="0" i="0" u="none" strike="noStrike" cap="none">
           <a:solidFill>
             <a:srgbClr val="000000"/>
           </a:solidFill>
@@ -6628,7 +6823,7 @@
           <a:sym typeface="Arial"/>
         </a:defRPr>
       </a:lvl6pPr>
-      <a:lvl7pPr lvl="6" marR="0" rtl="0" algn="l">
+      <a:lvl7pPr marR="0" lvl="6" algn="l" rtl="0">
         <a:lnSpc>
           <a:spcPct val="100000"/>
         </a:lnSpc>
@@ -6642,7 +6837,7 @@
           <a:srgbClr val="000000"/>
         </a:buClr>
         <a:buFont typeface="Arial"/>
-        <a:defRPr b="0" i="0" sz="1400" u="none" cap="none" strike="noStrike">
+        <a:defRPr sz="1400" b="0" i="0" u="none" strike="noStrike" cap="none">
           <a:solidFill>
             <a:srgbClr val="000000"/>
           </a:solidFill>
@@ -6652,7 +6847,7 @@
           <a:sym typeface="Arial"/>
         </a:defRPr>
       </a:lvl7pPr>
-      <a:lvl8pPr lvl="7" marR="0" rtl="0" algn="l">
+      <a:lvl8pPr marR="0" lvl="7" algn="l" rtl="0">
         <a:lnSpc>
           <a:spcPct val="100000"/>
         </a:lnSpc>
@@ -6666,7 +6861,7 @@
           <a:srgbClr val="000000"/>
         </a:buClr>
         <a:buFont typeface="Arial"/>
-        <a:defRPr b="0" i="0" sz="1400" u="none" cap="none" strike="noStrike">
+        <a:defRPr sz="1400" b="0" i="0" u="none" strike="noStrike" cap="none">
           <a:solidFill>
             <a:srgbClr val="000000"/>
           </a:solidFill>
@@ -6676,7 +6871,7 @@
           <a:sym typeface="Arial"/>
         </a:defRPr>
       </a:lvl8pPr>
-      <a:lvl9pPr lvl="8" marR="0" rtl="0" algn="l">
+      <a:lvl9pPr marR="0" lvl="8" algn="l" rtl="0">
         <a:lnSpc>
           <a:spcPct val="100000"/>
         </a:lnSpc>
@@ -6690,7 +6885,7 @@
           <a:srgbClr val="000000"/>
         </a:buClr>
         <a:buFont typeface="Arial"/>
-        <a:defRPr b="0" i="0" sz="1400" u="none" cap="none" strike="noStrike">
+        <a:defRPr sz="1400" b="0" i="0" u="none" strike="noStrike" cap="none">
           <a:solidFill>
             <a:srgbClr val="000000"/>
           </a:solidFill>
@@ -6702,7 +6897,7 @@
       </a:lvl9pPr>
     </p:bodyStyle>
     <p:otherStyle>
-      <a:defPPr lvl="0" marR="0" rtl="0" algn="l">
+      <a:defPPr marR="0" lvl="0" algn="l" rtl="0">
         <a:lnSpc>
           <a:spcPct val="100000"/>
         </a:lnSpc>
@@ -6713,7 +6908,7 @@
           <a:spcPts val="0"/>
         </a:spcAft>
       </a:defPPr>
-      <a:lvl1pPr lvl="0" marR="0" rtl="0" algn="l">
+      <a:lvl1pPr marR="0" lvl="0" algn="l" rtl="0">
         <a:lnSpc>
           <a:spcPct val="100000"/>
         </a:lnSpc>
@@ -6727,7 +6922,7 @@
           <a:srgbClr val="000000"/>
         </a:buClr>
         <a:buFont typeface="Arial"/>
-        <a:defRPr b="0" i="0" sz="1400" u="none" cap="none" strike="noStrike">
+        <a:defRPr sz="1400" b="0" i="0" u="none" strike="noStrike" cap="none">
           <a:solidFill>
             <a:srgbClr val="000000"/>
           </a:solidFill>
@@ -6737,7 +6932,7 @@
           <a:sym typeface="Arial"/>
         </a:defRPr>
       </a:lvl1pPr>
-      <a:lvl2pPr lvl="1" marR="0" rtl="0" algn="l">
+      <a:lvl2pPr marR="0" lvl="1" algn="l" rtl="0">
         <a:lnSpc>
           <a:spcPct val="100000"/>
         </a:lnSpc>
@@ -6751,7 +6946,7 @@
           <a:srgbClr val="000000"/>
         </a:buClr>
         <a:buFont typeface="Arial"/>
-        <a:defRPr b="0" i="0" sz="1400" u="none" cap="none" strike="noStrike">
+        <a:defRPr sz="1400" b="0" i="0" u="none" strike="noStrike" cap="none">
           <a:solidFill>
             <a:srgbClr val="000000"/>
           </a:solidFill>
@@ -6761,7 +6956,7 @@
           <a:sym typeface="Arial"/>
         </a:defRPr>
       </a:lvl2pPr>
-      <a:lvl3pPr lvl="2" marR="0" rtl="0" algn="l">
+      <a:lvl3pPr marR="0" lvl="2" algn="l" rtl="0">
         <a:lnSpc>
           <a:spcPct val="100000"/>
         </a:lnSpc>
@@ -6775,7 +6970,7 @@
           <a:srgbClr val="000000"/>
         </a:buClr>
         <a:buFont typeface="Arial"/>
-        <a:defRPr b="0" i="0" sz="1400" u="none" cap="none" strike="noStrike">
+        <a:defRPr sz="1400" b="0" i="0" u="none" strike="noStrike" cap="none">
           <a:solidFill>
             <a:srgbClr val="000000"/>
           </a:solidFill>
@@ -6785,7 +6980,7 @@
           <a:sym typeface="Arial"/>
         </a:defRPr>
       </a:lvl3pPr>
-      <a:lvl4pPr lvl="3" marR="0" rtl="0" algn="l">
+      <a:lvl4pPr marR="0" lvl="3" algn="l" rtl="0">
         <a:lnSpc>
           <a:spcPct val="100000"/>
         </a:lnSpc>
@@ -6799,7 +6994,7 @@
           <a:srgbClr val="000000"/>
         </a:buClr>
         <a:buFont typeface="Arial"/>
-        <a:defRPr b="0" i="0" sz="1400" u="none" cap="none" strike="noStrike">
+        <a:defRPr sz="1400" b="0" i="0" u="none" strike="noStrike" cap="none">
           <a:solidFill>
             <a:srgbClr val="000000"/>
           </a:solidFill>
@@ -6809,7 +7004,7 @@
           <a:sym typeface="Arial"/>
         </a:defRPr>
       </a:lvl4pPr>
-      <a:lvl5pPr lvl="4" marR="0" rtl="0" algn="l">
+      <a:lvl5pPr marR="0" lvl="4" algn="l" rtl="0">
         <a:lnSpc>
           <a:spcPct val="100000"/>
         </a:lnSpc>
@@ -6823,7 +7018,7 @@
           <a:srgbClr val="000000"/>
         </a:buClr>
         <a:buFont typeface="Arial"/>
-        <a:defRPr b="0" i="0" sz="1400" u="none" cap="none" strike="noStrike">
+        <a:defRPr sz="1400" b="0" i="0" u="none" strike="noStrike" cap="none">
           <a:solidFill>
             <a:srgbClr val="000000"/>
           </a:solidFill>
@@ -6833,7 +7028,7 @@
           <a:sym typeface="Arial"/>
         </a:defRPr>
       </a:lvl5pPr>
-      <a:lvl6pPr lvl="5" marR="0" rtl="0" algn="l">
+      <a:lvl6pPr marR="0" lvl="5" algn="l" rtl="0">
         <a:lnSpc>
           <a:spcPct val="100000"/>
         </a:lnSpc>
@@ -6847,7 +7042,7 @@
           <a:srgbClr val="000000"/>
         </a:buClr>
         <a:buFont typeface="Arial"/>
-        <a:defRPr b="0" i="0" sz="1400" u="none" cap="none" strike="noStrike">
+        <a:defRPr sz="1400" b="0" i="0" u="none" strike="noStrike" cap="none">
           <a:solidFill>
             <a:srgbClr val="000000"/>
           </a:solidFill>
@@ -6857,7 +7052,7 @@
           <a:sym typeface="Arial"/>
         </a:defRPr>
       </a:lvl6pPr>
-      <a:lvl7pPr lvl="6" marR="0" rtl="0" algn="l">
+      <a:lvl7pPr marR="0" lvl="6" algn="l" rtl="0">
         <a:lnSpc>
           <a:spcPct val="100000"/>
         </a:lnSpc>
@@ -6871,7 +7066,7 @@
           <a:srgbClr val="000000"/>
         </a:buClr>
         <a:buFont typeface="Arial"/>
-        <a:defRPr b="0" i="0" sz="1400" u="none" cap="none" strike="noStrike">
+        <a:defRPr sz="1400" b="0" i="0" u="none" strike="noStrike" cap="none">
           <a:solidFill>
             <a:srgbClr val="000000"/>
           </a:solidFill>
@@ -6881,7 +7076,7 @@
           <a:sym typeface="Arial"/>
         </a:defRPr>
       </a:lvl7pPr>
-      <a:lvl8pPr lvl="7" marR="0" rtl="0" algn="l">
+      <a:lvl8pPr marR="0" lvl="7" algn="l" rtl="0">
         <a:lnSpc>
           <a:spcPct val="100000"/>
         </a:lnSpc>
@@ -6895,7 +7090,7 @@
           <a:srgbClr val="000000"/>
         </a:buClr>
         <a:buFont typeface="Arial"/>
-        <a:defRPr b="0" i="0" sz="1400" u="none" cap="none" strike="noStrike">
+        <a:defRPr sz="1400" b="0" i="0" u="none" strike="noStrike" cap="none">
           <a:solidFill>
             <a:srgbClr val="000000"/>
           </a:solidFill>
@@ -6905,7 +7100,7 @@
           <a:sym typeface="Arial"/>
         </a:defRPr>
       </a:lvl8pPr>
-      <a:lvl9pPr lvl="8" marR="0" rtl="0" algn="l">
+      <a:lvl9pPr marR="0" lvl="8" algn="l" rtl="0">
         <a:lnSpc>
           <a:spcPct val="100000"/>
         </a:lnSpc>
@@ -6919,7 +7114,7 @@
           <a:srgbClr val="000000"/>
         </a:buClr>
         <a:buFont typeface="Arial"/>
-        <a:defRPr b="0" i="0" sz="1400" u="none" cap="none" strike="noStrike">
+        <a:defRPr sz="1400" b="0" i="0" u="none" strike="noStrike" cap="none">
           <a:solidFill>
             <a:srgbClr val="000000"/>
           </a:solidFill>
@@ -6935,11 +7130,11 @@
 </file>
 
 <file path=ppt/slides/slide1.xml><?xml version="1.0" encoding="utf-8"?>
-<p:sld xmlns:a="http://schemas.openxmlformats.org/drawingml/2006/main" xmlns:r="http://schemas.openxmlformats.org/officeDocument/2006/relationships" xmlns:mc="http://schemas.openxmlformats.org/markup-compatibility/2006" xmlns:mv="urn:schemas-microsoft-com:mac:vml" xmlns:p="http://schemas.openxmlformats.org/presentationml/2006/main" xmlns:c="http://schemas.openxmlformats.org/drawingml/2006/chart" xmlns:dgm="http://schemas.openxmlformats.org/drawingml/2006/diagram" xmlns:o="urn:schemas-microsoft-com:office:office" xmlns:v="urn:schemas-microsoft-com:vml" xmlns:pvml="urn:schemas-microsoft-com:office:powerpoint" xmlns:com="http://schemas.openxmlformats.org/drawingml/2006/compatibility" xmlns:p14="http://schemas.microsoft.com/office/powerpoint/2010/main" xmlns:p15="http://schemas.microsoft.com/office/powerpoint/2012/main" xmlns:ahyp="http://schemas.microsoft.com/office/drawing/2018/hyperlinkcolor">
+<p:sld xmlns:a="http://schemas.openxmlformats.org/drawingml/2006/main" xmlns:r="http://schemas.openxmlformats.org/officeDocument/2006/relationships" xmlns:p="http://schemas.openxmlformats.org/presentationml/2006/main">
   <p:cSld>
     <p:spTree>
       <p:nvGrpSpPr>
-        <p:cNvPr id="53" name="Shape 53"/>
+        <p:cNvPr id="1" name="Shape 53"/>
         <p:cNvGrpSpPr/>
         <p:nvPr/>
       </p:nvGrpSpPr>
@@ -6954,7 +7149,9 @@
       <p:sp>
         <p:nvSpPr>
           <p:cNvPr id="54" name="Google Shape;54;p13"/>
-          <p:cNvSpPr txBox="1"/>
+          <p:cNvSpPr txBox="1">
+            <a:spLocks noGrp="1"/>
+          </p:cNvSpPr>
           <p:nvPr>
             <p:ph type="ctrTitle"/>
           </p:nvPr>
@@ -6969,12 +7166,12 @@
           </a:prstGeom>
         </p:spPr>
         <p:txBody>
-          <a:bodyPr anchorCtr="0" anchor="b" bIns="91425" lIns="91425" spcFirstLastPara="1" rIns="91425" wrap="square" tIns="91425">
+          <a:bodyPr spcFirstLastPara="1" wrap="square" lIns="91425" tIns="91425" rIns="91425" bIns="91425" anchor="b" anchorCtr="0">
             <a:noAutofit/>
           </a:bodyPr>
           <a:lstStyle/>
           <a:p>
-            <a:pPr indent="0" lvl="0" marL="0" rtl="0" algn="ctr">
+            <a:pPr marL="0" lvl="0" indent="0" algn="ctr" rtl="0">
               <a:spcBef>
                 <a:spcPts val="0"/>
               </a:spcBef>
@@ -6998,7 +7195,7 @@
             </a:endParaRPr>
           </a:p>
           <a:p>
-            <a:pPr indent="0" lvl="0" marL="0" rtl="0" algn="ctr">
+            <a:pPr marL="0" lvl="0" indent="0" algn="ctr" rtl="0">
               <a:spcBef>
                 <a:spcPts val="0"/>
               </a:spcBef>
@@ -7026,9 +7223,11 @@
       <p:sp>
         <p:nvSpPr>
           <p:cNvPr id="55" name="Google Shape;55;p13"/>
-          <p:cNvSpPr txBox="1"/>
+          <p:cNvSpPr txBox="1">
+            <a:spLocks noGrp="1"/>
+          </p:cNvSpPr>
           <p:nvPr>
-            <p:ph idx="1" type="subTitle"/>
+            <p:ph type="subTitle" idx="1"/>
           </p:nvPr>
         </p:nvSpPr>
         <p:spPr>
@@ -7041,12 +7240,12 @@
           </a:prstGeom>
         </p:spPr>
         <p:txBody>
-          <a:bodyPr anchorCtr="0" anchor="t" bIns="91425" lIns="91425" spcFirstLastPara="1" rIns="91425" wrap="square" tIns="91425">
+          <a:bodyPr spcFirstLastPara="1" wrap="square" lIns="91425" tIns="91425" rIns="91425" bIns="91425" anchor="t" anchorCtr="0">
             <a:noAutofit/>
           </a:bodyPr>
           <a:lstStyle/>
           <a:p>
-            <a:pPr indent="0" lvl="0" marL="0" rtl="0" algn="ctr">
+            <a:pPr marL="0" lvl="0" indent="0" algn="ctr" rtl="0">
               <a:spcBef>
                 <a:spcPts val="0"/>
               </a:spcBef>
@@ -7100,11 +7299,11 @@
 </file>
 
 <file path=ppt/slides/slide10.xml><?xml version="1.0" encoding="utf-8"?>
-<p:sld xmlns:a="http://schemas.openxmlformats.org/drawingml/2006/main" xmlns:r="http://schemas.openxmlformats.org/officeDocument/2006/relationships" xmlns:mc="http://schemas.openxmlformats.org/markup-compatibility/2006" xmlns:mv="urn:schemas-microsoft-com:mac:vml" xmlns:p="http://schemas.openxmlformats.org/presentationml/2006/main" xmlns:c="http://schemas.openxmlformats.org/drawingml/2006/chart" xmlns:dgm="http://schemas.openxmlformats.org/drawingml/2006/diagram" xmlns:o="urn:schemas-microsoft-com:office:office" xmlns:v="urn:schemas-microsoft-com:vml" xmlns:pvml="urn:schemas-microsoft-com:office:powerpoint" xmlns:com="http://schemas.openxmlformats.org/drawingml/2006/compatibility" xmlns:p14="http://schemas.microsoft.com/office/powerpoint/2010/main" xmlns:p15="http://schemas.microsoft.com/office/powerpoint/2012/main" xmlns:ahyp="http://schemas.microsoft.com/office/drawing/2018/hyperlinkcolor">
+<p:sld xmlns:a="http://schemas.openxmlformats.org/drawingml/2006/main" xmlns:r="http://schemas.openxmlformats.org/officeDocument/2006/relationships" xmlns:p="http://schemas.openxmlformats.org/presentationml/2006/main">
   <p:cSld>
     <p:spTree>
       <p:nvGrpSpPr>
-        <p:cNvPr id="141" name="Shape 141"/>
+        <p:cNvPr id="1" name="Shape 141"/>
         <p:cNvGrpSpPr/>
         <p:nvPr/>
       </p:nvGrpSpPr>
@@ -7119,7 +7318,9 @@
       <p:sp>
         <p:nvSpPr>
           <p:cNvPr id="142" name="Google Shape;142;p22"/>
-          <p:cNvSpPr txBox="1"/>
+          <p:cNvSpPr txBox="1">
+            <a:spLocks noGrp="1"/>
+          </p:cNvSpPr>
           <p:nvPr>
             <p:ph type="title"/>
           </p:nvPr>
@@ -7134,12 +7335,12 @@
           </a:prstGeom>
         </p:spPr>
         <p:txBody>
-          <a:bodyPr anchorCtr="0" anchor="t" bIns="91425" lIns="91425" spcFirstLastPara="1" rIns="91425" wrap="square" tIns="91425">
+          <a:bodyPr spcFirstLastPara="1" wrap="square" lIns="91425" tIns="91425" rIns="91425" bIns="91425" anchor="t" anchorCtr="0">
             <a:noAutofit/>
           </a:bodyPr>
           <a:lstStyle/>
           <a:p>
-            <a:pPr indent="0" lvl="0" marL="0" rtl="0" algn="l">
+            <a:pPr marL="0" lvl="0" indent="0" algn="l" rtl="0">
               <a:spcBef>
                 <a:spcPts val="0"/>
               </a:spcBef>
@@ -7149,7 +7350,7 @@
               <a:buNone/>
             </a:pPr>
             <a:r>
-              <a:rPr b="1" lang="en">
+              <a:rPr lang="en" b="1">
                 <a:solidFill>
                   <a:srgbClr val="0000FF"/>
                 </a:solidFill>
@@ -7181,23 +7382,23 @@
           <a:solidFill>
             <a:schemeClr val="lt2"/>
           </a:solidFill>
-          <a:ln cap="flat" cmpd="sng" w="9525">
+          <a:ln w="9525" cap="flat" cmpd="sng">
             <a:solidFill>
               <a:schemeClr val="dk2"/>
             </a:solidFill>
             <a:prstDash val="solid"/>
             <a:round/>
-            <a:headEnd len="sm" w="sm" type="none"/>
-            <a:tailEnd len="sm" w="sm" type="none"/>
+            <a:headEnd type="none" w="sm" len="sm"/>
+            <a:tailEnd type="none" w="sm" len="sm"/>
           </a:ln>
         </p:spPr>
         <p:txBody>
-          <a:bodyPr anchorCtr="0" anchor="ctr" bIns="91425" lIns="91425" spcFirstLastPara="1" rIns="91425" wrap="square" tIns="91425">
+          <a:bodyPr spcFirstLastPara="1" wrap="square" lIns="91425" tIns="91425" rIns="91425" bIns="91425" anchor="ctr" anchorCtr="0">
             <a:noAutofit/>
           </a:bodyPr>
           <a:lstStyle/>
           <a:p>
-            <a:pPr indent="0" lvl="0" marL="0" rtl="0" algn="ctr">
+            <a:pPr marL="0" lvl="0" indent="0" algn="ctr" rtl="0">
               <a:spcBef>
                 <a:spcPts val="0"/>
               </a:spcBef>
@@ -7207,13 +7408,13 @@
               <a:buNone/>
             </a:pPr>
             <a:r>
-              <a:rPr i="1" lang="en"/>
+              <a:rPr lang="en" i="1"/>
               <a:t>Shape</a:t>
             </a:r>
             <a:endParaRPr i="1"/>
           </a:p>
           <a:p>
-            <a:pPr indent="0" lvl="0" marL="0" rtl="0" algn="ctr">
+            <a:pPr marL="0" lvl="0" indent="0" algn="ctr" rtl="0">
               <a:spcBef>
                 <a:spcPts val="0"/>
               </a:spcBef>
@@ -7222,13 +7423,10 @@
               </a:spcAft>
               <a:buNone/>
             </a:pPr>
-            <a:r>
-              <a:t/>
-            </a:r>
             <a:endParaRPr i="1"/>
           </a:p>
           <a:p>
-            <a:pPr indent="0" lvl="0" marL="0" rtl="0" algn="ctr">
+            <a:pPr marL="0" lvl="0" indent="0" algn="ctr" rtl="0">
               <a:spcBef>
                 <a:spcPts val="0"/>
               </a:spcBef>
@@ -7238,13 +7436,13 @@
               <a:buNone/>
             </a:pPr>
             <a:r>
-              <a:rPr b="1" lang="en"/>
+              <a:rPr lang="en" b="1"/>
               <a:t>draw()</a:t>
             </a:r>
             <a:endParaRPr b="1"/>
           </a:p>
           <a:p>
-            <a:pPr indent="0" lvl="0" marL="0" rtl="0" algn="ctr">
+            <a:pPr marL="0" lvl="0" indent="0" algn="ctr" rtl="0">
               <a:spcBef>
                 <a:spcPts val="0"/>
               </a:spcBef>
@@ -7254,7 +7452,7 @@
               <a:buNone/>
             </a:pPr>
             <a:r>
-              <a:rPr b="1" lang="en"/>
+              <a:rPr lang="en" b="1"/>
               <a:t>resize()</a:t>
             </a:r>
             <a:endParaRPr b="1"/>
@@ -7278,14 +7476,14 @@
             <a:avLst/>
           </a:prstGeom>
           <a:noFill/>
-          <a:ln cap="flat" cmpd="sng" w="9525">
+          <a:ln w="9525" cap="flat" cmpd="sng">
             <a:solidFill>
               <a:schemeClr val="dk2"/>
             </a:solidFill>
             <a:prstDash val="solid"/>
             <a:round/>
-            <a:headEnd len="med" w="med" type="none"/>
-            <a:tailEnd len="med" w="med" type="none"/>
+            <a:headEnd type="none" w="med" len="med"/>
+            <a:tailEnd type="none" w="med" len="med"/>
           </a:ln>
         </p:spPr>
       </p:cxnSp>
@@ -7304,14 +7502,14 @@
             <a:avLst/>
           </a:prstGeom>
           <a:noFill/>
-          <a:ln cap="flat" cmpd="sng" w="9525">
+          <a:ln w="9525" cap="flat" cmpd="sng">
             <a:solidFill>
               <a:schemeClr val="dk2"/>
             </a:solidFill>
             <a:prstDash val="solid"/>
             <a:round/>
-            <a:headEnd len="med" w="med" type="none"/>
-            <a:tailEnd len="med" w="med" type="none"/>
+            <a:headEnd type="none" w="med" len="med"/>
+            <a:tailEnd type="none" w="med" len="med"/>
           </a:ln>
         </p:spPr>
       </p:cxnSp>
@@ -7332,23 +7530,23 @@
           <a:solidFill>
             <a:schemeClr val="lt2"/>
           </a:solidFill>
-          <a:ln cap="flat" cmpd="sng" w="9525">
+          <a:ln w="9525" cap="flat" cmpd="sng">
             <a:solidFill>
               <a:schemeClr val="dk2"/>
             </a:solidFill>
             <a:prstDash val="solid"/>
             <a:round/>
-            <a:headEnd len="sm" w="sm" type="none"/>
-            <a:tailEnd len="sm" w="sm" type="none"/>
+            <a:headEnd type="none" w="sm" len="sm"/>
+            <a:tailEnd type="none" w="sm" len="sm"/>
           </a:ln>
         </p:spPr>
         <p:txBody>
-          <a:bodyPr anchorCtr="0" anchor="ctr" bIns="91425" lIns="91425" spcFirstLastPara="1" rIns="91425" wrap="square" tIns="91425">
+          <a:bodyPr spcFirstLastPara="1" wrap="square" lIns="91425" tIns="91425" rIns="91425" bIns="91425" anchor="ctr" anchorCtr="0">
             <a:noAutofit/>
           </a:bodyPr>
           <a:lstStyle/>
           <a:p>
-            <a:pPr indent="0" lvl="0" marL="0" rtl="0" algn="ctr">
+            <a:pPr marL="0" lvl="0" indent="0" algn="ctr" rtl="0">
               <a:spcBef>
                 <a:spcPts val="0"/>
               </a:spcBef>
@@ -7358,13 +7556,13 @@
               <a:buNone/>
             </a:pPr>
             <a:r>
-              <a:rPr i="1" lang="en"/>
+              <a:rPr lang="en" i="1"/>
               <a:t>Circle</a:t>
             </a:r>
             <a:endParaRPr i="1"/>
           </a:p>
           <a:p>
-            <a:pPr indent="0" lvl="0" marL="0" rtl="0" algn="ctr">
+            <a:pPr marL="0" lvl="0" indent="0" algn="ctr" rtl="0">
               <a:spcBef>
                 <a:spcPts val="0"/>
               </a:spcBef>
@@ -7373,13 +7571,10 @@
               </a:spcAft>
               <a:buNone/>
             </a:pPr>
-            <a:r>
-              <a:t/>
-            </a:r>
             <a:endParaRPr i="1"/>
           </a:p>
           <a:p>
-            <a:pPr indent="0" lvl="0" marL="0" rtl="0" algn="ctr">
+            <a:pPr marL="0" lvl="0" indent="0" algn="ctr" rtl="0">
               <a:spcBef>
                 <a:spcPts val="0"/>
               </a:spcBef>
@@ -7389,13 +7584,13 @@
               <a:buNone/>
             </a:pPr>
             <a:r>
-              <a:rPr b="1" lang="en"/>
+              <a:rPr lang="en" b="1"/>
               <a:t>draw()</a:t>
             </a:r>
             <a:endParaRPr b="1"/>
           </a:p>
           <a:p>
-            <a:pPr indent="0" lvl="0" marL="0" rtl="0" algn="ctr">
+            <a:pPr marL="0" lvl="0" indent="0" algn="ctr" rtl="0">
               <a:spcBef>
                 <a:spcPts val="0"/>
               </a:spcBef>
@@ -7405,7 +7600,7 @@
               <a:buNone/>
             </a:pPr>
             <a:r>
-              <a:rPr b="1" lang="en"/>
+              <a:rPr lang="en" b="1"/>
               <a:t>resize()</a:t>
             </a:r>
             <a:endParaRPr b="1"/>
@@ -7429,23 +7624,23 @@
           <a:solidFill>
             <a:schemeClr val="lt2"/>
           </a:solidFill>
-          <a:ln cap="flat" cmpd="sng" w="9525">
+          <a:ln w="9525" cap="flat" cmpd="sng">
             <a:solidFill>
               <a:schemeClr val="dk2"/>
             </a:solidFill>
             <a:prstDash val="solid"/>
             <a:round/>
-            <a:headEnd len="sm" w="sm" type="none"/>
-            <a:tailEnd len="sm" w="sm" type="none"/>
+            <a:headEnd type="none" w="sm" len="sm"/>
+            <a:tailEnd type="none" w="sm" len="sm"/>
           </a:ln>
         </p:spPr>
         <p:txBody>
-          <a:bodyPr anchorCtr="0" anchor="ctr" bIns="91425" lIns="91425" spcFirstLastPara="1" rIns="91425" wrap="square" tIns="91425">
+          <a:bodyPr spcFirstLastPara="1" wrap="square" lIns="91425" tIns="91425" rIns="91425" bIns="91425" anchor="ctr" anchorCtr="0">
             <a:noAutofit/>
           </a:bodyPr>
           <a:lstStyle/>
           <a:p>
-            <a:pPr indent="0" lvl="0" marL="0" rtl="0" algn="ctr">
+            <a:pPr marL="0" lvl="0" indent="0" algn="ctr" rtl="0">
               <a:spcBef>
                 <a:spcPts val="0"/>
               </a:spcBef>
@@ -7455,13 +7650,13 @@
               <a:buNone/>
             </a:pPr>
             <a:r>
-              <a:rPr i="1" lang="en"/>
+              <a:rPr lang="en" i="1"/>
               <a:t>Line</a:t>
             </a:r>
             <a:endParaRPr i="1"/>
           </a:p>
           <a:p>
-            <a:pPr indent="0" lvl="0" marL="0" rtl="0" algn="ctr">
+            <a:pPr marL="0" lvl="0" indent="0" algn="ctr" rtl="0">
               <a:spcBef>
                 <a:spcPts val="0"/>
               </a:spcBef>
@@ -7470,13 +7665,10 @@
               </a:spcAft>
               <a:buNone/>
             </a:pPr>
-            <a:r>
-              <a:t/>
-            </a:r>
             <a:endParaRPr i="1"/>
           </a:p>
           <a:p>
-            <a:pPr indent="0" lvl="0" marL="0" rtl="0" algn="ctr">
+            <a:pPr marL="0" lvl="0" indent="0" algn="ctr" rtl="0">
               <a:spcBef>
                 <a:spcPts val="0"/>
               </a:spcBef>
@@ -7486,13 +7678,13 @@
               <a:buNone/>
             </a:pPr>
             <a:r>
-              <a:rPr b="1" lang="en"/>
+              <a:rPr lang="en" b="1"/>
               <a:t>draw()</a:t>
             </a:r>
             <a:endParaRPr b="1"/>
           </a:p>
           <a:p>
-            <a:pPr indent="0" lvl="0" marL="0" rtl="0" algn="ctr">
+            <a:pPr marL="0" lvl="0" indent="0" algn="ctr" rtl="0">
               <a:spcBef>
                 <a:spcPts val="0"/>
               </a:spcBef>
@@ -7502,7 +7694,7 @@
               <a:buNone/>
             </a:pPr>
             <a:r>
-              <a:rPr b="1" lang="en"/>
+              <a:rPr lang="en" b="1"/>
               <a:t>resize()</a:t>
             </a:r>
             <a:endParaRPr b="1"/>
@@ -7526,23 +7718,23 @@
           <a:solidFill>
             <a:schemeClr val="lt2"/>
           </a:solidFill>
-          <a:ln cap="flat" cmpd="sng" w="9525">
+          <a:ln w="9525" cap="flat" cmpd="sng">
             <a:solidFill>
               <a:schemeClr val="dk2"/>
             </a:solidFill>
             <a:prstDash val="solid"/>
             <a:round/>
-            <a:headEnd len="sm" w="sm" type="none"/>
-            <a:tailEnd len="sm" w="sm" type="none"/>
+            <a:headEnd type="none" w="sm" len="sm"/>
+            <a:tailEnd type="none" w="sm" len="sm"/>
           </a:ln>
         </p:spPr>
         <p:txBody>
-          <a:bodyPr anchorCtr="0" anchor="ctr" bIns="91425" lIns="91425" spcFirstLastPara="1" rIns="91425" wrap="square" tIns="91425">
+          <a:bodyPr spcFirstLastPara="1" wrap="square" lIns="91425" tIns="91425" rIns="91425" bIns="91425" anchor="ctr" anchorCtr="0">
             <a:noAutofit/>
           </a:bodyPr>
           <a:lstStyle/>
           <a:p>
-            <a:pPr indent="0" lvl="0" marL="0" rtl="0" algn="ctr">
+            <a:pPr marL="0" lvl="0" indent="0" algn="ctr" rtl="0">
               <a:spcBef>
                 <a:spcPts val="0"/>
               </a:spcBef>
@@ -7552,13 +7744,13 @@
               <a:buNone/>
             </a:pPr>
             <a:r>
-              <a:rPr i="1" lang="en"/>
+              <a:rPr lang="en" i="1"/>
               <a:t>Rectangle</a:t>
             </a:r>
             <a:endParaRPr i="1"/>
           </a:p>
           <a:p>
-            <a:pPr indent="0" lvl="0" marL="0" rtl="0" algn="ctr">
+            <a:pPr marL="0" lvl="0" indent="0" algn="ctr" rtl="0">
               <a:spcBef>
                 <a:spcPts val="0"/>
               </a:spcBef>
@@ -7567,13 +7759,10 @@
               </a:spcAft>
               <a:buNone/>
             </a:pPr>
-            <a:r>
-              <a:t/>
-            </a:r>
             <a:endParaRPr i="1"/>
           </a:p>
           <a:p>
-            <a:pPr indent="0" lvl="0" marL="0" rtl="0" algn="ctr">
+            <a:pPr marL="0" lvl="0" indent="0" algn="ctr" rtl="0">
               <a:spcBef>
                 <a:spcPts val="0"/>
               </a:spcBef>
@@ -7583,13 +7772,13 @@
               <a:buNone/>
             </a:pPr>
             <a:r>
-              <a:rPr b="1" lang="en"/>
+              <a:rPr lang="en" b="1"/>
               <a:t>draw()</a:t>
             </a:r>
             <a:endParaRPr b="1"/>
           </a:p>
           <a:p>
-            <a:pPr indent="0" lvl="0" marL="0" rtl="0" algn="ctr">
+            <a:pPr marL="0" lvl="0" indent="0" algn="ctr" rtl="0">
               <a:spcBef>
                 <a:spcPts val="0"/>
               </a:spcBef>
@@ -7599,7 +7788,7 @@
               <a:buNone/>
             </a:pPr>
             <a:r>
-              <a:rPr b="1" lang="en"/>
+              <a:rPr lang="en" b="1"/>
               <a:t>resize()</a:t>
             </a:r>
             <a:endParaRPr b="1"/>
@@ -7623,23 +7812,23 @@
           <a:solidFill>
             <a:schemeClr val="lt2"/>
           </a:solidFill>
-          <a:ln cap="flat" cmpd="sng" w="9525">
+          <a:ln w="9525" cap="flat" cmpd="sng">
             <a:solidFill>
               <a:schemeClr val="dk2"/>
             </a:solidFill>
             <a:prstDash val="solid"/>
             <a:round/>
-            <a:headEnd len="sm" w="sm" type="none"/>
-            <a:tailEnd len="sm" w="sm" type="none"/>
+            <a:headEnd type="none" w="sm" len="sm"/>
+            <a:tailEnd type="none" w="sm" len="sm"/>
           </a:ln>
         </p:spPr>
         <p:txBody>
-          <a:bodyPr anchorCtr="0" anchor="ctr" bIns="91425" lIns="91425" spcFirstLastPara="1" rIns="91425" wrap="square" tIns="91425">
+          <a:bodyPr spcFirstLastPara="1" wrap="square" lIns="91425" tIns="91425" rIns="91425" bIns="91425" anchor="ctr" anchorCtr="0">
             <a:noAutofit/>
           </a:bodyPr>
           <a:lstStyle/>
           <a:p>
-            <a:pPr indent="0" lvl="0" marL="0" rtl="0" algn="ctr">
+            <a:pPr marL="0" lvl="0" indent="0" algn="ctr" rtl="0">
               <a:spcBef>
                 <a:spcPts val="0"/>
               </a:spcBef>
@@ -7649,13 +7838,13 @@
               <a:buNone/>
             </a:pPr>
             <a:r>
-              <a:rPr i="1" lang="en"/>
+              <a:rPr lang="en" i="1"/>
               <a:t>Square</a:t>
             </a:r>
             <a:endParaRPr i="1"/>
           </a:p>
           <a:p>
-            <a:pPr indent="0" lvl="0" marL="0" rtl="0" algn="ctr">
+            <a:pPr marL="0" lvl="0" indent="0" algn="ctr" rtl="0">
               <a:spcBef>
                 <a:spcPts val="0"/>
               </a:spcBef>
@@ -7664,13 +7853,10 @@
               </a:spcAft>
               <a:buNone/>
             </a:pPr>
-            <a:r>
-              <a:t/>
-            </a:r>
             <a:endParaRPr i="1"/>
           </a:p>
           <a:p>
-            <a:pPr indent="0" lvl="0" marL="0" rtl="0" algn="ctr">
+            <a:pPr marL="0" lvl="0" indent="0" algn="ctr" rtl="0">
               <a:spcBef>
                 <a:spcPts val="0"/>
               </a:spcBef>
@@ -7680,13 +7866,13 @@
               <a:buNone/>
             </a:pPr>
             <a:r>
-              <a:rPr b="1" lang="en"/>
+              <a:rPr lang="en" b="1"/>
               <a:t>draw()</a:t>
             </a:r>
             <a:endParaRPr b="1"/>
           </a:p>
           <a:p>
-            <a:pPr indent="0" lvl="0" marL="0" rtl="0" algn="ctr">
+            <a:pPr marL="0" lvl="0" indent="0" algn="ctr" rtl="0">
               <a:spcBef>
                 <a:spcPts val="0"/>
               </a:spcBef>
@@ -7696,7 +7882,7 @@
               <a:buNone/>
             </a:pPr>
             <a:r>
-              <a:rPr b="1" lang="en"/>
+              <a:rPr lang="en" b="1"/>
               <a:t>resize()</a:t>
             </a:r>
             <a:endParaRPr b="1"/>
@@ -7721,14 +7907,14 @@
             <a:avLst/>
           </a:prstGeom>
           <a:noFill/>
-          <a:ln cap="flat" cmpd="sng" w="9525">
+          <a:ln w="9525" cap="flat" cmpd="sng">
             <a:solidFill>
               <a:schemeClr val="dk2"/>
             </a:solidFill>
             <a:prstDash val="solid"/>
             <a:round/>
-            <a:headEnd len="med" w="med" type="none"/>
-            <a:tailEnd len="med" w="med" type="none"/>
+            <a:headEnd type="none" w="med" len="med"/>
+            <a:tailEnd type="none" w="med" len="med"/>
           </a:ln>
         </p:spPr>
       </p:cxnSp>
@@ -7750,14 +7936,14 @@
             <a:avLst/>
           </a:prstGeom>
           <a:noFill/>
-          <a:ln cap="flat" cmpd="sng" w="9525">
+          <a:ln w="9525" cap="flat" cmpd="sng">
             <a:solidFill>
               <a:schemeClr val="dk2"/>
             </a:solidFill>
             <a:prstDash val="solid"/>
             <a:round/>
-            <a:headEnd len="med" w="med" type="none"/>
-            <a:tailEnd len="med" w="med" type="none"/>
+            <a:headEnd type="none" w="med" len="med"/>
+            <a:tailEnd type="none" w="med" len="med"/>
           </a:ln>
         </p:spPr>
       </p:cxnSp>
@@ -7779,14 +7965,14 @@
             <a:avLst/>
           </a:prstGeom>
           <a:noFill/>
-          <a:ln cap="flat" cmpd="sng" w="9525">
+          <a:ln w="9525" cap="flat" cmpd="sng">
             <a:solidFill>
               <a:schemeClr val="dk2"/>
             </a:solidFill>
             <a:prstDash val="solid"/>
             <a:round/>
-            <a:headEnd len="med" w="med" type="none"/>
-            <a:tailEnd len="med" w="med" type="none"/>
+            <a:headEnd type="none" w="med" len="med"/>
+            <a:tailEnd type="none" w="med" len="med"/>
           </a:ln>
         </p:spPr>
       </p:cxnSp>
@@ -7808,14 +7994,14 @@
             <a:avLst/>
           </a:prstGeom>
           <a:noFill/>
-          <a:ln cap="flat" cmpd="sng" w="9525">
+          <a:ln w="9525" cap="flat" cmpd="sng">
             <a:solidFill>
               <a:schemeClr val="dk2"/>
             </a:solidFill>
             <a:prstDash val="solid"/>
             <a:round/>
-            <a:headEnd len="med" w="med" type="none"/>
-            <a:tailEnd len="med" w="med" type="none"/>
+            <a:headEnd type="none" w="med" len="med"/>
+            <a:tailEnd type="none" w="med" len="med"/>
           </a:ln>
         </p:spPr>
       </p:cxnSp>
@@ -7836,14 +8022,14 @@
             <a:avLst/>
           </a:prstGeom>
           <a:noFill/>
-          <a:ln cap="flat" cmpd="sng" w="9525">
+          <a:ln w="9525" cap="flat" cmpd="sng">
             <a:solidFill>
               <a:schemeClr val="dk2"/>
             </a:solidFill>
             <a:prstDash val="solid"/>
             <a:round/>
-            <a:headEnd len="med" w="med" type="none"/>
-            <a:tailEnd len="med" w="med" type="none"/>
+            <a:headEnd type="none" w="med" len="med"/>
+            <a:tailEnd type="none" w="med" len="med"/>
           </a:ln>
         </p:spPr>
       </p:cxnSp>
@@ -7863,18 +8049,18 @@
           </a:xfrm>
           <a:prstGeom prst="bentConnector3">
             <a:avLst>
-              <a:gd fmla="val 49988" name="adj1"/>
+              <a:gd name="adj1" fmla="val 49988"/>
             </a:avLst>
           </a:prstGeom>
           <a:noFill/>
-          <a:ln cap="flat" cmpd="sng" w="9525">
+          <a:ln w="9525" cap="flat" cmpd="sng">
             <a:solidFill>
               <a:schemeClr val="dk2"/>
             </a:solidFill>
             <a:prstDash val="solid"/>
             <a:round/>
-            <a:headEnd len="med" w="med" type="none"/>
-            <a:tailEnd len="med" w="med" type="stealth"/>
+            <a:headEnd type="none" w="med" len="med"/>
+            <a:tailEnd type="stealth" w="med" len="med"/>
           </a:ln>
         </p:spPr>
       </p:cxnSp>
@@ -7888,24 +8074,24 @@
           <p:nvPr/>
         </p:nvCxnSpPr>
         <p:spPr>
-          <a:xfrm flipH="1" rot="5400000">
+          <a:xfrm rot="5400000" flipH="1">
             <a:off x="4548100" y="1219750"/>
             <a:ext cx="511800" cy="1743000"/>
           </a:xfrm>
           <a:prstGeom prst="bentConnector3">
             <a:avLst>
-              <a:gd fmla="val 49988" name="adj1"/>
+              <a:gd name="adj1" fmla="val 49988"/>
             </a:avLst>
           </a:prstGeom>
           <a:noFill/>
-          <a:ln cap="flat" cmpd="sng" w="9525">
+          <a:ln w="9525" cap="flat" cmpd="sng">
             <a:solidFill>
               <a:schemeClr val="dk2"/>
             </a:solidFill>
             <a:prstDash val="solid"/>
             <a:round/>
-            <a:headEnd len="med" w="med" type="none"/>
-            <a:tailEnd len="med" w="med" type="stealth"/>
+            <a:headEnd type="none" w="med" len="med"/>
+            <a:tailEnd type="stealth" w="med" len="med"/>
           </a:ln>
         </p:spPr>
       </p:cxnSp>
@@ -7926,14 +8112,14 @@
             <a:avLst/>
           </a:prstGeom>
           <a:noFill/>
-          <a:ln cap="flat" cmpd="sng" w="9525">
+          <a:ln w="9525" cap="flat" cmpd="sng">
             <a:solidFill>
               <a:schemeClr val="dk2"/>
             </a:solidFill>
             <a:prstDash val="solid"/>
             <a:round/>
-            <a:headEnd len="med" w="med" type="none"/>
-            <a:tailEnd len="med" w="med" type="none"/>
+            <a:headEnd type="none" w="med" len="med"/>
+            <a:tailEnd type="none" w="med" len="med"/>
           </a:ln>
         </p:spPr>
       </p:cxnSp>
@@ -7955,14 +8141,14 @@
             <a:avLst/>
           </a:prstGeom>
           <a:noFill/>
-          <a:ln cap="flat" cmpd="sng" w="9525">
+          <a:ln w="9525" cap="flat" cmpd="sng">
             <a:solidFill>
               <a:schemeClr val="dk2"/>
             </a:solidFill>
             <a:prstDash val="solid"/>
             <a:round/>
-            <a:headEnd len="med" w="med" type="none"/>
-            <a:tailEnd len="med" w="med" type="stealth"/>
+            <a:headEnd type="none" w="med" len="med"/>
+            <a:tailEnd type="stealth" w="med" len="med"/>
           </a:ln>
         </p:spPr>
       </p:cxnSp>
@@ -8014,12 +8200,12 @@
           </a:ln>
         </p:spPr>
         <p:txBody>
-          <a:bodyPr anchorCtr="0" anchor="t" bIns="91425" lIns="91425" spcFirstLastPara="1" rIns="91425" wrap="square" tIns="91425">
+          <a:bodyPr spcFirstLastPara="1" wrap="square" lIns="91425" tIns="91425" rIns="91425" bIns="91425" anchor="t" anchorCtr="0">
             <a:noAutofit/>
           </a:bodyPr>
           <a:lstStyle/>
           <a:p>
-            <a:pPr indent="0" lvl="0" marL="0" rtl="0" algn="ctr">
+            <a:pPr marL="0" lvl="0" indent="0" algn="ctr" rtl="0">
               <a:spcBef>
                 <a:spcPts val="0"/>
               </a:spcBef>
@@ -8029,7 +8215,7 @@
               <a:buNone/>
             </a:pPr>
             <a:r>
-              <a:rPr b="1" lang="en">
+              <a:rPr lang="en" b="1">
                 <a:solidFill>
                   <a:srgbClr val="9900FF"/>
                 </a:solidFill>
@@ -8072,12 +8258,12 @@
           </a:ln>
         </p:spPr>
         <p:txBody>
-          <a:bodyPr anchorCtr="0" anchor="t" bIns="91425" lIns="91425" spcFirstLastPara="1" rIns="91425" wrap="square" tIns="91425">
+          <a:bodyPr spcFirstLastPara="1" wrap="square" lIns="91425" tIns="91425" rIns="91425" bIns="91425" anchor="t" anchorCtr="0">
             <a:noAutofit/>
           </a:bodyPr>
           <a:lstStyle/>
           <a:p>
-            <a:pPr indent="0" lvl="0" marL="0" rtl="0" algn="l">
+            <a:pPr marL="0" lvl="0" indent="0" algn="l" rtl="0">
               <a:spcBef>
                 <a:spcPts val="0"/>
               </a:spcBef>
@@ -8087,7 +8273,7 @@
               <a:buNone/>
             </a:pPr>
             <a:r>
-              <a:rPr b="1" lang="en">
+              <a:rPr lang="en" b="1">
                 <a:solidFill>
                   <a:srgbClr val="9900FF"/>
                 </a:solidFill>
@@ -8122,12 +8308,12 @@
           </a:ln>
         </p:spPr>
         <p:txBody>
-          <a:bodyPr anchorCtr="0" anchor="t" bIns="91425" lIns="91425" spcFirstLastPara="1" rIns="91425" wrap="square" tIns="91425">
+          <a:bodyPr spcFirstLastPara="1" wrap="square" lIns="91425" tIns="91425" rIns="91425" bIns="91425" anchor="t" anchorCtr="0">
             <a:noAutofit/>
           </a:bodyPr>
           <a:lstStyle/>
           <a:p>
-            <a:pPr indent="0" lvl="0" marL="0" rtl="0" algn="l">
+            <a:pPr marL="0" lvl="0" indent="0" algn="l" rtl="0">
               <a:spcBef>
                 <a:spcPts val="0"/>
               </a:spcBef>
@@ -8137,7 +8323,7 @@
               <a:buNone/>
             </a:pPr>
             <a:r>
-              <a:rPr b="1" lang="en">
+              <a:rPr lang="en" b="1">
                 <a:solidFill>
                   <a:srgbClr val="9900FF"/>
                 </a:solidFill>
@@ -8170,14 +8356,14 @@
             <a:avLst/>
           </a:prstGeom>
           <a:noFill/>
-          <a:ln cap="flat" cmpd="sng" w="9525">
+          <a:ln w="9525" cap="flat" cmpd="sng">
             <a:solidFill>
               <a:schemeClr val="dk2"/>
             </a:solidFill>
             <a:prstDash val="solid"/>
             <a:round/>
-            <a:headEnd len="med" w="med" type="none"/>
-            <a:tailEnd len="med" w="med" type="stealth"/>
+            <a:headEnd type="none" w="med" len="med"/>
+            <a:tailEnd type="stealth" w="med" len="med"/>
           </a:ln>
         </p:spPr>
       </p:cxnSp>
@@ -8190,11 +8376,11 @@
 </file>
 
 <file path=ppt/slides/slide11.xml><?xml version="1.0" encoding="utf-8"?>
-<p:sld xmlns:a="http://schemas.openxmlformats.org/drawingml/2006/main" xmlns:r="http://schemas.openxmlformats.org/officeDocument/2006/relationships" xmlns:mc="http://schemas.openxmlformats.org/markup-compatibility/2006" xmlns:mv="urn:schemas-microsoft-com:mac:vml" xmlns:p="http://schemas.openxmlformats.org/presentationml/2006/main" xmlns:c="http://schemas.openxmlformats.org/drawingml/2006/chart" xmlns:dgm="http://schemas.openxmlformats.org/drawingml/2006/diagram" xmlns:o="urn:schemas-microsoft-com:office:office" xmlns:v="urn:schemas-microsoft-com:vml" xmlns:pvml="urn:schemas-microsoft-com:office:powerpoint" xmlns:com="http://schemas.openxmlformats.org/drawingml/2006/compatibility" xmlns:p14="http://schemas.microsoft.com/office/powerpoint/2010/main" xmlns:p15="http://schemas.microsoft.com/office/powerpoint/2012/main" xmlns:ahyp="http://schemas.microsoft.com/office/drawing/2018/hyperlinkcolor">
+<p:sld xmlns:a="http://schemas.openxmlformats.org/drawingml/2006/main" xmlns:r="http://schemas.openxmlformats.org/officeDocument/2006/relationships" xmlns:p="http://schemas.openxmlformats.org/presentationml/2006/main">
   <p:cSld>
     <p:spTree>
       <p:nvGrpSpPr>
-        <p:cNvPr id="167" name="Shape 167"/>
+        <p:cNvPr id="1" name="Shape 167"/>
         <p:cNvGrpSpPr/>
         <p:nvPr/>
       </p:nvGrpSpPr>
@@ -8209,7 +8395,9 @@
       <p:sp>
         <p:nvSpPr>
           <p:cNvPr id="168" name="Google Shape;168;p23"/>
-          <p:cNvSpPr txBox="1"/>
+          <p:cNvSpPr txBox="1">
+            <a:spLocks noGrp="1"/>
+          </p:cNvSpPr>
           <p:nvPr>
             <p:ph type="title"/>
           </p:nvPr>
@@ -8224,12 +8412,12 @@
           </a:prstGeom>
         </p:spPr>
         <p:txBody>
-          <a:bodyPr anchorCtr="0" anchor="t" bIns="91425" lIns="91425" spcFirstLastPara="1" rIns="91425" wrap="square" tIns="91425">
+          <a:bodyPr spcFirstLastPara="1" wrap="square" lIns="91425" tIns="91425" rIns="91425" bIns="91425" anchor="t" anchorCtr="0">
             <a:noAutofit/>
           </a:bodyPr>
           <a:lstStyle/>
           <a:p>
-            <a:pPr indent="0" lvl="0" marL="0" rtl="0" algn="l">
+            <a:pPr marL="0" lvl="0" indent="0" algn="l" rtl="0">
               <a:spcBef>
                 <a:spcPts val="0"/>
               </a:spcBef>
@@ -8239,7 +8427,7 @@
               <a:buNone/>
             </a:pPr>
             <a:r>
-              <a:rPr b="1" lang="en">
+              <a:rPr lang="en" b="1">
                 <a:solidFill>
                   <a:srgbClr val="0000FF"/>
                 </a:solidFill>
@@ -8257,9 +8445,11 @@
       <p:sp>
         <p:nvSpPr>
           <p:cNvPr id="169" name="Google Shape;169;p23"/>
-          <p:cNvSpPr txBox="1"/>
+          <p:cNvSpPr txBox="1">
+            <a:spLocks noGrp="1"/>
+          </p:cNvSpPr>
           <p:nvPr>
-            <p:ph idx="1" type="body"/>
+            <p:ph type="body" idx="1"/>
           </p:nvPr>
         </p:nvSpPr>
         <p:spPr>
@@ -8272,12 +8462,12 @@
           </a:prstGeom>
         </p:spPr>
         <p:txBody>
-          <a:bodyPr anchorCtr="0" anchor="t" bIns="91425" lIns="91425" spcFirstLastPara="1" rIns="91425" wrap="square" tIns="91425">
+          <a:bodyPr spcFirstLastPara="1" wrap="square" lIns="91425" tIns="91425" rIns="91425" bIns="91425" anchor="t" anchorCtr="0">
             <a:noAutofit/>
           </a:bodyPr>
           <a:lstStyle/>
           <a:p>
-            <a:pPr indent="-361950" lvl="0" marL="457200" rtl="0" algn="l">
+            <a:pPr marL="457200" lvl="0" indent="-361950" algn="l" rtl="0">
               <a:spcBef>
                 <a:spcPts val="0"/>
               </a:spcBef>
@@ -8288,13 +8478,13 @@
               <a:buChar char="●"/>
             </a:pPr>
             <a:r>
-              <a:rPr lang="en" sz="2100"/>
+              <a:rPr lang="en" sz="2100" dirty="0"/>
               <a:t>Interface must be declared with the keyword interface</a:t>
             </a:r>
-            <a:endParaRPr sz="2100"/>
-          </a:p>
-          <a:p>
-            <a:pPr indent="-361950" lvl="0" marL="457200" rtl="0" algn="l">
+            <a:endParaRPr sz="2100" dirty="0"/>
+          </a:p>
+          <a:p>
+            <a:pPr marL="457200" lvl="0" indent="-361950" algn="l" rtl="0">
               <a:spcBef>
                 <a:spcPts val="0"/>
               </a:spcBef>
@@ -8305,21 +8495,13 @@
               <a:buChar char="●"/>
             </a:pPr>
             <a:r>
-              <a:rPr lang="en" sz="2100"/>
-              <a:t>All interface methods are implicitly public and </a:t>
-            </a:r>
-            <a:r>
-              <a:rPr lang="en" sz="2100"/>
-              <a:t>abstract</a:t>
-            </a:r>
-            <a:r>
-              <a:rPr lang="en" sz="2100"/>
-              <a:t>.  In other words, you do not need to actually type the public or abstract modifiers in the method declaration, but method is still always public and abstract.</a:t>
-            </a:r>
-            <a:endParaRPr sz="2100"/>
-          </a:p>
-          <a:p>
-            <a:pPr indent="-361950" lvl="0" marL="457200" rtl="0" algn="l">
+              <a:rPr lang="en" sz="2100" dirty="0"/>
+              <a:t>All interface methods are implicitly public and abstract.  In other words, you do not need to actually type the public or abstract modifiers in the method declaration, but method is still always public and abstract.</a:t>
+            </a:r>
+            <a:endParaRPr sz="2100" dirty="0"/>
+          </a:p>
+          <a:p>
+            <a:pPr marL="457200" lvl="0" indent="-361950" algn="l" rtl="0">
               <a:spcBef>
                 <a:spcPts val="0"/>
               </a:spcBef>
@@ -8330,37 +8512,17 @@
               <a:buChar char="●"/>
             </a:pPr>
             <a:r>
-              <a:rPr lang="en" sz="2100"/>
-              <a:t>All </a:t>
-            </a:r>
-            <a:r>
-              <a:rPr lang="en" sz="2100"/>
-              <a:t>variables</a:t>
-            </a:r>
-            <a:r>
-              <a:rPr lang="en" sz="2100"/>
-              <a:t> define in an interface is public static and final. In other words, interface can declare only </a:t>
-            </a:r>
-            <a:r>
-              <a:rPr lang="en" sz="2100"/>
-              <a:t>contracts</a:t>
-            </a:r>
-            <a:r>
-              <a:rPr lang="en" sz="2100"/>
-              <a:t> , no instance </a:t>
-            </a:r>
-            <a:r>
-              <a:rPr lang="en" sz="2100"/>
-              <a:t>variables</a:t>
-            </a:r>
-            <a:r>
-              <a:rPr lang="en" sz="2100"/>
-              <a:t>.</a:t>
-            </a:r>
-            <a:endParaRPr sz="2100"/>
-          </a:p>
-          <a:p>
-            <a:pPr indent="-361950" lvl="0" marL="457200" rtl="0" algn="l">
+              <a:rPr lang="en" sz="2100" b="1" dirty="0"/>
+              <a:t>All variables define in an interface is public static and final</a:t>
+            </a:r>
+            <a:r>
+              <a:rPr lang="en" sz="2100" dirty="0"/>
+              <a:t>. In other words, interface can declare only contracts , no instance variables.</a:t>
+            </a:r>
+            <a:endParaRPr sz="2100" dirty="0"/>
+          </a:p>
+          <a:p>
+            <a:pPr marL="457200" lvl="0" indent="-361950" algn="l" rtl="0">
               <a:spcBef>
                 <a:spcPts val="0"/>
               </a:spcBef>
@@ -8371,13 +8533,13 @@
               <a:buChar char="●"/>
             </a:pPr>
             <a:r>
-              <a:rPr lang="en" sz="2100"/>
+              <a:rPr lang="en" sz="2100" dirty="0"/>
               <a:t>Interface methods must not be static.</a:t>
             </a:r>
-            <a:endParaRPr sz="2100"/>
-          </a:p>
-          <a:p>
-            <a:pPr indent="0" lvl="0" marL="0" rtl="0" algn="l">
+            <a:endParaRPr sz="2100" dirty="0"/>
+          </a:p>
+          <a:p>
+            <a:pPr marL="0" lvl="0" indent="0" algn="l" rtl="0">
               <a:spcBef>
                 <a:spcPts val="1600"/>
               </a:spcBef>
@@ -8386,10 +8548,7 @@
               </a:spcAft>
               <a:buNone/>
             </a:pPr>
-            <a:r>
-              <a:t/>
-            </a:r>
-            <a:endParaRPr/>
+            <a:endParaRPr dirty="0"/>
           </a:p>
         </p:txBody>
       </p:sp>
@@ -8430,11 +8589,11 @@
 </file>
 
 <file path=ppt/slides/slide12.xml><?xml version="1.0" encoding="utf-8"?>
-<p:sld xmlns:a="http://schemas.openxmlformats.org/drawingml/2006/main" xmlns:r="http://schemas.openxmlformats.org/officeDocument/2006/relationships" xmlns:mc="http://schemas.openxmlformats.org/markup-compatibility/2006" xmlns:mv="urn:schemas-microsoft-com:mac:vml" xmlns:p="http://schemas.openxmlformats.org/presentationml/2006/main" xmlns:c="http://schemas.openxmlformats.org/drawingml/2006/chart" xmlns:dgm="http://schemas.openxmlformats.org/drawingml/2006/diagram" xmlns:o="urn:schemas-microsoft-com:office:office" xmlns:v="urn:schemas-microsoft-com:vml" xmlns:pvml="urn:schemas-microsoft-com:office:powerpoint" xmlns:com="http://schemas.openxmlformats.org/drawingml/2006/compatibility" xmlns:p14="http://schemas.microsoft.com/office/powerpoint/2010/main" xmlns:p15="http://schemas.microsoft.com/office/powerpoint/2012/main" xmlns:ahyp="http://schemas.microsoft.com/office/drawing/2018/hyperlinkcolor">
+<p:sld xmlns:a="http://schemas.openxmlformats.org/drawingml/2006/main" xmlns:r="http://schemas.openxmlformats.org/officeDocument/2006/relationships" xmlns:p="http://schemas.openxmlformats.org/presentationml/2006/main">
   <p:cSld>
     <p:spTree>
       <p:nvGrpSpPr>
-        <p:cNvPr id="174" name="Shape 174"/>
+        <p:cNvPr id="1" name="Shape 174"/>
         <p:cNvGrpSpPr/>
         <p:nvPr/>
       </p:nvGrpSpPr>
@@ -8449,7 +8608,9 @@
       <p:sp>
         <p:nvSpPr>
           <p:cNvPr id="175" name="Google Shape;175;p24"/>
-          <p:cNvSpPr txBox="1"/>
+          <p:cNvSpPr txBox="1">
+            <a:spLocks noGrp="1"/>
+          </p:cNvSpPr>
           <p:nvPr>
             <p:ph type="title"/>
           </p:nvPr>
@@ -8464,12 +8625,12 @@
           </a:prstGeom>
         </p:spPr>
         <p:txBody>
-          <a:bodyPr anchorCtr="0" anchor="t" bIns="91425" lIns="91425" spcFirstLastPara="1" rIns="91425" wrap="square" tIns="91425">
+          <a:bodyPr spcFirstLastPara="1" wrap="square" lIns="91425" tIns="91425" rIns="91425" bIns="91425" anchor="t" anchorCtr="0">
             <a:noAutofit/>
           </a:bodyPr>
           <a:lstStyle/>
           <a:p>
-            <a:pPr indent="0" lvl="0" marL="0" rtl="0" algn="l">
+            <a:pPr marL="0" lvl="0" indent="0" algn="l" rtl="0">
               <a:spcBef>
                 <a:spcPts val="0"/>
               </a:spcBef>
@@ -8484,7 +8645,7 @@
               <a:buNone/>
             </a:pPr>
             <a:r>
-              <a:rPr b="1" lang="en">
+              <a:rPr lang="en" b="1">
                 <a:solidFill>
                   <a:srgbClr val="0000FF"/>
                 </a:solidFill>
@@ -8498,9 +8659,11 @@
       <p:sp>
         <p:nvSpPr>
           <p:cNvPr id="176" name="Google Shape;176;p24"/>
-          <p:cNvSpPr txBox="1"/>
+          <p:cNvSpPr txBox="1">
+            <a:spLocks noGrp="1"/>
+          </p:cNvSpPr>
           <p:nvPr>
-            <p:ph idx="1" type="body"/>
+            <p:ph type="body" idx="1"/>
           </p:nvPr>
         </p:nvSpPr>
         <p:spPr>
@@ -8513,12 +8676,12 @@
           </a:prstGeom>
         </p:spPr>
         <p:txBody>
-          <a:bodyPr anchorCtr="0" anchor="t" bIns="91425" lIns="91425" spcFirstLastPara="1" rIns="91425" wrap="square" tIns="91425">
+          <a:bodyPr spcFirstLastPara="1" wrap="square" lIns="91425" tIns="91425" rIns="91425" bIns="91425" anchor="t" anchorCtr="0">
             <a:noAutofit/>
           </a:bodyPr>
           <a:lstStyle/>
           <a:p>
-            <a:pPr indent="-374650" lvl="0" marL="457200" rtl="0" algn="l">
+            <a:pPr marL="457200" lvl="0" indent="-374650" algn="l" rtl="0">
               <a:spcBef>
                 <a:spcPts val="0"/>
               </a:spcBef>
@@ -8529,21 +8692,13 @@
               <a:buChar char="●"/>
             </a:pPr>
             <a:r>
-              <a:rPr lang="en" sz="2300"/>
-              <a:t>Because interface methods are </a:t>
-            </a:r>
-            <a:r>
-              <a:rPr lang="en" sz="2300"/>
-              <a:t>abstract</a:t>
-            </a:r>
-            <a:r>
-              <a:rPr lang="en" sz="2300"/>
-              <a:t> they cannot be marked final.</a:t>
-            </a:r>
-            <a:endParaRPr sz="2300"/>
-          </a:p>
-          <a:p>
-            <a:pPr indent="-374650" lvl="0" marL="457200" rtl="0" algn="l">
+              <a:rPr lang="en" sz="2300" dirty="0"/>
+              <a:t>Because interface methods are abstract they cannot be marked final.</a:t>
+            </a:r>
+            <a:endParaRPr sz="2300" dirty="0"/>
+          </a:p>
+          <a:p>
+            <a:pPr marL="457200" lvl="0" indent="-374650" algn="l" rtl="0">
               <a:spcBef>
                 <a:spcPts val="0"/>
               </a:spcBef>
@@ -8554,13 +8709,13 @@
               <a:buChar char="●"/>
             </a:pPr>
             <a:r>
-              <a:rPr lang="en" sz="2300"/>
+              <a:rPr lang="en" sz="2300" dirty="0"/>
               <a:t>An interface can extend one or more other interface</a:t>
             </a:r>
-            <a:endParaRPr sz="2300"/>
-          </a:p>
-          <a:p>
-            <a:pPr indent="-374650" lvl="0" marL="457200" rtl="0" algn="l">
+            <a:endParaRPr sz="2300" dirty="0"/>
+          </a:p>
+          <a:p>
+            <a:pPr marL="457200" lvl="0" indent="-374650" algn="l" rtl="0">
               <a:spcBef>
                 <a:spcPts val="0"/>
               </a:spcBef>
@@ -8571,13 +8726,13 @@
               <a:buChar char="●"/>
             </a:pPr>
             <a:r>
-              <a:rPr lang="en" sz="2300"/>
+              <a:rPr lang="en" sz="2300" dirty="0"/>
               <a:t>An interface cannot implement another interface or class</a:t>
             </a:r>
-            <a:endParaRPr sz="2300"/>
-          </a:p>
-          <a:p>
-            <a:pPr indent="-374650" lvl="0" marL="457200" rtl="0" algn="l">
+            <a:endParaRPr sz="2300" dirty="0"/>
+          </a:p>
+          <a:p>
+            <a:pPr marL="457200" lvl="0" indent="-374650" algn="l" rtl="0">
               <a:spcBef>
                 <a:spcPts val="0"/>
               </a:spcBef>
@@ -8588,10 +8743,10 @@
               <a:buChar char="●"/>
             </a:pPr>
             <a:r>
-              <a:rPr lang="en" sz="2300"/>
+              <a:rPr lang="en" sz="2300" dirty="0"/>
               <a:t>Interface type can be used polymorphically.</a:t>
             </a:r>
-            <a:endParaRPr sz="2300"/>
+            <a:endParaRPr sz="2300" dirty="0"/>
           </a:p>
         </p:txBody>
       </p:sp>
@@ -8632,11 +8787,11 @@
 </file>
 
 <file path=ppt/slides/slide13.xml><?xml version="1.0" encoding="utf-8"?>
-<p:sld xmlns:a="http://schemas.openxmlformats.org/drawingml/2006/main" xmlns:r="http://schemas.openxmlformats.org/officeDocument/2006/relationships" xmlns:mc="http://schemas.openxmlformats.org/markup-compatibility/2006" xmlns:mv="urn:schemas-microsoft-com:mac:vml" xmlns:p="http://schemas.openxmlformats.org/presentationml/2006/main" xmlns:c="http://schemas.openxmlformats.org/drawingml/2006/chart" xmlns:dgm="http://schemas.openxmlformats.org/drawingml/2006/diagram" xmlns:o="urn:schemas-microsoft-com:office:office" xmlns:v="urn:schemas-microsoft-com:vml" xmlns:pvml="urn:schemas-microsoft-com:office:powerpoint" xmlns:com="http://schemas.openxmlformats.org/drawingml/2006/compatibility" xmlns:p14="http://schemas.microsoft.com/office/powerpoint/2010/main" xmlns:p15="http://schemas.microsoft.com/office/powerpoint/2012/main" xmlns:ahyp="http://schemas.microsoft.com/office/drawing/2018/hyperlinkcolor">
+<p:sld xmlns:a="http://schemas.openxmlformats.org/drawingml/2006/main" xmlns:r="http://schemas.openxmlformats.org/officeDocument/2006/relationships" xmlns:p="http://schemas.openxmlformats.org/presentationml/2006/main">
   <p:cSld>
     <p:spTree>
       <p:nvGrpSpPr>
-        <p:cNvPr id="181" name="Shape 181"/>
+        <p:cNvPr id="1" name="Shape 181"/>
         <p:cNvGrpSpPr/>
         <p:nvPr/>
       </p:nvGrpSpPr>
@@ -8651,7 +8806,9 @@
       <p:sp>
         <p:nvSpPr>
           <p:cNvPr id="182" name="Google Shape;182;p25"/>
-          <p:cNvSpPr txBox="1"/>
+          <p:cNvSpPr txBox="1">
+            <a:spLocks noGrp="1"/>
+          </p:cNvSpPr>
           <p:nvPr>
             <p:ph type="title"/>
           </p:nvPr>
@@ -8666,12 +8823,12 @@
           </a:prstGeom>
         </p:spPr>
         <p:txBody>
-          <a:bodyPr anchorCtr="0" anchor="t" bIns="91425" lIns="91425" spcFirstLastPara="1" rIns="91425" wrap="square" tIns="91425">
+          <a:bodyPr spcFirstLastPara="1" wrap="square" lIns="91425" tIns="91425" rIns="91425" bIns="91425" anchor="t" anchorCtr="0">
             <a:noAutofit/>
           </a:bodyPr>
           <a:lstStyle/>
           <a:p>
-            <a:pPr indent="0" lvl="0" marL="0" rtl="0" algn="l">
+            <a:pPr marL="0" lvl="0" indent="0" algn="l" rtl="0">
               <a:spcBef>
                 <a:spcPts val="0"/>
               </a:spcBef>
@@ -8681,7 +8838,7 @@
               <a:buNone/>
             </a:pPr>
             <a:r>
-              <a:rPr b="1" lang="en">
+              <a:rPr lang="en" b="1">
                 <a:solidFill>
                   <a:srgbClr val="0000FF"/>
                 </a:solidFill>
@@ -8761,11 +8918,11 @@
 </file>
 
 <file path=ppt/slides/slide14.xml><?xml version="1.0" encoding="utf-8"?>
-<p:sld xmlns:a="http://schemas.openxmlformats.org/drawingml/2006/main" xmlns:r="http://schemas.openxmlformats.org/officeDocument/2006/relationships" xmlns:mc="http://schemas.openxmlformats.org/markup-compatibility/2006" xmlns:mv="urn:schemas-microsoft-com:mac:vml" xmlns:p="http://schemas.openxmlformats.org/presentationml/2006/main" xmlns:c="http://schemas.openxmlformats.org/drawingml/2006/chart" xmlns:dgm="http://schemas.openxmlformats.org/drawingml/2006/diagram" xmlns:o="urn:schemas-microsoft-com:office:office" xmlns:v="urn:schemas-microsoft-com:vml" xmlns:pvml="urn:schemas-microsoft-com:office:powerpoint" xmlns:com="http://schemas.openxmlformats.org/drawingml/2006/compatibility" xmlns:p14="http://schemas.microsoft.com/office/powerpoint/2010/main" xmlns:p15="http://schemas.microsoft.com/office/powerpoint/2012/main" xmlns:ahyp="http://schemas.microsoft.com/office/drawing/2018/hyperlinkcolor">
+<p:sld xmlns:a="http://schemas.openxmlformats.org/drawingml/2006/main" xmlns:r="http://schemas.openxmlformats.org/officeDocument/2006/relationships" xmlns:p="http://schemas.openxmlformats.org/presentationml/2006/main">
   <p:cSld>
     <p:spTree>
       <p:nvGrpSpPr>
-        <p:cNvPr id="188" name="Shape 188"/>
+        <p:cNvPr id="1" name="Shape 188"/>
         <p:cNvGrpSpPr/>
         <p:nvPr/>
       </p:nvGrpSpPr>
@@ -8780,7 +8937,9 @@
       <p:sp>
         <p:nvSpPr>
           <p:cNvPr id="189" name="Google Shape;189;p26"/>
-          <p:cNvSpPr txBox="1"/>
+          <p:cNvSpPr txBox="1">
+            <a:spLocks noGrp="1"/>
+          </p:cNvSpPr>
           <p:nvPr>
             <p:ph type="title"/>
           </p:nvPr>
@@ -8795,12 +8954,12 @@
           </a:prstGeom>
         </p:spPr>
         <p:txBody>
-          <a:bodyPr anchorCtr="0" anchor="t" bIns="91425" lIns="91425" spcFirstLastPara="1" rIns="91425" wrap="square" tIns="91425">
+          <a:bodyPr spcFirstLastPara="1" wrap="square" lIns="91425" tIns="91425" rIns="91425" bIns="91425" anchor="t" anchorCtr="0">
             <a:noAutofit/>
           </a:bodyPr>
           <a:lstStyle/>
           <a:p>
-            <a:pPr indent="0" lvl="0" marL="0" rtl="0" algn="l">
+            <a:pPr marL="0" lvl="0" indent="0" algn="l" rtl="0">
               <a:spcBef>
                 <a:spcPts val="0"/>
               </a:spcBef>
@@ -8810,7 +8969,7 @@
               <a:buNone/>
             </a:pPr>
             <a:r>
-              <a:rPr b="1" lang="en">
+              <a:rPr lang="en" b="1">
                 <a:solidFill>
                   <a:srgbClr val="0000FF"/>
                 </a:solidFill>
@@ -8890,11 +9049,11 @@
 </file>
 
 <file path=ppt/slides/slide15.xml><?xml version="1.0" encoding="utf-8"?>
-<p:sld xmlns:a="http://schemas.openxmlformats.org/drawingml/2006/main" xmlns:r="http://schemas.openxmlformats.org/officeDocument/2006/relationships" xmlns:mc="http://schemas.openxmlformats.org/markup-compatibility/2006" xmlns:mv="urn:schemas-microsoft-com:mac:vml" xmlns:p="http://schemas.openxmlformats.org/presentationml/2006/main" xmlns:c="http://schemas.openxmlformats.org/drawingml/2006/chart" xmlns:dgm="http://schemas.openxmlformats.org/drawingml/2006/diagram" xmlns:o="urn:schemas-microsoft-com:office:office" xmlns:v="urn:schemas-microsoft-com:vml" xmlns:pvml="urn:schemas-microsoft-com:office:powerpoint" xmlns:com="http://schemas.openxmlformats.org/drawingml/2006/compatibility" xmlns:p14="http://schemas.microsoft.com/office/powerpoint/2010/main" xmlns:p15="http://schemas.microsoft.com/office/powerpoint/2012/main" xmlns:ahyp="http://schemas.microsoft.com/office/drawing/2018/hyperlinkcolor">
+<p:sld xmlns:a="http://schemas.openxmlformats.org/drawingml/2006/main" xmlns:r="http://schemas.openxmlformats.org/officeDocument/2006/relationships" xmlns:p="http://schemas.openxmlformats.org/presentationml/2006/main">
   <p:cSld>
     <p:spTree>
       <p:nvGrpSpPr>
-        <p:cNvPr id="195" name="Shape 195"/>
+        <p:cNvPr id="1" name="Shape 195"/>
         <p:cNvGrpSpPr/>
         <p:nvPr/>
       </p:nvGrpSpPr>
@@ -8909,7 +9068,9 @@
       <p:sp>
         <p:nvSpPr>
           <p:cNvPr id="196" name="Google Shape;196;p27"/>
-          <p:cNvSpPr txBox="1"/>
+          <p:cNvSpPr txBox="1">
+            <a:spLocks noGrp="1"/>
+          </p:cNvSpPr>
           <p:nvPr>
             <p:ph type="title"/>
           </p:nvPr>
@@ -8924,12 +9085,12 @@
           </a:prstGeom>
         </p:spPr>
         <p:txBody>
-          <a:bodyPr anchorCtr="0" anchor="t" bIns="91425" lIns="91425" spcFirstLastPara="1" rIns="91425" wrap="square" tIns="91425">
+          <a:bodyPr spcFirstLastPara="1" wrap="square" lIns="91425" tIns="91425" rIns="91425" bIns="91425" anchor="t" anchorCtr="0">
             <a:noAutofit/>
           </a:bodyPr>
           <a:lstStyle/>
           <a:p>
-            <a:pPr indent="0" lvl="0" marL="0" rtl="0" algn="l">
+            <a:pPr marL="0" lvl="0" indent="0" algn="l" rtl="0">
               <a:spcBef>
                 <a:spcPts val="0"/>
               </a:spcBef>
@@ -8939,7 +9100,7 @@
               <a:buNone/>
             </a:pPr>
             <a:r>
-              <a:rPr b="1" lang="en">
+              <a:rPr lang="en" b="1">
                 <a:solidFill>
                   <a:srgbClr val="0000FF"/>
                 </a:solidFill>
@@ -8974,12 +9135,12 @@
           </a:ln>
         </p:spPr>
         <p:txBody>
-          <a:bodyPr anchorCtr="0" anchor="t" bIns="91425" lIns="91425" spcFirstLastPara="1" rIns="91425" wrap="square" tIns="91425">
+          <a:bodyPr spcFirstLastPara="1" wrap="square" lIns="91425" tIns="91425" rIns="91425" bIns="91425" anchor="t" anchorCtr="0">
             <a:noAutofit/>
           </a:bodyPr>
           <a:lstStyle/>
           <a:p>
-            <a:pPr indent="0" lvl="0" marL="0" rtl="0" algn="l">
+            <a:pPr marL="0" lvl="0" indent="0" algn="l" rtl="0">
               <a:spcBef>
                 <a:spcPts val="0"/>
               </a:spcBef>
@@ -9061,11 +9222,11 @@
 </file>
 
 <file path=ppt/slides/slide16.xml><?xml version="1.0" encoding="utf-8"?>
-<p:sld xmlns:a="http://schemas.openxmlformats.org/drawingml/2006/main" xmlns:r="http://schemas.openxmlformats.org/officeDocument/2006/relationships" xmlns:mc="http://schemas.openxmlformats.org/markup-compatibility/2006" xmlns:mv="urn:schemas-microsoft-com:mac:vml" xmlns:p="http://schemas.openxmlformats.org/presentationml/2006/main" xmlns:c="http://schemas.openxmlformats.org/drawingml/2006/chart" xmlns:dgm="http://schemas.openxmlformats.org/drawingml/2006/diagram" xmlns:o="urn:schemas-microsoft-com:office:office" xmlns:v="urn:schemas-microsoft-com:vml" xmlns:pvml="urn:schemas-microsoft-com:office:powerpoint" xmlns:com="http://schemas.openxmlformats.org/drawingml/2006/compatibility" xmlns:p14="http://schemas.microsoft.com/office/powerpoint/2010/main" xmlns:p15="http://schemas.microsoft.com/office/powerpoint/2012/main" xmlns:ahyp="http://schemas.microsoft.com/office/drawing/2018/hyperlinkcolor">
+<p:sld xmlns:a="http://schemas.openxmlformats.org/drawingml/2006/main" xmlns:r="http://schemas.openxmlformats.org/officeDocument/2006/relationships" xmlns:p="http://schemas.openxmlformats.org/presentationml/2006/main">
   <p:cSld>
     <p:spTree>
       <p:nvGrpSpPr>
-        <p:cNvPr id="203" name="Shape 203"/>
+        <p:cNvPr id="1" name="Shape 203"/>
         <p:cNvGrpSpPr/>
         <p:nvPr/>
       </p:nvGrpSpPr>
@@ -9080,7 +9241,9 @@
       <p:sp>
         <p:nvSpPr>
           <p:cNvPr id="204" name="Google Shape;204;p28"/>
-          <p:cNvSpPr txBox="1"/>
+          <p:cNvSpPr txBox="1">
+            <a:spLocks noGrp="1"/>
+          </p:cNvSpPr>
           <p:nvPr>
             <p:ph type="title"/>
           </p:nvPr>
@@ -9095,12 +9258,12 @@
           </a:prstGeom>
         </p:spPr>
         <p:txBody>
-          <a:bodyPr anchorCtr="0" anchor="ctr" bIns="91425" lIns="91425" spcFirstLastPara="1" rIns="91425" wrap="square" tIns="91425">
+          <a:bodyPr spcFirstLastPara="1" wrap="square" lIns="91425" tIns="91425" rIns="91425" bIns="91425" anchor="ctr" anchorCtr="0">
             <a:noAutofit/>
           </a:bodyPr>
           <a:lstStyle/>
           <a:p>
-            <a:pPr indent="0" lvl="0" marL="0" rtl="0" algn="ctr">
+            <a:pPr marL="0" lvl="0" indent="0" algn="ctr" rtl="0">
               <a:spcBef>
                 <a:spcPts val="0"/>
               </a:spcBef>
@@ -9110,7 +9273,7 @@
               <a:buNone/>
             </a:pPr>
             <a:r>
-              <a:rPr b="1" lang="en">
+              <a:rPr lang="en" b="1">
                 <a:solidFill>
                   <a:srgbClr val="0000FF"/>
                 </a:solidFill>
@@ -9124,7 +9287,7 @@
             </a:endParaRPr>
           </a:p>
           <a:p>
-            <a:pPr indent="0" lvl="0" marL="0" rtl="0" algn="ctr">
+            <a:pPr marL="0" lvl="0" indent="0" algn="ctr" rtl="0">
               <a:spcBef>
                 <a:spcPts val="0"/>
               </a:spcBef>
@@ -9134,7 +9297,7 @@
               <a:buNone/>
             </a:pPr>
             <a:r>
-              <a:rPr b="1" lang="en">
+              <a:rPr lang="en" b="1">
                 <a:solidFill>
                   <a:srgbClr val="0000FF"/>
                 </a:solidFill>
@@ -9186,11 +9349,11 @@
 </file>
 
 <file path=ppt/slides/slide2.xml><?xml version="1.0" encoding="utf-8"?>
-<p:sld xmlns:a="http://schemas.openxmlformats.org/drawingml/2006/main" xmlns:r="http://schemas.openxmlformats.org/officeDocument/2006/relationships" xmlns:mc="http://schemas.openxmlformats.org/markup-compatibility/2006" xmlns:mv="urn:schemas-microsoft-com:mac:vml" xmlns:p="http://schemas.openxmlformats.org/presentationml/2006/main" xmlns:c="http://schemas.openxmlformats.org/drawingml/2006/chart" xmlns:dgm="http://schemas.openxmlformats.org/drawingml/2006/diagram" xmlns:o="urn:schemas-microsoft-com:office:office" xmlns:v="urn:schemas-microsoft-com:vml" xmlns:pvml="urn:schemas-microsoft-com:office:powerpoint" xmlns:com="http://schemas.openxmlformats.org/drawingml/2006/compatibility" xmlns:p14="http://schemas.microsoft.com/office/powerpoint/2010/main" xmlns:p15="http://schemas.microsoft.com/office/powerpoint/2012/main" xmlns:ahyp="http://schemas.microsoft.com/office/drawing/2018/hyperlinkcolor">
+<p:sld xmlns:a="http://schemas.openxmlformats.org/drawingml/2006/main" xmlns:r="http://schemas.openxmlformats.org/officeDocument/2006/relationships" xmlns:p="http://schemas.openxmlformats.org/presentationml/2006/main">
   <p:cSld>
     <p:spTree>
       <p:nvGrpSpPr>
-        <p:cNvPr id="60" name="Shape 60"/>
+        <p:cNvPr id="1" name="Shape 60"/>
         <p:cNvGrpSpPr/>
         <p:nvPr/>
       </p:nvGrpSpPr>
@@ -9205,7 +9368,9 @@
       <p:sp>
         <p:nvSpPr>
           <p:cNvPr id="61" name="Google Shape;61;p14"/>
-          <p:cNvSpPr txBox="1"/>
+          <p:cNvSpPr txBox="1">
+            <a:spLocks noGrp="1"/>
+          </p:cNvSpPr>
           <p:nvPr>
             <p:ph type="title"/>
           </p:nvPr>
@@ -9220,12 +9385,12 @@
           </a:prstGeom>
         </p:spPr>
         <p:txBody>
-          <a:bodyPr anchorCtr="0" anchor="t" bIns="91425" lIns="91425" spcFirstLastPara="1" rIns="91425" wrap="square" tIns="91425">
+          <a:bodyPr spcFirstLastPara="1" wrap="square" lIns="91425" tIns="91425" rIns="91425" bIns="91425" anchor="t" anchorCtr="0">
             <a:noAutofit/>
           </a:bodyPr>
           <a:lstStyle/>
           <a:p>
-            <a:pPr indent="0" lvl="0" marL="0" rtl="0" algn="l">
+            <a:pPr marL="0" lvl="0" indent="0" algn="l" rtl="0">
               <a:spcBef>
                 <a:spcPts val="0"/>
               </a:spcBef>
@@ -9235,14 +9400,14 @@
               <a:buNone/>
             </a:pPr>
             <a:r>
-              <a:rPr b="1" lang="en" sz="3200">
+              <a:rPr lang="en" sz="3200" b="1">
                 <a:solidFill>
                   <a:srgbClr val="0000FF"/>
                 </a:solidFill>
               </a:rPr>
               <a:t>Contents : </a:t>
             </a:r>
-            <a:endParaRPr b="1" sz="3200">
+            <a:endParaRPr sz="3200" b="1">
               <a:solidFill>
                 <a:srgbClr val="0000FF"/>
               </a:solidFill>
@@ -9253,9 +9418,11 @@
       <p:sp>
         <p:nvSpPr>
           <p:cNvPr id="62" name="Google Shape;62;p14"/>
-          <p:cNvSpPr txBox="1"/>
+          <p:cNvSpPr txBox="1">
+            <a:spLocks noGrp="1"/>
+          </p:cNvSpPr>
           <p:nvPr>
-            <p:ph idx="1" type="body"/>
+            <p:ph type="body" idx="1"/>
           </p:nvPr>
         </p:nvSpPr>
         <p:spPr>
@@ -9268,12 +9435,12 @@
           </a:prstGeom>
         </p:spPr>
         <p:txBody>
-          <a:bodyPr anchorCtr="0" anchor="t" bIns="91425" lIns="91425" spcFirstLastPara="1" rIns="91425" wrap="square" tIns="91425">
+          <a:bodyPr spcFirstLastPara="1" wrap="square" lIns="91425" tIns="91425" rIns="91425" bIns="91425" anchor="t" anchorCtr="0">
             <a:noAutofit/>
           </a:bodyPr>
           <a:lstStyle/>
           <a:p>
-            <a:pPr indent="-406400" lvl="0" marL="457200" rtl="0" algn="l">
+            <a:pPr marL="457200" lvl="0" indent="-406400" algn="l" rtl="0">
               <a:spcBef>
                 <a:spcPts val="0"/>
               </a:spcBef>
@@ -9328,11 +9495,11 @@
 </file>
 
 <file path=ppt/slides/slide3.xml><?xml version="1.0" encoding="utf-8"?>
-<p:sld xmlns:a="http://schemas.openxmlformats.org/drawingml/2006/main" xmlns:r="http://schemas.openxmlformats.org/officeDocument/2006/relationships" xmlns:mc="http://schemas.openxmlformats.org/markup-compatibility/2006" xmlns:mv="urn:schemas-microsoft-com:mac:vml" xmlns:p="http://schemas.openxmlformats.org/presentationml/2006/main" xmlns:c="http://schemas.openxmlformats.org/drawingml/2006/chart" xmlns:dgm="http://schemas.openxmlformats.org/drawingml/2006/diagram" xmlns:o="urn:schemas-microsoft-com:office:office" xmlns:v="urn:schemas-microsoft-com:vml" xmlns:pvml="urn:schemas-microsoft-com:office:powerpoint" xmlns:com="http://schemas.openxmlformats.org/drawingml/2006/compatibility" xmlns:p14="http://schemas.microsoft.com/office/powerpoint/2010/main" xmlns:p15="http://schemas.microsoft.com/office/powerpoint/2012/main" xmlns:ahyp="http://schemas.microsoft.com/office/drawing/2018/hyperlinkcolor">
+<p:sld xmlns:a="http://schemas.openxmlformats.org/drawingml/2006/main" xmlns:r="http://schemas.openxmlformats.org/officeDocument/2006/relationships" xmlns:p="http://schemas.openxmlformats.org/presentationml/2006/main">
   <p:cSld>
     <p:spTree>
       <p:nvGrpSpPr>
-        <p:cNvPr id="67" name="Shape 67"/>
+        <p:cNvPr id="1" name="Shape 67"/>
         <p:cNvGrpSpPr/>
         <p:nvPr/>
       </p:nvGrpSpPr>
@@ -9347,7 +9514,9 @@
       <p:sp>
         <p:nvSpPr>
           <p:cNvPr id="68" name="Google Shape;68;p15"/>
-          <p:cNvSpPr txBox="1"/>
+          <p:cNvSpPr txBox="1">
+            <a:spLocks noGrp="1"/>
+          </p:cNvSpPr>
           <p:nvPr>
             <p:ph type="title"/>
           </p:nvPr>
@@ -9362,12 +9531,12 @@
           </a:prstGeom>
         </p:spPr>
         <p:txBody>
-          <a:bodyPr anchorCtr="0" anchor="t" bIns="91425" lIns="91425" spcFirstLastPara="1" rIns="91425" wrap="square" tIns="91425">
+          <a:bodyPr spcFirstLastPara="1" wrap="square" lIns="91425" tIns="91425" rIns="91425" bIns="91425" anchor="t" anchorCtr="0">
             <a:noAutofit/>
           </a:bodyPr>
           <a:lstStyle/>
           <a:p>
-            <a:pPr indent="0" lvl="0" marL="0" rtl="0" algn="l">
+            <a:pPr marL="0" lvl="0" indent="0" algn="l" rtl="0">
               <a:spcBef>
                 <a:spcPts val="0"/>
               </a:spcBef>
@@ -9377,7 +9546,7 @@
               <a:buNone/>
             </a:pPr>
             <a:r>
-              <a:rPr b="1" lang="en">
+              <a:rPr lang="en" b="1">
                 <a:solidFill>
                   <a:srgbClr val="0000FF"/>
                 </a:solidFill>
@@ -9395,9 +9564,11 @@
       <p:sp>
         <p:nvSpPr>
           <p:cNvPr id="69" name="Google Shape;69;p15"/>
-          <p:cNvSpPr txBox="1"/>
+          <p:cNvSpPr txBox="1">
+            <a:spLocks noGrp="1"/>
+          </p:cNvSpPr>
           <p:nvPr>
-            <p:ph idx="1" type="body"/>
+            <p:ph type="body" idx="1"/>
           </p:nvPr>
         </p:nvSpPr>
         <p:spPr>
@@ -9410,12 +9581,12 @@
           </a:prstGeom>
         </p:spPr>
         <p:txBody>
-          <a:bodyPr anchorCtr="0" anchor="t" bIns="91425" lIns="91425" spcFirstLastPara="1" rIns="91425" wrap="square" tIns="91425">
+          <a:bodyPr spcFirstLastPara="1" wrap="square" lIns="91425" tIns="91425" rIns="91425" bIns="91425" anchor="t" anchorCtr="0">
             <a:noAutofit/>
           </a:bodyPr>
           <a:lstStyle/>
           <a:p>
-            <a:pPr indent="-342900" lvl="0" marL="457200" rtl="0" algn="l">
+            <a:pPr marL="457200" lvl="0" indent="-342900" algn="l" rtl="0">
               <a:spcBef>
                 <a:spcPts val="0"/>
               </a:spcBef>
@@ -9432,7 +9603,7 @@
             <a:endParaRPr/>
           </a:p>
           <a:p>
-            <a:pPr indent="-342900" lvl="0" marL="457200" rtl="0" algn="l">
+            <a:pPr marL="457200" lvl="0" indent="-342900" algn="l" rtl="0">
               <a:spcBef>
                 <a:spcPts val="0"/>
               </a:spcBef>
@@ -9449,7 +9620,7 @@
             <a:endParaRPr/>
           </a:p>
           <a:p>
-            <a:pPr indent="-342900" lvl="0" marL="457200" rtl="0" algn="l">
+            <a:pPr marL="457200" lvl="0" indent="-342900" algn="l" rtl="0">
               <a:spcBef>
                 <a:spcPts val="0"/>
               </a:spcBef>
@@ -9466,7 +9637,7 @@
             <a:endParaRPr/>
           </a:p>
           <a:p>
-            <a:pPr indent="-342900" lvl="0" marL="457200" rtl="0" algn="l">
+            <a:pPr marL="457200" lvl="0" indent="-342900" algn="l" rtl="0">
               <a:spcBef>
                 <a:spcPts val="0"/>
               </a:spcBef>
@@ -9501,23 +9672,23 @@
           <a:solidFill>
             <a:schemeClr val="lt2"/>
           </a:solidFill>
-          <a:ln cap="flat" cmpd="sng" w="9525">
+          <a:ln w="9525" cap="flat" cmpd="sng">
             <a:solidFill>
               <a:schemeClr val="dk2"/>
             </a:solidFill>
             <a:prstDash val="solid"/>
             <a:round/>
-            <a:headEnd len="sm" w="sm" type="none"/>
-            <a:tailEnd len="sm" w="sm" type="none"/>
+            <a:headEnd type="none" w="sm" len="sm"/>
+            <a:tailEnd type="none" w="sm" len="sm"/>
           </a:ln>
         </p:spPr>
         <p:txBody>
-          <a:bodyPr anchorCtr="0" anchor="ctr" bIns="91425" lIns="91425" spcFirstLastPara="1" rIns="91425" wrap="square" tIns="91425">
+          <a:bodyPr spcFirstLastPara="1" wrap="square" lIns="91425" tIns="91425" rIns="91425" bIns="91425" anchor="ctr" anchorCtr="0">
             <a:noAutofit/>
           </a:bodyPr>
           <a:lstStyle/>
           <a:p>
-            <a:pPr indent="0" lvl="0" marL="0" rtl="0" algn="l">
+            <a:pPr marL="0" lvl="0" indent="0" algn="l" rtl="0">
               <a:spcBef>
                 <a:spcPts val="0"/>
               </a:spcBef>
@@ -9551,23 +9722,23 @@
           <a:solidFill>
             <a:schemeClr val="lt2"/>
           </a:solidFill>
-          <a:ln cap="flat" cmpd="sng" w="9525">
+          <a:ln w="9525" cap="flat" cmpd="sng">
             <a:solidFill>
               <a:schemeClr val="dk2"/>
             </a:solidFill>
             <a:prstDash val="solid"/>
             <a:round/>
-            <a:headEnd len="sm" w="sm" type="none"/>
-            <a:tailEnd len="sm" w="sm" type="none"/>
+            <a:headEnd type="none" w="sm" len="sm"/>
+            <a:tailEnd type="none" w="sm" len="sm"/>
           </a:ln>
         </p:spPr>
         <p:txBody>
-          <a:bodyPr anchorCtr="0" anchor="ctr" bIns="91425" lIns="91425" spcFirstLastPara="1" rIns="91425" wrap="square" tIns="91425">
+          <a:bodyPr spcFirstLastPara="1" wrap="square" lIns="91425" tIns="91425" rIns="91425" bIns="91425" anchor="ctr" anchorCtr="0">
             <a:noAutofit/>
           </a:bodyPr>
           <a:lstStyle/>
           <a:p>
-            <a:pPr indent="0" lvl="0" marL="0" rtl="0" algn="l">
+            <a:pPr marL="0" lvl="0" indent="0" algn="l" rtl="0">
               <a:spcBef>
                 <a:spcPts val="0"/>
               </a:spcBef>
@@ -9601,23 +9772,23 @@
           <a:solidFill>
             <a:schemeClr val="lt2"/>
           </a:solidFill>
-          <a:ln cap="flat" cmpd="sng" w="9525">
+          <a:ln w="9525" cap="flat" cmpd="sng">
             <a:solidFill>
               <a:schemeClr val="dk2"/>
             </a:solidFill>
             <a:prstDash val="solid"/>
             <a:round/>
-            <a:headEnd len="sm" w="sm" type="none"/>
-            <a:tailEnd len="sm" w="sm" type="none"/>
+            <a:headEnd type="none" w="sm" len="sm"/>
+            <a:tailEnd type="none" w="sm" len="sm"/>
           </a:ln>
         </p:spPr>
         <p:txBody>
-          <a:bodyPr anchorCtr="0" anchor="ctr" bIns="91425" lIns="91425" spcFirstLastPara="1" rIns="91425" wrap="square" tIns="91425">
+          <a:bodyPr spcFirstLastPara="1" wrap="square" lIns="91425" tIns="91425" rIns="91425" bIns="91425" anchor="ctr" anchorCtr="0">
             <a:noAutofit/>
           </a:bodyPr>
           <a:lstStyle/>
           <a:p>
-            <a:pPr indent="0" lvl="0" marL="0" rtl="0" algn="l">
+            <a:pPr marL="0" lvl="0" indent="0" algn="l" rtl="0">
               <a:spcBef>
                 <a:spcPts val="0"/>
               </a:spcBef>
@@ -9651,23 +9822,23 @@
           <a:solidFill>
             <a:schemeClr val="lt2"/>
           </a:solidFill>
-          <a:ln cap="flat" cmpd="sng" w="9525">
+          <a:ln w="9525" cap="flat" cmpd="sng">
             <a:solidFill>
               <a:schemeClr val="dk2"/>
             </a:solidFill>
             <a:prstDash val="solid"/>
             <a:round/>
-            <a:headEnd len="sm" w="sm" type="none"/>
-            <a:tailEnd len="sm" w="sm" type="none"/>
+            <a:headEnd type="none" w="sm" len="sm"/>
+            <a:tailEnd type="none" w="sm" len="sm"/>
           </a:ln>
         </p:spPr>
         <p:txBody>
-          <a:bodyPr anchorCtr="0" anchor="ctr" bIns="91425" lIns="91425" spcFirstLastPara="1" rIns="91425" wrap="square" tIns="91425">
+          <a:bodyPr spcFirstLastPara="1" wrap="square" lIns="91425" tIns="91425" rIns="91425" bIns="91425" anchor="ctr" anchorCtr="0">
             <a:noAutofit/>
           </a:bodyPr>
           <a:lstStyle/>
           <a:p>
-            <a:pPr indent="0" lvl="0" marL="0" rtl="0" algn="l">
+            <a:pPr marL="0" lvl="0" indent="0" algn="l" rtl="0">
               <a:spcBef>
                 <a:spcPts val="0"/>
               </a:spcBef>
@@ -9702,14 +9873,14 @@
             <a:avLst/>
           </a:prstGeom>
           <a:noFill/>
-          <a:ln cap="flat" cmpd="sng" w="9525">
+          <a:ln w="9525" cap="flat" cmpd="sng">
             <a:solidFill>
               <a:schemeClr val="dk2"/>
             </a:solidFill>
             <a:prstDash val="solid"/>
             <a:round/>
-            <a:headEnd len="med" w="med" type="none"/>
-            <a:tailEnd len="med" w="med" type="none"/>
+            <a:headEnd type="none" w="med" len="med"/>
+            <a:tailEnd type="none" w="med" len="med"/>
           </a:ln>
         </p:spPr>
       </p:cxnSp>
@@ -9731,14 +9902,14 @@
             <a:avLst/>
           </a:prstGeom>
           <a:noFill/>
-          <a:ln cap="flat" cmpd="sng" w="9525">
+          <a:ln w="9525" cap="flat" cmpd="sng">
             <a:solidFill>
               <a:schemeClr val="dk2"/>
             </a:solidFill>
             <a:prstDash val="solid"/>
             <a:round/>
-            <a:headEnd len="med" w="med" type="none"/>
-            <a:tailEnd len="med" w="med" type="none"/>
+            <a:headEnd type="none" w="med" len="med"/>
+            <a:tailEnd type="none" w="med" len="med"/>
           </a:ln>
         </p:spPr>
       </p:cxnSp>
@@ -9760,14 +9931,14 @@
             <a:avLst/>
           </a:prstGeom>
           <a:noFill/>
-          <a:ln cap="flat" cmpd="sng" w="9525">
+          <a:ln w="9525" cap="flat" cmpd="sng">
             <a:solidFill>
               <a:schemeClr val="dk2"/>
             </a:solidFill>
             <a:prstDash val="solid"/>
             <a:round/>
-            <a:headEnd len="med" w="med" type="none"/>
-            <a:tailEnd len="med" w="med" type="none"/>
+            <a:headEnd type="none" w="med" len="med"/>
+            <a:tailEnd type="none" w="med" len="med"/>
           </a:ln>
         </p:spPr>
       </p:cxnSp>
@@ -9791,12 +9962,12 @@
           </a:ln>
         </p:spPr>
         <p:txBody>
-          <a:bodyPr anchorCtr="0" anchor="t" bIns="91425" lIns="91425" spcFirstLastPara="1" rIns="91425" wrap="square" tIns="91425">
+          <a:bodyPr spcFirstLastPara="1" wrap="square" lIns="91425" tIns="91425" rIns="91425" bIns="91425" anchor="t" anchorCtr="0">
             <a:noAutofit/>
           </a:bodyPr>
           <a:lstStyle/>
           <a:p>
-            <a:pPr indent="0" lvl="0" marL="0" rtl="0" algn="l">
+            <a:pPr marL="0" lvl="0" indent="0" algn="l" rtl="0">
               <a:spcBef>
                 <a:spcPts val="0"/>
               </a:spcBef>
@@ -9850,11 +10021,11 @@
 </file>
 
 <file path=ppt/slides/slide4.xml><?xml version="1.0" encoding="utf-8"?>
-<p:sld xmlns:a="http://schemas.openxmlformats.org/drawingml/2006/main" xmlns:r="http://schemas.openxmlformats.org/officeDocument/2006/relationships" xmlns:mc="http://schemas.openxmlformats.org/markup-compatibility/2006" xmlns:mv="urn:schemas-microsoft-com:mac:vml" xmlns:p="http://schemas.openxmlformats.org/presentationml/2006/main" xmlns:c="http://schemas.openxmlformats.org/drawingml/2006/chart" xmlns:dgm="http://schemas.openxmlformats.org/drawingml/2006/diagram" xmlns:o="urn:schemas-microsoft-com:office:office" xmlns:v="urn:schemas-microsoft-com:vml" xmlns:pvml="urn:schemas-microsoft-com:office:powerpoint" xmlns:com="http://schemas.openxmlformats.org/drawingml/2006/compatibility" xmlns:p14="http://schemas.microsoft.com/office/powerpoint/2010/main" xmlns:p15="http://schemas.microsoft.com/office/powerpoint/2012/main" xmlns:ahyp="http://schemas.microsoft.com/office/drawing/2018/hyperlinkcolor">
+<p:sld xmlns:a="http://schemas.openxmlformats.org/drawingml/2006/main" xmlns:r="http://schemas.openxmlformats.org/officeDocument/2006/relationships" xmlns:p="http://schemas.openxmlformats.org/presentationml/2006/main">
   <p:cSld>
     <p:spTree>
       <p:nvGrpSpPr>
-        <p:cNvPr id="82" name="Shape 82"/>
+        <p:cNvPr id="1" name="Shape 82"/>
         <p:cNvGrpSpPr/>
         <p:nvPr/>
       </p:nvGrpSpPr>
@@ -9869,7 +10040,9 @@
       <p:sp>
         <p:nvSpPr>
           <p:cNvPr id="83" name="Google Shape;83;p16"/>
-          <p:cNvSpPr txBox="1"/>
+          <p:cNvSpPr txBox="1">
+            <a:spLocks noGrp="1"/>
+          </p:cNvSpPr>
           <p:nvPr>
             <p:ph type="title"/>
           </p:nvPr>
@@ -9884,12 +10057,12 @@
           </a:prstGeom>
         </p:spPr>
         <p:txBody>
-          <a:bodyPr anchorCtr="0" anchor="t" bIns="91425" lIns="91425" spcFirstLastPara="1" rIns="91425" wrap="square" tIns="91425">
+          <a:bodyPr spcFirstLastPara="1" wrap="square" lIns="91425" tIns="91425" rIns="91425" bIns="91425" anchor="t" anchorCtr="0">
             <a:noAutofit/>
           </a:bodyPr>
           <a:lstStyle/>
           <a:p>
-            <a:pPr indent="0" lvl="0" marL="0" rtl="0" algn="l">
+            <a:pPr marL="0" lvl="0" indent="0" algn="l" rtl="0">
               <a:spcBef>
                 <a:spcPts val="0"/>
               </a:spcBef>
@@ -9899,7 +10072,7 @@
               <a:buNone/>
             </a:pPr>
             <a:r>
-              <a:rPr b="1" lang="en">
+              <a:rPr lang="en" b="1">
                 <a:solidFill>
                   <a:srgbClr val="0000FF"/>
                 </a:solidFill>
@@ -9917,9 +10090,11 @@
       <p:sp>
         <p:nvSpPr>
           <p:cNvPr id="84" name="Google Shape;84;p16"/>
-          <p:cNvSpPr txBox="1"/>
+          <p:cNvSpPr txBox="1">
+            <a:spLocks noGrp="1"/>
+          </p:cNvSpPr>
           <p:nvPr>
-            <p:ph idx="1" type="body"/>
+            <p:ph type="body" idx="1"/>
           </p:nvPr>
         </p:nvSpPr>
         <p:spPr>
@@ -9932,12 +10107,12 @@
           </a:prstGeom>
         </p:spPr>
         <p:txBody>
-          <a:bodyPr anchorCtr="0" anchor="t" bIns="91425" lIns="91425" spcFirstLastPara="1" rIns="91425" wrap="square" tIns="91425">
+          <a:bodyPr spcFirstLastPara="1" wrap="square" lIns="91425" tIns="91425" rIns="91425" bIns="91425" anchor="t" anchorCtr="0">
             <a:noAutofit/>
           </a:bodyPr>
           <a:lstStyle/>
           <a:p>
-            <a:pPr indent="-342900" lvl="0" marL="457200" rtl="0" algn="l">
+            <a:pPr marL="457200" lvl="0" indent="-342900" algn="l" rtl="0">
               <a:spcBef>
                 <a:spcPts val="0"/>
               </a:spcBef>
@@ -9952,7 +10127,7 @@
               <a:t>Any class with </a:t>
             </a:r>
             <a:r>
-              <a:rPr b="1" lang="en"/>
+              <a:rPr lang="en" b="1"/>
               <a:t>an abstract method is automatically abstract</a:t>
             </a:r>
             <a:r>
@@ -9962,7 +10137,7 @@
             <a:endParaRPr/>
           </a:p>
           <a:p>
-            <a:pPr indent="-342900" lvl="0" marL="457200" rtl="0" algn="l">
+            <a:pPr marL="457200" lvl="0" indent="-342900" algn="l" rtl="0">
               <a:spcBef>
                 <a:spcPts val="0"/>
               </a:spcBef>
@@ -9977,7 +10152,7 @@
               <a:t>A class may be declared abstract </a:t>
             </a:r>
             <a:r>
-              <a:rPr b="1" lang="en"/>
+              <a:rPr lang="en" b="1"/>
               <a:t>even if it has no abstract</a:t>
             </a:r>
             <a:r>
@@ -9987,7 +10162,7 @@
             <a:endParaRPr/>
           </a:p>
           <a:p>
-            <a:pPr indent="-342900" lvl="0" marL="457200" rtl="0" algn="l">
+            <a:pPr marL="457200" lvl="0" indent="-342900" algn="l" rtl="0">
               <a:spcBef>
                 <a:spcPts val="0"/>
               </a:spcBef>
@@ -9999,20 +10174,12 @@
             </a:pPr>
             <a:r>
               <a:rPr lang="en"/>
-              <a:t>A sub-class of an </a:t>
-            </a:r>
-            <a:r>
-              <a:rPr lang="en"/>
-              <a:t>abstract</a:t>
-            </a:r>
-            <a:r>
-              <a:rPr lang="en"/>
-              <a:t> class can be instantiated if it overrides each of the abstract methods of its super class and provide an implementation. </a:t>
+              <a:t>A sub-class of an abstract class can be instantiated if it overrides each of the abstract methods of its super class and provide an implementation. </a:t>
             </a:r>
             <a:endParaRPr/>
           </a:p>
           <a:p>
-            <a:pPr indent="-342900" lvl="0" marL="457200" rtl="0" algn="l">
+            <a:pPr marL="457200" lvl="0" indent="-342900" algn="l" rtl="0">
               <a:spcBef>
                 <a:spcPts val="0"/>
               </a:spcBef>
@@ -10027,7 +10194,7 @@
               <a:t>If sub-class of an abstract class </a:t>
             </a:r>
             <a:r>
-              <a:rPr b="1" lang="en"/>
+              <a:rPr lang="en" b="1"/>
               <a:t>does not implements all of the abstract methods</a:t>
             </a:r>
             <a:r>
@@ -10035,7 +10202,7 @@
               <a:t> , it inherits that </a:t>
             </a:r>
             <a:r>
-              <a:rPr b="1" lang="en"/>
+              <a:rPr lang="en" b="1"/>
               <a:t>sub-class is itself abstract </a:t>
             </a:r>
             <a:endParaRPr b="1"/>
@@ -10079,11 +10246,11 @@
 </file>
 
 <file path=ppt/slides/slide5.xml><?xml version="1.0" encoding="utf-8"?>
-<p:sld xmlns:a="http://schemas.openxmlformats.org/drawingml/2006/main" xmlns:r="http://schemas.openxmlformats.org/officeDocument/2006/relationships" xmlns:mc="http://schemas.openxmlformats.org/markup-compatibility/2006" xmlns:mv="urn:schemas-microsoft-com:mac:vml" xmlns:p="http://schemas.openxmlformats.org/presentationml/2006/main" xmlns:c="http://schemas.openxmlformats.org/drawingml/2006/chart" xmlns:dgm="http://schemas.openxmlformats.org/drawingml/2006/diagram" xmlns:o="urn:schemas-microsoft-com:office:office" xmlns:v="urn:schemas-microsoft-com:vml" xmlns:pvml="urn:schemas-microsoft-com:office:powerpoint" xmlns:com="http://schemas.openxmlformats.org/drawingml/2006/compatibility" xmlns:p14="http://schemas.microsoft.com/office/powerpoint/2010/main" xmlns:p15="http://schemas.microsoft.com/office/powerpoint/2012/main" xmlns:ahyp="http://schemas.microsoft.com/office/drawing/2018/hyperlinkcolor">
+<p:sld xmlns:a="http://schemas.openxmlformats.org/drawingml/2006/main" xmlns:r="http://schemas.openxmlformats.org/officeDocument/2006/relationships" xmlns:p="http://schemas.openxmlformats.org/presentationml/2006/main">
   <p:cSld>
     <p:spTree>
       <p:nvGrpSpPr>
-        <p:cNvPr id="89" name="Shape 89"/>
+        <p:cNvPr id="1" name="Shape 89"/>
         <p:cNvGrpSpPr/>
         <p:nvPr/>
       </p:nvGrpSpPr>
@@ -10098,7 +10265,9 @@
       <p:sp>
         <p:nvSpPr>
           <p:cNvPr id="90" name="Google Shape;90;p17"/>
-          <p:cNvSpPr txBox="1"/>
+          <p:cNvSpPr txBox="1">
+            <a:spLocks noGrp="1"/>
+          </p:cNvSpPr>
           <p:nvPr>
             <p:ph type="title"/>
           </p:nvPr>
@@ -10113,12 +10282,12 @@
           </a:prstGeom>
         </p:spPr>
         <p:txBody>
-          <a:bodyPr anchorCtr="0" anchor="t" bIns="91425" lIns="91425" spcFirstLastPara="1" rIns="91425" wrap="square" tIns="91425">
+          <a:bodyPr spcFirstLastPara="1" wrap="square" lIns="91425" tIns="91425" rIns="91425" bIns="91425" anchor="t" anchorCtr="0">
             <a:noAutofit/>
           </a:bodyPr>
           <a:lstStyle/>
           <a:p>
-            <a:pPr indent="0" lvl="0" marL="0" rtl="0" algn="l">
+            <a:pPr marL="0" lvl="0" indent="0" algn="l" rtl="0">
               <a:spcBef>
                 <a:spcPts val="0"/>
               </a:spcBef>
@@ -10128,14 +10297,14 @@
               <a:buNone/>
             </a:pPr>
             <a:r>
-              <a:rPr b="1" lang="en" sz="3000">
+              <a:rPr lang="en" sz="3000" b="1">
                 <a:solidFill>
                   <a:srgbClr val="0000FF"/>
                 </a:solidFill>
               </a:rPr>
               <a:t>Multiple inheritance in JAVA</a:t>
             </a:r>
-            <a:endParaRPr b="1" sz="3000">
+            <a:endParaRPr sz="3000" b="1">
               <a:solidFill>
                 <a:srgbClr val="0000FF"/>
               </a:solidFill>
@@ -10146,9 +10315,11 @@
       <p:sp>
         <p:nvSpPr>
           <p:cNvPr id="91" name="Google Shape;91;p17"/>
-          <p:cNvSpPr txBox="1"/>
+          <p:cNvSpPr txBox="1">
+            <a:spLocks noGrp="1"/>
+          </p:cNvSpPr>
           <p:nvPr>
-            <p:ph idx="1" type="body"/>
+            <p:ph type="body" idx="1"/>
           </p:nvPr>
         </p:nvSpPr>
         <p:spPr>
@@ -10161,12 +10332,12 @@
           </a:prstGeom>
         </p:spPr>
         <p:txBody>
-          <a:bodyPr anchorCtr="0" anchor="t" bIns="91425" lIns="91425" spcFirstLastPara="1" rIns="91425" wrap="square" tIns="91425">
+          <a:bodyPr spcFirstLastPara="1" wrap="square" lIns="91425" tIns="91425" rIns="91425" bIns="91425" anchor="t" anchorCtr="0">
             <a:noAutofit/>
           </a:bodyPr>
           <a:lstStyle/>
           <a:p>
-            <a:pPr indent="-400050" lvl="0" marL="457200" rtl="0" algn="l">
+            <a:pPr marL="457200" lvl="0" indent="-400050" algn="l" rtl="0">
               <a:spcBef>
                 <a:spcPts val="0"/>
               </a:spcBef>
@@ -10183,7 +10354,7 @@
             <a:endParaRPr sz="2700"/>
           </a:p>
           <a:p>
-            <a:pPr indent="-400050" lvl="0" marL="457200" rtl="0" algn="l">
+            <a:pPr marL="457200" lvl="0" indent="-400050" algn="l" rtl="0">
               <a:spcBef>
                 <a:spcPts val="0"/>
               </a:spcBef>
@@ -10198,14 +10369,14 @@
               <a:t>JAVA’s solution to this problem </a:t>
             </a:r>
             <a:r>
-              <a:rPr b="1" lang="en" sz="2700">
+              <a:rPr lang="en" sz="2700" b="1">
                 <a:solidFill>
                   <a:srgbClr val="0000FF"/>
                 </a:solidFill>
               </a:rPr>
               <a:t>interface</a:t>
             </a:r>
-            <a:endParaRPr b="1" sz="2700">
+            <a:endParaRPr sz="2700" b="1">
               <a:solidFill>
                 <a:srgbClr val="0000FF"/>
               </a:solidFill>
@@ -10230,23 +10401,23 @@
           <a:solidFill>
             <a:schemeClr val="lt2"/>
           </a:solidFill>
-          <a:ln cap="flat" cmpd="sng" w="9525">
+          <a:ln w="9525" cap="flat" cmpd="sng">
             <a:solidFill>
               <a:schemeClr val="dk2"/>
             </a:solidFill>
             <a:prstDash val="solid"/>
             <a:round/>
-            <a:headEnd len="sm" w="sm" type="none"/>
-            <a:tailEnd len="sm" w="sm" type="none"/>
+            <a:headEnd type="none" w="sm" len="sm"/>
+            <a:tailEnd type="none" w="sm" len="sm"/>
           </a:ln>
         </p:spPr>
         <p:txBody>
-          <a:bodyPr anchorCtr="0" anchor="ctr" bIns="91425" lIns="91425" spcFirstLastPara="1" rIns="91425" wrap="square" tIns="91425">
+          <a:bodyPr spcFirstLastPara="1" wrap="square" lIns="91425" tIns="91425" rIns="91425" bIns="91425" anchor="ctr" anchorCtr="0">
             <a:noAutofit/>
           </a:bodyPr>
           <a:lstStyle/>
           <a:p>
-            <a:pPr indent="0" lvl="0" marL="0" rtl="0" algn="ctr">
+            <a:pPr marL="0" lvl="0" indent="0" algn="ctr" rtl="0">
               <a:spcBef>
                 <a:spcPts val="0"/>
               </a:spcBef>
@@ -10280,23 +10451,23 @@
           <a:solidFill>
             <a:schemeClr val="lt2"/>
           </a:solidFill>
-          <a:ln cap="flat" cmpd="sng" w="9525">
+          <a:ln w="9525" cap="flat" cmpd="sng">
             <a:solidFill>
               <a:schemeClr val="dk2"/>
             </a:solidFill>
             <a:prstDash val="solid"/>
             <a:round/>
-            <a:headEnd len="sm" w="sm" type="none"/>
-            <a:tailEnd len="sm" w="sm" type="none"/>
+            <a:headEnd type="none" w="sm" len="sm"/>
+            <a:tailEnd type="none" w="sm" len="sm"/>
           </a:ln>
         </p:spPr>
         <p:txBody>
-          <a:bodyPr anchorCtr="0" anchor="ctr" bIns="91425" lIns="91425" spcFirstLastPara="1" rIns="91425" wrap="square" tIns="91425">
+          <a:bodyPr spcFirstLastPara="1" wrap="square" lIns="91425" tIns="91425" rIns="91425" bIns="91425" anchor="ctr" anchorCtr="0">
             <a:noAutofit/>
           </a:bodyPr>
           <a:lstStyle/>
           <a:p>
-            <a:pPr indent="0" lvl="0" marL="0" rtl="0" algn="ctr">
+            <a:pPr marL="0" lvl="0" indent="0" algn="ctr" rtl="0">
               <a:spcBef>
                 <a:spcPts val="0"/>
               </a:spcBef>
@@ -10330,23 +10501,23 @@
           <a:solidFill>
             <a:schemeClr val="lt2"/>
           </a:solidFill>
-          <a:ln cap="flat" cmpd="sng" w="9525">
+          <a:ln w="9525" cap="flat" cmpd="sng">
             <a:solidFill>
               <a:schemeClr val="dk2"/>
             </a:solidFill>
             <a:prstDash val="solid"/>
             <a:round/>
-            <a:headEnd len="sm" w="sm" type="none"/>
-            <a:tailEnd len="sm" w="sm" type="none"/>
+            <a:headEnd type="none" w="sm" len="sm"/>
+            <a:tailEnd type="none" w="sm" len="sm"/>
           </a:ln>
         </p:spPr>
         <p:txBody>
-          <a:bodyPr anchorCtr="0" anchor="ctr" bIns="91425" lIns="91425" spcFirstLastPara="1" rIns="91425" wrap="square" tIns="91425">
+          <a:bodyPr spcFirstLastPara="1" wrap="square" lIns="91425" tIns="91425" rIns="91425" bIns="91425" anchor="ctr" anchorCtr="0">
             <a:noAutofit/>
           </a:bodyPr>
           <a:lstStyle/>
           <a:p>
-            <a:pPr indent="0" lvl="0" marL="0" rtl="0" algn="ctr">
+            <a:pPr marL="0" lvl="0" indent="0" algn="ctr" rtl="0">
               <a:spcBef>
                 <a:spcPts val="0"/>
               </a:spcBef>
@@ -10381,14 +10552,14 @@
             <a:avLst/>
           </a:prstGeom>
           <a:noFill/>
-          <a:ln cap="flat" cmpd="sng" w="9525">
+          <a:ln w="9525" cap="flat" cmpd="sng">
             <a:solidFill>
               <a:schemeClr val="dk2"/>
             </a:solidFill>
             <a:prstDash val="solid"/>
             <a:round/>
-            <a:headEnd len="med" w="med" type="none"/>
-            <a:tailEnd len="med" w="med" type="none"/>
+            <a:headEnd type="none" w="med" len="med"/>
+            <a:tailEnd type="none" w="med" len="med"/>
           </a:ln>
         </p:spPr>
       </p:cxnSp>
@@ -10410,14 +10581,14 @@
             <a:avLst/>
           </a:prstGeom>
           <a:noFill/>
-          <a:ln cap="flat" cmpd="sng" w="9525">
+          <a:ln w="9525" cap="flat" cmpd="sng">
             <a:solidFill>
               <a:schemeClr val="dk2"/>
             </a:solidFill>
             <a:prstDash val="solid"/>
             <a:round/>
-            <a:headEnd len="med" w="med" type="none"/>
-            <a:tailEnd len="med" w="med" type="none"/>
+            <a:headEnd type="none" w="med" len="med"/>
+            <a:tailEnd type="none" w="med" len="med"/>
           </a:ln>
         </p:spPr>
       </p:cxnSp>
@@ -10458,11 +10629,11 @@
 </file>
 
 <file path=ppt/slides/slide6.xml><?xml version="1.0" encoding="utf-8"?>
-<p:sld xmlns:a="http://schemas.openxmlformats.org/drawingml/2006/main" xmlns:r="http://schemas.openxmlformats.org/officeDocument/2006/relationships" xmlns:mc="http://schemas.openxmlformats.org/markup-compatibility/2006" xmlns:mv="urn:schemas-microsoft-com:mac:vml" xmlns:p="http://schemas.openxmlformats.org/presentationml/2006/main" xmlns:c="http://schemas.openxmlformats.org/drawingml/2006/chart" xmlns:dgm="http://schemas.openxmlformats.org/drawingml/2006/diagram" xmlns:o="urn:schemas-microsoft-com:office:office" xmlns:v="urn:schemas-microsoft-com:vml" xmlns:pvml="urn:schemas-microsoft-com:office:powerpoint" xmlns:com="http://schemas.openxmlformats.org/drawingml/2006/compatibility" xmlns:p14="http://schemas.microsoft.com/office/powerpoint/2010/main" xmlns:p15="http://schemas.microsoft.com/office/powerpoint/2012/main" xmlns:ahyp="http://schemas.microsoft.com/office/drawing/2018/hyperlinkcolor">
+<p:sld xmlns:a="http://schemas.openxmlformats.org/drawingml/2006/main" xmlns:r="http://schemas.openxmlformats.org/officeDocument/2006/relationships" xmlns:p="http://schemas.openxmlformats.org/presentationml/2006/main">
   <p:cSld>
     <p:spTree>
       <p:nvGrpSpPr>
-        <p:cNvPr id="101" name="Shape 101"/>
+        <p:cNvPr id="1" name="Shape 101"/>
         <p:cNvGrpSpPr/>
         <p:nvPr/>
       </p:nvGrpSpPr>
@@ -10477,7 +10648,9 @@
       <p:sp>
         <p:nvSpPr>
           <p:cNvPr id="102" name="Google Shape;102;p18"/>
-          <p:cNvSpPr txBox="1"/>
+          <p:cNvSpPr txBox="1">
+            <a:spLocks noGrp="1"/>
+          </p:cNvSpPr>
           <p:nvPr>
             <p:ph type="title"/>
           </p:nvPr>
@@ -10492,12 +10665,12 @@
           </a:prstGeom>
         </p:spPr>
         <p:txBody>
-          <a:bodyPr anchorCtr="0" anchor="t" bIns="91425" lIns="91425" spcFirstLastPara="1" rIns="91425" wrap="square" tIns="91425">
+          <a:bodyPr spcFirstLastPara="1" wrap="square" lIns="91425" tIns="91425" rIns="91425" bIns="91425" anchor="t" anchorCtr="0">
             <a:noAutofit/>
           </a:bodyPr>
           <a:lstStyle/>
           <a:p>
-            <a:pPr indent="0" lvl="0" marL="0" rtl="0" algn="l">
+            <a:pPr marL="0" lvl="0" indent="0" algn="l" rtl="0">
               <a:spcBef>
                 <a:spcPts val="0"/>
               </a:spcBef>
@@ -10507,7 +10680,7 @@
               <a:buNone/>
             </a:pPr>
             <a:r>
-              <a:rPr b="1" lang="en">
+              <a:rPr lang="en" b="1">
                 <a:solidFill>
                   <a:srgbClr val="0000FF"/>
                 </a:solidFill>
@@ -10525,9 +10698,11 @@
       <p:sp>
         <p:nvSpPr>
           <p:cNvPr id="103" name="Google Shape;103;p18"/>
-          <p:cNvSpPr txBox="1"/>
+          <p:cNvSpPr txBox="1">
+            <a:spLocks noGrp="1"/>
+          </p:cNvSpPr>
           <p:nvPr>
-            <p:ph idx="1" type="body"/>
+            <p:ph type="body" idx="1"/>
           </p:nvPr>
         </p:nvSpPr>
         <p:spPr>
@@ -10540,12 +10715,12 @@
           </a:prstGeom>
         </p:spPr>
         <p:txBody>
-          <a:bodyPr anchorCtr="0" anchor="t" bIns="91425" lIns="91425" spcFirstLastPara="1" rIns="91425" wrap="square" tIns="91425">
+          <a:bodyPr spcFirstLastPara="1" wrap="square" lIns="91425" tIns="91425" rIns="91425" bIns="91425" anchor="t" anchorCtr="0">
             <a:noAutofit/>
           </a:bodyPr>
           <a:lstStyle/>
           <a:p>
-            <a:pPr indent="-381000" lvl="0" marL="457200" rtl="0" algn="l">
+            <a:pPr marL="457200" lvl="0" indent="-381000" algn="l" rtl="0">
               <a:spcBef>
                 <a:spcPts val="0"/>
               </a:spcBef>
@@ -10560,21 +10735,21 @@
               <a:t>JAVA does not support </a:t>
             </a:r>
             <a:r>
-              <a:rPr b="1" lang="en" sz="2400">
+              <a:rPr lang="en" sz="2400" b="1">
                 <a:solidFill>
                   <a:srgbClr val="0000FF"/>
                 </a:solidFill>
               </a:rPr>
               <a:t>multiple inheritance</a:t>
             </a:r>
-            <a:endParaRPr b="1" sz="2400">
+            <a:endParaRPr sz="2400" b="1">
               <a:solidFill>
                 <a:srgbClr val="0000FF"/>
               </a:solidFill>
             </a:endParaRPr>
           </a:p>
           <a:p>
-            <a:pPr indent="-381000" lvl="0" marL="457200" rtl="0" algn="l">
+            <a:pPr marL="457200" lvl="0" indent="-381000" algn="l" rtl="0">
               <a:spcBef>
                 <a:spcPts val="0"/>
               </a:spcBef>
@@ -10589,21 +10764,21 @@
               <a:t>JAVA supports an alternative approach to this OOP feature known as </a:t>
             </a:r>
             <a:r>
-              <a:rPr b="1" lang="en" sz="2400">
+              <a:rPr lang="en" sz="2400" b="1">
                 <a:solidFill>
                   <a:srgbClr val="0000FF"/>
                 </a:solidFill>
               </a:rPr>
               <a:t>interface</a:t>
             </a:r>
-            <a:endParaRPr b="1" sz="2400">
+            <a:endParaRPr sz="2400" b="1">
               <a:solidFill>
                 <a:srgbClr val="0000FF"/>
               </a:solidFill>
             </a:endParaRPr>
           </a:p>
           <a:p>
-            <a:pPr indent="-381000" lvl="0" marL="457200" rtl="0" algn="l">
+            <a:pPr marL="457200" lvl="0" indent="-381000" algn="l" rtl="0">
               <a:spcBef>
                 <a:spcPts val="0"/>
               </a:spcBef>
@@ -10618,7 +10793,7 @@
               <a:t>What is an </a:t>
             </a:r>
             <a:r>
-              <a:rPr b="1" lang="en" sz="2400">
+              <a:rPr lang="en" sz="2400" b="1">
                 <a:solidFill>
                   <a:srgbClr val="0000FF"/>
                 </a:solidFill>
@@ -10632,7 +10807,7 @@
             <a:endParaRPr sz="2400"/>
           </a:p>
           <a:p>
-            <a:pPr indent="-355600" lvl="1" marL="914400" rtl="0" algn="l">
+            <a:pPr marL="914400" lvl="1" indent="-355600" algn="l" rtl="0">
               <a:spcBef>
                 <a:spcPts val="0"/>
               </a:spcBef>
@@ -10647,7 +10822,7 @@
               <a:t>An interface is basically </a:t>
             </a:r>
             <a:r>
-              <a:rPr b="1" lang="en" sz="2000">
+              <a:rPr lang="en" sz="2000" b="1">
                 <a:solidFill>
                   <a:srgbClr val="0000FF"/>
                 </a:solidFill>
@@ -10659,7 +10834,7 @@
               <a:t>. Like classes, an interface contains </a:t>
             </a:r>
             <a:r>
-              <a:rPr b="1" lang="en" sz="2000">
+              <a:rPr lang="en" sz="2000" b="1">
                 <a:solidFill>
                   <a:srgbClr val="0000FF"/>
                 </a:solidFill>
@@ -10671,7 +10846,7 @@
               <a:t> and </a:t>
             </a:r>
             <a:r>
-              <a:rPr b="1" lang="en" sz="2000">
+              <a:rPr lang="en" sz="2000" b="1">
                 <a:solidFill>
                   <a:srgbClr val="0000FF"/>
                 </a:solidFill>
@@ -10683,14 +10858,14 @@
               <a:t>, unlike classes, in interface, </a:t>
             </a:r>
             <a:r>
-              <a:rPr b="1" lang="en" sz="2000">
+              <a:rPr lang="en" sz="2000" b="1">
                 <a:solidFill>
                   <a:srgbClr val="0000FF"/>
                 </a:solidFill>
               </a:rPr>
               <a:t>all members are final and all methods are abstract.</a:t>
             </a:r>
-            <a:endParaRPr b="1" sz="2000">
+            <a:endParaRPr sz="2000" b="1">
               <a:solidFill>
                 <a:srgbClr val="0000FF"/>
               </a:solidFill>
@@ -10735,11 +10910,11 @@
 </file>
 
 <file path=ppt/slides/slide7.xml><?xml version="1.0" encoding="utf-8"?>
-<p:sld xmlns:a="http://schemas.openxmlformats.org/drawingml/2006/main" xmlns:r="http://schemas.openxmlformats.org/officeDocument/2006/relationships" xmlns:mc="http://schemas.openxmlformats.org/markup-compatibility/2006" xmlns:mv="urn:schemas-microsoft-com:mac:vml" xmlns:p="http://schemas.openxmlformats.org/presentationml/2006/main" xmlns:c="http://schemas.openxmlformats.org/drawingml/2006/chart" xmlns:dgm="http://schemas.openxmlformats.org/drawingml/2006/diagram" xmlns:o="urn:schemas-microsoft-com:office:office" xmlns:v="urn:schemas-microsoft-com:vml" xmlns:pvml="urn:schemas-microsoft-com:office:powerpoint" xmlns:com="http://schemas.openxmlformats.org/drawingml/2006/compatibility" xmlns:p14="http://schemas.microsoft.com/office/powerpoint/2010/main" xmlns:p15="http://schemas.microsoft.com/office/powerpoint/2012/main" xmlns:ahyp="http://schemas.microsoft.com/office/drawing/2018/hyperlinkcolor">
+<p:sld xmlns:a="http://schemas.openxmlformats.org/drawingml/2006/main" xmlns:r="http://schemas.openxmlformats.org/officeDocument/2006/relationships" xmlns:p="http://schemas.openxmlformats.org/presentationml/2006/main">
   <p:cSld>
     <p:spTree>
       <p:nvGrpSpPr>
-        <p:cNvPr id="108" name="Shape 108"/>
+        <p:cNvPr id="1" name="Shape 108"/>
         <p:cNvGrpSpPr/>
         <p:nvPr/>
       </p:nvGrpSpPr>
@@ -10754,7 +10929,9 @@
       <p:sp>
         <p:nvSpPr>
           <p:cNvPr id="109" name="Google Shape;109;p19"/>
-          <p:cNvSpPr txBox="1"/>
+          <p:cNvSpPr txBox="1">
+            <a:spLocks noGrp="1"/>
+          </p:cNvSpPr>
           <p:nvPr>
             <p:ph type="title"/>
           </p:nvPr>
@@ -10769,12 +10946,12 @@
           </a:prstGeom>
         </p:spPr>
         <p:txBody>
-          <a:bodyPr anchorCtr="0" anchor="t" bIns="91425" lIns="91425" spcFirstLastPara="1" rIns="91425" wrap="square" tIns="91425">
+          <a:bodyPr spcFirstLastPara="1" wrap="square" lIns="91425" tIns="91425" rIns="91425" bIns="91425" anchor="t" anchorCtr="0">
             <a:noAutofit/>
           </a:bodyPr>
           <a:lstStyle/>
           <a:p>
-            <a:pPr indent="0" lvl="0" marL="0" rtl="0" algn="l">
+            <a:pPr marL="0" lvl="0" indent="0" algn="l" rtl="0">
               <a:spcBef>
                 <a:spcPts val="0"/>
               </a:spcBef>
@@ -10784,7 +10961,7 @@
               <a:buNone/>
             </a:pPr>
             <a:r>
-              <a:rPr b="1" lang="en">
+              <a:rPr lang="en" b="1">
                 <a:solidFill>
                   <a:srgbClr val="0000FF"/>
                 </a:solidFill>
@@ -10802,9 +10979,11 @@
       <p:sp>
         <p:nvSpPr>
           <p:cNvPr id="110" name="Google Shape;110;p19"/>
-          <p:cNvSpPr txBox="1"/>
+          <p:cNvSpPr txBox="1">
+            <a:spLocks noGrp="1"/>
+          </p:cNvSpPr>
           <p:nvPr>
-            <p:ph idx="1" type="body"/>
+            <p:ph type="body" idx="1"/>
           </p:nvPr>
         </p:nvSpPr>
         <p:spPr>
@@ -10817,12 +10996,12 @@
           </a:prstGeom>
         </p:spPr>
         <p:txBody>
-          <a:bodyPr anchorCtr="0" anchor="t" bIns="91425" lIns="91425" spcFirstLastPara="1" rIns="91425" wrap="square" tIns="91425">
+          <a:bodyPr spcFirstLastPara="1" wrap="square" lIns="91425" tIns="91425" rIns="91425" bIns="91425" anchor="t" anchorCtr="0">
             <a:noAutofit/>
           </a:bodyPr>
           <a:lstStyle/>
           <a:p>
-            <a:pPr indent="-342900" lvl="0" marL="457200" rtl="0" algn="l">
+            <a:pPr marL="457200" lvl="0" indent="-342900" algn="l" rtl="0">
               <a:spcBef>
                 <a:spcPts val="0"/>
               </a:spcBef>
@@ -10837,7 +11016,7 @@
               <a:t>An </a:t>
             </a:r>
             <a:r>
-              <a:rPr b="1" lang="en"/>
+              <a:rPr lang="en" b="1"/>
               <a:t>interface</a:t>
             </a:r>
             <a:r>
@@ -10845,7 +11024,7 @@
               <a:t> define a protocol of behavior </a:t>
             </a:r>
             <a:r>
-              <a:rPr b="1" lang="en"/>
+              <a:rPr lang="en" b="1"/>
               <a:t>that can be implemented by any class</a:t>
             </a:r>
             <a:r>
@@ -10855,7 +11034,7 @@
             <a:endParaRPr/>
           </a:p>
           <a:p>
-            <a:pPr indent="-342900" lvl="0" marL="457200" rtl="0" algn="l">
+            <a:pPr marL="457200" lvl="0" indent="-342900" algn="l" rtl="0">
               <a:spcBef>
                 <a:spcPts val="0"/>
               </a:spcBef>
@@ -10870,7 +11049,7 @@
               <a:t>An interface </a:t>
             </a:r>
             <a:r>
-              <a:rPr b="1" lang="en">
+              <a:rPr lang="en" b="1">
                 <a:solidFill>
                   <a:srgbClr val="0000FF"/>
                 </a:solidFill>
@@ -10882,7 +11061,7 @@
               <a:t> a set of method but </a:t>
             </a:r>
             <a:r>
-              <a:rPr b="1" lang="en">
+              <a:rPr lang="en" b="1">
                 <a:solidFill>
                   <a:srgbClr val="0000FF"/>
                 </a:solidFill>
@@ -10896,7 +11075,7 @@
             <a:endParaRPr/>
           </a:p>
           <a:p>
-            <a:pPr indent="-342900" lvl="0" marL="457200" rtl="0" algn="l">
+            <a:pPr marL="457200" lvl="0" indent="-342900" algn="l" rtl="0">
               <a:spcBef>
                 <a:spcPts val="0"/>
               </a:spcBef>
@@ -10908,28 +11087,12 @@
             </a:pPr>
             <a:r>
               <a:rPr lang="en"/>
-              <a:t>A class that implements the interface </a:t>
-            </a:r>
-            <a:r>
-              <a:rPr lang="en"/>
-              <a:t>agrees</a:t>
-            </a:r>
-            <a:r>
-              <a:rPr lang="en"/>
-              <a:t> to implement all the methods define in the interface, thereby agreeing to certain </a:t>
-            </a:r>
-            <a:r>
-              <a:rPr lang="en"/>
-              <a:t>behavior</a:t>
-            </a:r>
-            <a:r>
-              <a:rPr lang="en"/>
-              <a:t>.</a:t>
+              <a:t>A class that implements the interface agrees to implement all the methods define in the interface, thereby agreeing to certain behavior.</a:t>
             </a:r>
             <a:endParaRPr/>
           </a:p>
           <a:p>
-            <a:pPr indent="-342900" lvl="0" marL="457200" rtl="0" algn="l">
+            <a:pPr marL="457200" lvl="0" indent="-342900" algn="l" rtl="0">
               <a:spcBef>
                 <a:spcPts val="0"/>
               </a:spcBef>
@@ -10941,20 +11104,12 @@
             </a:pPr>
             <a:r>
               <a:rPr lang="en"/>
-              <a:t>An interface is a named collection of methods </a:t>
-            </a:r>
-            <a:r>
-              <a:rPr lang="en"/>
-              <a:t>definition</a:t>
-            </a:r>
-            <a:r>
-              <a:rPr lang="en"/>
-              <a:t> (without implementations)</a:t>
+              <a:t>An interface is a named collection of methods definition (without implementations)</a:t>
             </a:r>
             <a:endParaRPr/>
           </a:p>
           <a:p>
-            <a:pPr indent="-342900" lvl="0" marL="457200" rtl="0" algn="l">
+            <a:pPr marL="457200" lvl="0" indent="-342900" algn="l" rtl="0">
               <a:spcBef>
                 <a:spcPts val="0"/>
               </a:spcBef>
@@ -10966,20 +11121,12 @@
             </a:pPr>
             <a:r>
               <a:rPr lang="en"/>
-              <a:t>Interface reserves </a:t>
-            </a:r>
-            <a:r>
-              <a:rPr lang="en"/>
-              <a:t>behaviour</a:t>
-            </a:r>
-            <a:r>
-              <a:rPr lang="en"/>
-              <a:t> for classes</a:t>
+              <a:t>Interface reserves behaviour for classes</a:t>
             </a:r>
             <a:endParaRPr/>
           </a:p>
           <a:p>
-            <a:pPr indent="-342900" lvl="0" marL="457200" rtl="0" algn="l">
+            <a:pPr marL="457200" lvl="0" indent="-342900" algn="l" rtl="0">
               <a:spcBef>
                 <a:spcPts val="0"/>
               </a:spcBef>
@@ -10994,7 +11141,7 @@
               <a:t>Methods declared in an interface </a:t>
             </a:r>
             <a:r>
-              <a:rPr b="1" lang="en">
+              <a:rPr lang="en" b="1">
                 <a:solidFill>
                   <a:srgbClr val="0000FF"/>
                 </a:solidFill>
@@ -11003,20 +11150,12 @@
             </a:r>
             <a:r>
               <a:rPr lang="en"/>
-              <a:t>, JAVA compiler will not </a:t>
-            </a:r>
-            <a:r>
-              <a:rPr lang="en"/>
-              <a:t>complain</a:t>
-            </a:r>
-            <a:r>
-              <a:rPr lang="en"/>
-              <a:t> if you omit both keywords.</a:t>
+              <a:t>, JAVA compiler will not complain if you omit both keywords.</a:t>
             </a:r>
             <a:endParaRPr/>
           </a:p>
           <a:p>
-            <a:pPr indent="-342900" lvl="0" marL="457200" rtl="0" algn="l">
+            <a:pPr marL="457200" lvl="0" indent="-342900" algn="l" rtl="0">
               <a:spcBef>
                 <a:spcPts val="0"/>
               </a:spcBef>
@@ -11027,7 +11166,7 @@
               <a:buChar char="●"/>
             </a:pPr>
             <a:r>
-              <a:rPr b="1" lang="en">
+              <a:rPr lang="en" b="1">
                 <a:solidFill>
                   <a:srgbClr val="0000FF"/>
                 </a:solidFill>
@@ -11079,11 +11218,11 @@
 </file>
 
 <file path=ppt/slides/slide8.xml><?xml version="1.0" encoding="utf-8"?>
-<p:sld xmlns:a="http://schemas.openxmlformats.org/drawingml/2006/main" xmlns:r="http://schemas.openxmlformats.org/officeDocument/2006/relationships" xmlns:mc="http://schemas.openxmlformats.org/markup-compatibility/2006" xmlns:mv="urn:schemas-microsoft-com:mac:vml" xmlns:p="http://schemas.openxmlformats.org/presentationml/2006/main" xmlns:c="http://schemas.openxmlformats.org/drawingml/2006/chart" xmlns:dgm="http://schemas.openxmlformats.org/drawingml/2006/diagram" xmlns:o="urn:schemas-microsoft-com:office:office" xmlns:v="urn:schemas-microsoft-com:vml" xmlns:pvml="urn:schemas-microsoft-com:office:powerpoint" xmlns:com="http://schemas.openxmlformats.org/drawingml/2006/compatibility" xmlns:p14="http://schemas.microsoft.com/office/powerpoint/2010/main" xmlns:p15="http://schemas.microsoft.com/office/powerpoint/2012/main" xmlns:ahyp="http://schemas.microsoft.com/office/drawing/2018/hyperlinkcolor">
+<p:sld xmlns:a="http://schemas.openxmlformats.org/drawingml/2006/main" xmlns:r="http://schemas.openxmlformats.org/officeDocument/2006/relationships" xmlns:p="http://schemas.openxmlformats.org/presentationml/2006/main">
   <p:cSld>
     <p:spTree>
       <p:nvGrpSpPr>
-        <p:cNvPr id="115" name="Shape 115"/>
+        <p:cNvPr id="1" name="Shape 115"/>
         <p:cNvGrpSpPr/>
         <p:nvPr/>
       </p:nvGrpSpPr>
@@ -11098,7 +11237,9 @@
       <p:sp>
         <p:nvSpPr>
           <p:cNvPr id="116" name="Google Shape;116;p20"/>
-          <p:cNvSpPr txBox="1"/>
+          <p:cNvSpPr txBox="1">
+            <a:spLocks noGrp="1"/>
+          </p:cNvSpPr>
           <p:nvPr>
             <p:ph type="title"/>
           </p:nvPr>
@@ -11113,12 +11254,12 @@
           </a:prstGeom>
         </p:spPr>
         <p:txBody>
-          <a:bodyPr anchorCtr="0" anchor="t" bIns="91425" lIns="91425" spcFirstLastPara="1" rIns="91425" wrap="square" tIns="91425">
+          <a:bodyPr spcFirstLastPara="1" wrap="square" lIns="91425" tIns="91425" rIns="91425" bIns="91425" anchor="t" anchorCtr="0">
             <a:noAutofit/>
           </a:bodyPr>
           <a:lstStyle/>
           <a:p>
-            <a:pPr indent="0" lvl="0" marL="0" rtl="0" algn="l">
+            <a:pPr marL="0" lvl="0" indent="0" algn="l" rtl="0">
               <a:spcBef>
                 <a:spcPts val="0"/>
               </a:spcBef>
@@ -11128,7 +11269,7 @@
               <a:buNone/>
             </a:pPr>
             <a:r>
-              <a:rPr b="1" lang="en">
+              <a:rPr lang="en" b="1">
                 <a:solidFill>
                   <a:srgbClr val="0000FF"/>
                 </a:solidFill>
@@ -11146,9 +11287,11 @@
       <p:sp>
         <p:nvSpPr>
           <p:cNvPr id="117" name="Google Shape;117;p20"/>
-          <p:cNvSpPr txBox="1"/>
+          <p:cNvSpPr txBox="1">
+            <a:spLocks noGrp="1"/>
+          </p:cNvSpPr>
           <p:nvPr>
-            <p:ph idx="1" type="body"/>
+            <p:ph type="body" idx="1"/>
           </p:nvPr>
         </p:nvSpPr>
         <p:spPr>
@@ -11161,12 +11304,12 @@
           </a:prstGeom>
         </p:spPr>
         <p:txBody>
-          <a:bodyPr anchorCtr="0" anchor="t" bIns="91425" lIns="91425" spcFirstLastPara="1" rIns="91425" wrap="square" tIns="91425">
+          <a:bodyPr spcFirstLastPara="1" wrap="square" lIns="91425" tIns="91425" rIns="91425" bIns="91425" anchor="t" anchorCtr="0">
             <a:noAutofit/>
           </a:bodyPr>
           <a:lstStyle/>
           <a:p>
-            <a:pPr indent="-342900" lvl="0" marL="457200" rtl="0" algn="l">
+            <a:pPr marL="457200" lvl="0" indent="-342900" algn="l" rtl="0">
               <a:spcBef>
                 <a:spcPts val="0"/>
               </a:spcBef>
@@ -11183,7 +11326,7 @@
             <a:endParaRPr/>
           </a:p>
           <a:p>
-            <a:pPr indent="-342900" lvl="0" marL="457200" rtl="0" algn="l">
+            <a:pPr marL="457200" lvl="0" indent="-342900" algn="l" rtl="0">
               <a:spcBef>
                 <a:spcPts val="0"/>
               </a:spcBef>
@@ -11195,20 +11338,12 @@
             </a:pPr>
             <a:r>
               <a:rPr lang="en"/>
-              <a:t>Interface are syntactically similar to classes, but they lack instance </a:t>
-            </a:r>
-            <a:r>
-              <a:rPr lang="en"/>
-              <a:t>variables</a:t>
-            </a:r>
-            <a:r>
-              <a:rPr lang="en"/>
-              <a:t> and their methods are defined without any body.</a:t>
+              <a:t>Interface are syntactically similar to classes, but they lack instance variables and their methods are defined without any body.</a:t>
             </a:r>
             <a:endParaRPr/>
           </a:p>
           <a:p>
-            <a:pPr indent="0" lvl="0" marL="0" rtl="0" algn="l">
+            <a:pPr marL="0" lvl="0" indent="0" algn="l" rtl="0">
               <a:spcBef>
                 <a:spcPts val="1600"/>
               </a:spcBef>
@@ -11224,7 +11359,7 @@
             <a:endParaRPr/>
           </a:p>
           <a:p>
-            <a:pPr indent="0" lvl="0" marL="0" rtl="0" algn="l">
+            <a:pPr marL="0" lvl="0" indent="0" algn="l" rtl="0">
               <a:spcBef>
                 <a:spcPts val="1600"/>
               </a:spcBef>
@@ -11248,7 +11383,7 @@
             <a:endParaRPr/>
           </a:p>
           <a:p>
-            <a:pPr indent="0" lvl="0" marL="0" rtl="0" algn="l">
+            <a:pPr marL="0" lvl="0" indent="0" algn="l" rtl="0">
               <a:spcBef>
                 <a:spcPts val="1600"/>
               </a:spcBef>
@@ -11288,7 +11423,7 @@
             <a:endParaRPr/>
           </a:p>
           <a:p>
-            <a:pPr indent="0" lvl="0" marL="0" rtl="0" algn="l">
+            <a:pPr marL="0" lvl="0" indent="0" algn="l" rtl="0">
               <a:spcBef>
                 <a:spcPts val="1600"/>
               </a:spcBef>
@@ -11342,11 +11477,11 @@
 </file>
 
 <file path=ppt/slides/slide9.xml><?xml version="1.0" encoding="utf-8"?>
-<p:sld xmlns:a="http://schemas.openxmlformats.org/drawingml/2006/main" xmlns:r="http://schemas.openxmlformats.org/officeDocument/2006/relationships" xmlns:mc="http://schemas.openxmlformats.org/markup-compatibility/2006" xmlns:mv="urn:schemas-microsoft-com:mac:vml" xmlns:p="http://schemas.openxmlformats.org/presentationml/2006/main" xmlns:c="http://schemas.openxmlformats.org/drawingml/2006/chart" xmlns:dgm="http://schemas.openxmlformats.org/drawingml/2006/diagram" xmlns:o="urn:schemas-microsoft-com:office:office" xmlns:v="urn:schemas-microsoft-com:vml" xmlns:pvml="urn:schemas-microsoft-com:office:powerpoint" xmlns:com="http://schemas.openxmlformats.org/drawingml/2006/compatibility" xmlns:p14="http://schemas.microsoft.com/office/powerpoint/2010/main" xmlns:p15="http://schemas.microsoft.com/office/powerpoint/2012/main" xmlns:ahyp="http://schemas.microsoft.com/office/drawing/2018/hyperlinkcolor">
+<p:sld xmlns:a="http://schemas.openxmlformats.org/drawingml/2006/main" xmlns:r="http://schemas.openxmlformats.org/officeDocument/2006/relationships" xmlns:p="http://schemas.openxmlformats.org/presentationml/2006/main">
   <p:cSld>
     <p:spTree>
       <p:nvGrpSpPr>
-        <p:cNvPr id="122" name="Shape 122"/>
+        <p:cNvPr id="1" name="Shape 122"/>
         <p:cNvGrpSpPr/>
         <p:nvPr/>
       </p:nvGrpSpPr>
@@ -11361,7 +11496,9 @@
       <p:sp>
         <p:nvSpPr>
           <p:cNvPr id="123" name="Google Shape;123;p21"/>
-          <p:cNvSpPr txBox="1"/>
+          <p:cNvSpPr txBox="1">
+            <a:spLocks noGrp="1"/>
+          </p:cNvSpPr>
           <p:nvPr>
             <p:ph type="title"/>
           </p:nvPr>
@@ -11376,12 +11513,12 @@
           </a:prstGeom>
         </p:spPr>
         <p:txBody>
-          <a:bodyPr anchorCtr="0" anchor="t" bIns="91425" lIns="91425" spcFirstLastPara="1" rIns="91425" wrap="square" tIns="91425">
+          <a:bodyPr spcFirstLastPara="1" wrap="square" lIns="91425" tIns="91425" rIns="91425" bIns="91425" anchor="t" anchorCtr="0">
             <a:noAutofit/>
           </a:bodyPr>
           <a:lstStyle/>
           <a:p>
-            <a:pPr indent="0" lvl="0" marL="0" rtl="0" algn="l">
+            <a:pPr marL="0" lvl="0" indent="0" algn="l" rtl="0">
               <a:spcBef>
                 <a:spcPts val="0"/>
               </a:spcBef>
@@ -11391,7 +11528,7 @@
               <a:buNone/>
             </a:pPr>
             <a:r>
-              <a:rPr b="1" lang="en">
+              <a:rPr lang="en" b="1">
                 <a:solidFill>
                   <a:srgbClr val="0000FF"/>
                 </a:solidFill>
@@ -11409,9 +11546,11 @@
       <p:sp>
         <p:nvSpPr>
           <p:cNvPr id="124" name="Google Shape;124;p21"/>
-          <p:cNvSpPr txBox="1"/>
+          <p:cNvSpPr txBox="1">
+            <a:spLocks noGrp="1"/>
+          </p:cNvSpPr>
           <p:nvPr>
-            <p:ph idx="1" type="body"/>
+            <p:ph type="body" idx="1"/>
           </p:nvPr>
         </p:nvSpPr>
         <p:spPr>
@@ -11424,12 +11563,12 @@
           </a:prstGeom>
         </p:spPr>
         <p:txBody>
-          <a:bodyPr anchorCtr="0" anchor="t" bIns="91425" lIns="91425" spcFirstLastPara="1" rIns="91425" wrap="square" tIns="91425">
+          <a:bodyPr spcFirstLastPara="1" wrap="square" lIns="91425" tIns="91425" rIns="91425" bIns="91425" anchor="t" anchorCtr="0">
             <a:noAutofit/>
           </a:bodyPr>
           <a:lstStyle/>
           <a:p>
-            <a:pPr indent="-342900" lvl="0" marL="457200" rtl="0" algn="l">
+            <a:pPr marL="457200" lvl="0" indent="-342900" algn="l" rtl="0">
               <a:spcBef>
                 <a:spcPts val="0"/>
               </a:spcBef>
@@ -11446,7 +11585,7 @@
             <a:endParaRPr/>
           </a:p>
           <a:p>
-            <a:pPr indent="0" lvl="0" marL="0" rtl="0" algn="l">
+            <a:pPr marL="0" lvl="0" indent="0" algn="l" rtl="0">
               <a:spcBef>
                 <a:spcPts val="1600"/>
               </a:spcBef>
@@ -11455,13 +11594,10 @@
               </a:spcAft>
               <a:buNone/>
             </a:pPr>
-            <a:r>
-              <a:t/>
-            </a:r>
             <a:endParaRPr/>
           </a:p>
           <a:p>
-            <a:pPr indent="0" lvl="0" marL="0" rtl="0" algn="l">
+            <a:pPr marL="0" lvl="0" indent="0" algn="l" rtl="0">
               <a:spcBef>
                 <a:spcPts val="1600"/>
               </a:spcBef>
@@ -11470,13 +11606,10 @@
               </a:spcAft>
               <a:buNone/>
             </a:pPr>
-            <a:r>
-              <a:t/>
-            </a:r>
             <a:endParaRPr/>
           </a:p>
           <a:p>
-            <a:pPr indent="-342900" lvl="0" marL="457200" rtl="0" algn="l">
+            <a:pPr marL="457200" lvl="0" indent="-342900" algn="l" rtl="0">
               <a:spcBef>
                 <a:spcPts val="1600"/>
               </a:spcBef>
@@ -11488,15 +11621,7 @@
             </a:pPr>
             <a:r>
               <a:rPr lang="en"/>
-              <a:t>Also, one can </a:t>
-            </a:r>
-            <a:r>
-              <a:rPr lang="en"/>
-              <a:t>implement</a:t>
-            </a:r>
-            <a:r>
-              <a:rPr lang="en"/>
-              <a:t> any number of interfacing class</a:t>
+              <a:t>Also, one can implement any number of interfacing class</a:t>
             </a:r>
             <a:endParaRPr/>
           </a:p>
@@ -11519,23 +11644,23 @@
           <a:solidFill>
             <a:schemeClr val="lt2"/>
           </a:solidFill>
-          <a:ln cap="flat" cmpd="sng" w="9525">
+          <a:ln w="9525" cap="flat" cmpd="sng">
             <a:solidFill>
               <a:schemeClr val="dk2"/>
             </a:solidFill>
             <a:prstDash val="solid"/>
             <a:round/>
-            <a:headEnd len="sm" w="sm" type="none"/>
-            <a:tailEnd len="sm" w="sm" type="none"/>
+            <a:headEnd type="none" w="sm" len="sm"/>
+            <a:tailEnd type="none" w="sm" len="sm"/>
           </a:ln>
         </p:spPr>
         <p:txBody>
-          <a:bodyPr anchorCtr="0" anchor="ctr" bIns="91425" lIns="91425" spcFirstLastPara="1" rIns="91425" wrap="square" tIns="91425">
+          <a:bodyPr spcFirstLastPara="1" wrap="square" lIns="91425" tIns="91425" rIns="91425" bIns="91425" anchor="ctr" anchorCtr="0">
             <a:noAutofit/>
           </a:bodyPr>
           <a:lstStyle/>
           <a:p>
-            <a:pPr indent="0" lvl="0" marL="0" rtl="0" algn="l">
+            <a:pPr marL="0" lvl="0" indent="0" algn="l" rtl="0">
               <a:spcBef>
                 <a:spcPts val="0"/>
               </a:spcBef>
@@ -11569,23 +11694,23 @@
           <a:solidFill>
             <a:schemeClr val="lt2"/>
           </a:solidFill>
-          <a:ln cap="flat" cmpd="sng" w="9525">
+          <a:ln w="9525" cap="flat" cmpd="sng">
             <a:solidFill>
               <a:schemeClr val="dk2"/>
             </a:solidFill>
             <a:prstDash val="solid"/>
             <a:round/>
-            <a:headEnd len="sm" w="sm" type="none"/>
-            <a:tailEnd len="sm" w="sm" type="none"/>
+            <a:headEnd type="none" w="sm" len="sm"/>
+            <a:tailEnd type="none" w="sm" len="sm"/>
           </a:ln>
         </p:spPr>
         <p:txBody>
-          <a:bodyPr anchorCtr="0" anchor="ctr" bIns="91425" lIns="91425" spcFirstLastPara="1" rIns="91425" wrap="square" tIns="91425">
+          <a:bodyPr spcFirstLastPara="1" wrap="square" lIns="91425" tIns="91425" rIns="91425" bIns="91425" anchor="ctr" anchorCtr="0">
             <a:noAutofit/>
           </a:bodyPr>
           <a:lstStyle/>
           <a:p>
-            <a:pPr indent="0" lvl="0" marL="0" rtl="0" algn="l">
+            <a:pPr marL="0" lvl="0" indent="0" algn="l" rtl="0">
               <a:spcBef>
                 <a:spcPts val="0"/>
               </a:spcBef>
@@ -11619,23 +11744,23 @@
           <a:solidFill>
             <a:schemeClr val="lt2"/>
           </a:solidFill>
-          <a:ln cap="flat" cmpd="sng" w="9525">
+          <a:ln w="9525" cap="flat" cmpd="sng">
             <a:solidFill>
               <a:schemeClr val="dk2"/>
             </a:solidFill>
             <a:prstDash val="solid"/>
             <a:round/>
-            <a:headEnd len="sm" w="sm" type="none"/>
-            <a:tailEnd len="sm" w="sm" type="none"/>
+            <a:headEnd type="none" w="sm" len="sm"/>
+            <a:tailEnd type="none" w="sm" len="sm"/>
           </a:ln>
         </p:spPr>
         <p:txBody>
-          <a:bodyPr anchorCtr="0" anchor="ctr" bIns="91425" lIns="91425" spcFirstLastPara="1" rIns="91425" wrap="square" tIns="91425">
+          <a:bodyPr spcFirstLastPara="1" wrap="square" lIns="91425" tIns="91425" rIns="91425" bIns="91425" anchor="ctr" anchorCtr="0">
             <a:noAutofit/>
           </a:bodyPr>
           <a:lstStyle/>
           <a:p>
-            <a:pPr indent="0" lvl="0" marL="0" rtl="0" algn="l">
+            <a:pPr marL="0" lvl="0" indent="0" algn="l" rtl="0">
               <a:spcBef>
                 <a:spcPts val="0"/>
               </a:spcBef>
@@ -11670,14 +11795,14 @@
             <a:avLst/>
           </a:prstGeom>
           <a:noFill/>
-          <a:ln cap="flat" cmpd="sng" w="9525">
+          <a:ln w="9525" cap="flat" cmpd="sng">
             <a:solidFill>
               <a:schemeClr val="dk2"/>
             </a:solidFill>
             <a:prstDash val="solid"/>
             <a:round/>
-            <a:headEnd len="med" w="med" type="stealth"/>
-            <a:tailEnd len="med" w="med" type="none"/>
+            <a:headEnd type="stealth" w="med" len="med"/>
+            <a:tailEnd type="none" w="med" len="med"/>
           </a:ln>
         </p:spPr>
       </p:cxnSp>
@@ -11699,14 +11824,14 @@
             <a:avLst/>
           </a:prstGeom>
           <a:noFill/>
-          <a:ln cap="flat" cmpd="sng" w="9525">
+          <a:ln w="9525" cap="flat" cmpd="sng">
             <a:solidFill>
               <a:schemeClr val="dk2"/>
             </a:solidFill>
             <a:prstDash val="solid"/>
             <a:round/>
-            <a:headEnd len="med" w="med" type="none"/>
-            <a:tailEnd len="med" w="med" type="stealth"/>
+            <a:headEnd type="none" w="med" len="med"/>
+            <a:tailEnd type="stealth" w="med" len="med"/>
           </a:ln>
         </p:spPr>
       </p:cxnSp>
@@ -11727,23 +11852,23 @@
           <a:solidFill>
             <a:schemeClr val="lt2"/>
           </a:solidFill>
-          <a:ln cap="flat" cmpd="sng" w="9525">
+          <a:ln w="9525" cap="flat" cmpd="sng">
             <a:solidFill>
               <a:schemeClr val="dk2"/>
             </a:solidFill>
             <a:prstDash val="solid"/>
             <a:round/>
-            <a:headEnd len="sm" w="sm" type="none"/>
-            <a:tailEnd len="sm" w="sm" type="none"/>
+            <a:headEnd type="none" w="sm" len="sm"/>
+            <a:tailEnd type="none" w="sm" len="sm"/>
           </a:ln>
         </p:spPr>
         <p:txBody>
-          <a:bodyPr anchorCtr="0" anchor="ctr" bIns="91425" lIns="91425" spcFirstLastPara="1" rIns="91425" wrap="square" tIns="91425">
+          <a:bodyPr spcFirstLastPara="1" wrap="square" lIns="91425" tIns="91425" rIns="91425" bIns="91425" anchor="ctr" anchorCtr="0">
             <a:noAutofit/>
           </a:bodyPr>
           <a:lstStyle/>
           <a:p>
-            <a:pPr indent="0" lvl="0" marL="0" rtl="0" algn="l">
+            <a:pPr marL="0" lvl="0" indent="0" algn="l" rtl="0">
               <a:spcBef>
                 <a:spcPts val="0"/>
               </a:spcBef>
@@ -11777,23 +11902,23 @@
           <a:solidFill>
             <a:schemeClr val="lt2"/>
           </a:solidFill>
-          <a:ln cap="flat" cmpd="sng" w="9525">
+          <a:ln w="9525" cap="flat" cmpd="sng">
             <a:solidFill>
               <a:schemeClr val="dk2"/>
             </a:solidFill>
             <a:prstDash val="solid"/>
             <a:round/>
-            <a:headEnd len="sm" w="sm" type="none"/>
-            <a:tailEnd len="sm" w="sm" type="none"/>
+            <a:headEnd type="none" w="sm" len="sm"/>
+            <a:tailEnd type="none" w="sm" len="sm"/>
           </a:ln>
         </p:spPr>
         <p:txBody>
-          <a:bodyPr anchorCtr="0" anchor="ctr" bIns="91425" lIns="91425" spcFirstLastPara="1" rIns="91425" wrap="square" tIns="91425">
+          <a:bodyPr spcFirstLastPara="1" wrap="square" lIns="91425" tIns="91425" rIns="91425" bIns="91425" anchor="ctr" anchorCtr="0">
             <a:noAutofit/>
           </a:bodyPr>
           <a:lstStyle/>
           <a:p>
-            <a:pPr indent="0" lvl="0" marL="0" rtl="0" algn="l">
+            <a:pPr marL="0" lvl="0" indent="0" algn="l" rtl="0">
               <a:spcBef>
                 <a:spcPts val="0"/>
               </a:spcBef>
@@ -11827,23 +11952,23 @@
           <a:solidFill>
             <a:schemeClr val="lt2"/>
           </a:solidFill>
-          <a:ln cap="flat" cmpd="sng" w="9525">
+          <a:ln w="9525" cap="flat" cmpd="sng">
             <a:solidFill>
               <a:schemeClr val="dk2"/>
             </a:solidFill>
             <a:prstDash val="solid"/>
             <a:round/>
-            <a:headEnd len="sm" w="sm" type="none"/>
-            <a:tailEnd len="sm" w="sm" type="none"/>
+            <a:headEnd type="none" w="sm" len="sm"/>
+            <a:tailEnd type="none" w="sm" len="sm"/>
           </a:ln>
         </p:spPr>
         <p:txBody>
-          <a:bodyPr anchorCtr="0" anchor="ctr" bIns="91425" lIns="91425" spcFirstLastPara="1" rIns="91425" wrap="square" tIns="91425">
+          <a:bodyPr spcFirstLastPara="1" wrap="square" lIns="91425" tIns="91425" rIns="91425" bIns="91425" anchor="ctr" anchorCtr="0">
             <a:noAutofit/>
           </a:bodyPr>
           <a:lstStyle/>
           <a:p>
-            <a:pPr indent="0" lvl="0" marL="0" rtl="0" algn="l">
+            <a:pPr marL="0" lvl="0" indent="0" algn="l" rtl="0">
               <a:spcBef>
                 <a:spcPts val="0"/>
               </a:spcBef>
@@ -11877,23 +12002,23 @@
           <a:solidFill>
             <a:schemeClr val="lt2"/>
           </a:solidFill>
-          <a:ln cap="flat" cmpd="sng" w="9525">
+          <a:ln w="9525" cap="flat" cmpd="sng">
             <a:solidFill>
               <a:schemeClr val="dk2"/>
             </a:solidFill>
             <a:prstDash val="solid"/>
             <a:round/>
-            <a:headEnd len="sm" w="sm" type="none"/>
-            <a:tailEnd len="sm" w="sm" type="none"/>
+            <a:headEnd type="none" w="sm" len="sm"/>
+            <a:tailEnd type="none" w="sm" len="sm"/>
           </a:ln>
         </p:spPr>
         <p:txBody>
-          <a:bodyPr anchorCtr="0" anchor="ctr" bIns="91425" lIns="91425" spcFirstLastPara="1" rIns="91425" wrap="square" tIns="91425">
+          <a:bodyPr spcFirstLastPara="1" wrap="square" lIns="91425" tIns="91425" rIns="91425" bIns="91425" anchor="ctr" anchorCtr="0">
             <a:noAutofit/>
           </a:bodyPr>
           <a:lstStyle/>
           <a:p>
-            <a:pPr indent="0" lvl="0" marL="0" rtl="0" algn="ctr">
+            <a:pPr marL="0" lvl="0" indent="0" algn="ctr" rtl="0">
               <a:spcBef>
                 <a:spcPts val="0"/>
               </a:spcBef>
@@ -11928,14 +12053,14 @@
             <a:avLst/>
           </a:prstGeom>
           <a:noFill/>
-          <a:ln cap="flat" cmpd="sng" w="9525">
+          <a:ln w="9525" cap="flat" cmpd="sng">
             <a:solidFill>
               <a:schemeClr val="dk2"/>
             </a:solidFill>
             <a:prstDash val="solid"/>
             <a:round/>
-            <a:headEnd len="med" w="med" type="none"/>
-            <a:tailEnd len="med" w="med" type="none"/>
+            <a:headEnd type="none" w="med" len="med"/>
+            <a:tailEnd type="none" w="med" len="med"/>
           </a:ln>
         </p:spPr>
       </p:cxnSp>
@@ -11957,14 +12082,14 @@
             <a:avLst/>
           </a:prstGeom>
           <a:noFill/>
-          <a:ln cap="flat" cmpd="sng" w="9525">
+          <a:ln w="9525" cap="flat" cmpd="sng">
             <a:solidFill>
               <a:schemeClr val="dk2"/>
             </a:solidFill>
             <a:prstDash val="solid"/>
             <a:round/>
-            <a:headEnd len="med" w="med" type="none"/>
-            <a:tailEnd len="med" w="med" type="none"/>
+            <a:headEnd type="none" w="med" len="med"/>
+            <a:tailEnd type="none" w="med" len="med"/>
           </a:ln>
         </p:spPr>
       </p:cxnSp>
@@ -11978,7 +12103,7 @@
           <p:nvPr/>
         </p:nvCxnSpPr>
         <p:spPr>
-          <a:xfrm flipH="1" rot="10800000">
+          <a:xfrm rot="10800000" flipH="1">
             <a:off x="3974250" y="3862075"/>
             <a:ext cx="1741500" cy="567300"/>
           </a:xfrm>
@@ -11986,14 +12111,14 @@
             <a:avLst/>
           </a:prstGeom>
           <a:noFill/>
-          <a:ln cap="flat" cmpd="sng" w="9525">
+          <a:ln w="9525" cap="flat" cmpd="sng">
             <a:solidFill>
               <a:schemeClr val="dk2"/>
             </a:solidFill>
             <a:prstDash val="solid"/>
             <a:round/>
-            <a:headEnd len="med" w="med" type="none"/>
-            <a:tailEnd len="med" w="med" type="none"/>
+            <a:headEnd type="none" w="med" len="med"/>
+            <a:tailEnd type="none" w="med" len="med"/>
           </a:ln>
         </p:spPr>
       </p:cxnSp>
@@ -12034,7 +12159,7 @@
 </file>
 
 <file path=ppt/theme/theme1.xml><?xml version="1.0" encoding="utf-8"?>
-<a:theme xmlns:a="http://schemas.openxmlformats.org/drawingml/2006/main" xmlns:r="http://schemas.openxmlformats.org/officeDocument/2006/relationships" name="Simple Light">
+<a:theme xmlns:a="http://schemas.openxmlformats.org/drawingml/2006/main" name="Simple Light">
   <a:themeElements>
     <a:clrScheme name="Simple Light">
       <a:dk1>
@@ -12309,11 +12434,13 @@
       </a:bgFillStyleLst>
     </a:fmtScheme>
   </a:themeElements>
+  <a:objectDefaults/>
+  <a:extraClrSchemeLst/>
 </a:theme>
 </file>
 
 <file path=ppt/theme/theme2.xml><?xml version="1.0" encoding="utf-8"?>
-<a:theme xmlns:a="http://schemas.openxmlformats.org/drawingml/2006/main" xmlns:r="http://schemas.openxmlformats.org/officeDocument/2006/relationships">
+<a:theme xmlns:a="http://schemas.openxmlformats.org/drawingml/2006/main">
   <a:themeElements>
     <a:clrScheme name="Default">
       <a:dk1>
@@ -12588,5 +12715,7 @@
       </a:bgFillStyleLst>
     </a:fmtScheme>
   </a:themeElements>
+  <a:objectDefaults/>
+  <a:extraClrSchemeLst/>
 </a:theme>
 </file>